--- a/Doc/Architecture_slide.pptx
+++ b/Doc/Architecture_slide.pptx
@@ -5,12 +5,14 @@
     <p:sldMasterId id="2147483699" r:id="rId1"/>
   </p:sldMasterIdLst>
   <p:sldIdLst>
-    <p:sldId id="257" r:id="rId2"/>
-    <p:sldId id="256" r:id="rId3"/>
-    <p:sldId id="258" r:id="rId4"/>
-    <p:sldId id="259" r:id="rId5"/>
-    <p:sldId id="260" r:id="rId6"/>
+    <p:sldId id="262" r:id="rId2"/>
+    <p:sldId id="257" r:id="rId3"/>
+    <p:sldId id="256" r:id="rId4"/>
+    <p:sldId id="258" r:id="rId5"/>
+    <p:sldId id="259" r:id="rId6"/>
     <p:sldId id="261" r:id="rId7"/>
+    <p:sldId id="260" r:id="rId8"/>
+    <p:sldId id="263" r:id="rId9"/>
   </p:sldIdLst>
   <p:sldSz cx="12192000" cy="6858000"/>
   <p:notesSz cx="6858000" cy="9144000"/>
@@ -257,7 +259,7 @@
           <a:p>
             <a:fld id="{48A87A34-81AB-432B-8DAE-1953F412C126}" type="datetimeFigureOut">
               <a:rPr lang="en-US" smtClean="0"/>
-              <a:t>12/1/2016</a:t>
+              <a:t>12/7/2016</a:t>
             </a:fld>
             <a:endParaRPr lang="en-US" dirty="0"/>
           </a:p>
@@ -425,7 +427,7 @@
           <a:p>
             <a:fld id="{48A87A34-81AB-432B-8DAE-1953F412C126}" type="datetimeFigureOut">
               <a:rPr lang="en-US" smtClean="0"/>
-              <a:t>12/1/2016</a:t>
+              <a:t>12/7/2016</a:t>
             </a:fld>
             <a:endParaRPr lang="en-US" dirty="0"/>
           </a:p>
@@ -603,7 +605,7 @@
           <a:p>
             <a:fld id="{48A87A34-81AB-432B-8DAE-1953F412C126}" type="datetimeFigureOut">
               <a:rPr lang="en-US" smtClean="0"/>
-              <a:t>12/1/2016</a:t>
+              <a:t>12/7/2016</a:t>
             </a:fld>
             <a:endParaRPr lang="en-US" dirty="0"/>
           </a:p>
@@ -771,7 +773,7 @@
           <a:p>
             <a:fld id="{48A87A34-81AB-432B-8DAE-1953F412C126}" type="datetimeFigureOut">
               <a:rPr lang="en-US" smtClean="0"/>
-              <a:t>12/1/2016</a:t>
+              <a:t>12/7/2016</a:t>
             </a:fld>
             <a:endParaRPr lang="en-US" dirty="0"/>
           </a:p>
@@ -1016,7 +1018,7 @@
           <a:p>
             <a:fld id="{48A87A34-81AB-432B-8DAE-1953F412C126}" type="datetimeFigureOut">
               <a:rPr lang="en-US" smtClean="0"/>
-              <a:t>12/1/2016</a:t>
+              <a:t>12/7/2016</a:t>
             </a:fld>
             <a:endParaRPr lang="en-US" dirty="0"/>
           </a:p>
@@ -1245,7 +1247,7 @@
           <a:p>
             <a:fld id="{48A87A34-81AB-432B-8DAE-1953F412C126}" type="datetimeFigureOut">
               <a:rPr lang="en-US" smtClean="0"/>
-              <a:t>12/1/2016</a:t>
+              <a:t>12/7/2016</a:t>
             </a:fld>
             <a:endParaRPr lang="en-US" dirty="0"/>
           </a:p>
@@ -1609,7 +1611,7 @@
           <a:p>
             <a:fld id="{48A87A34-81AB-432B-8DAE-1953F412C126}" type="datetimeFigureOut">
               <a:rPr lang="en-US" smtClean="0"/>
-              <a:t>12/1/2016</a:t>
+              <a:t>12/7/2016</a:t>
             </a:fld>
             <a:endParaRPr lang="en-US" dirty="0"/>
           </a:p>
@@ -1726,7 +1728,7 @@
           <a:p>
             <a:fld id="{48A87A34-81AB-432B-8DAE-1953F412C126}" type="datetimeFigureOut">
               <a:rPr lang="en-US" smtClean="0"/>
-              <a:t>12/1/2016</a:t>
+              <a:t>12/7/2016</a:t>
             </a:fld>
             <a:endParaRPr lang="en-US" dirty="0"/>
           </a:p>
@@ -1821,7 +1823,7 @@
           <a:p>
             <a:fld id="{48A87A34-81AB-432B-8DAE-1953F412C126}" type="datetimeFigureOut">
               <a:rPr lang="en-US" smtClean="0"/>
-              <a:t>12/1/2016</a:t>
+              <a:t>12/7/2016</a:t>
             </a:fld>
             <a:endParaRPr lang="en-US" dirty="0"/>
           </a:p>
@@ -2096,7 +2098,7 @@
           <a:p>
             <a:fld id="{48A87A34-81AB-432B-8DAE-1953F412C126}" type="datetimeFigureOut">
               <a:rPr lang="en-US" smtClean="0"/>
-              <a:t>12/1/2016</a:t>
+              <a:t>12/7/2016</a:t>
             </a:fld>
             <a:endParaRPr lang="en-US" dirty="0"/>
           </a:p>
@@ -2348,7 +2350,7 @@
           <a:p>
             <a:fld id="{48A87A34-81AB-432B-8DAE-1953F412C126}" type="datetimeFigureOut">
               <a:rPr lang="en-US" smtClean="0"/>
-              <a:t>12/1/2016</a:t>
+              <a:t>12/7/2016</a:t>
             </a:fld>
             <a:endParaRPr lang="en-US" dirty="0"/>
           </a:p>
@@ -2560,7 +2562,7 @@
             <a:fld id="{48A87A34-81AB-432B-8DAE-1953F412C126}" type="datetimeFigureOut">
               <a:rPr lang="en-US" smtClean="0"/>
               <a:pPr/>
-              <a:t>12/1/2016</a:t>
+              <a:t>12/7/2016</a:t>
             </a:fld>
             <a:endParaRPr lang="en-US" dirty="0"/>
           </a:p>
@@ -2966,6 +2968,295 @@
           <a:chExt cx="0" cy="0"/>
         </a:xfrm>
       </p:grpSpPr>
+      <p:pic>
+        <p:nvPicPr>
+          <p:cNvPr id="1026" name="Picture 2"/>
+          <p:cNvPicPr>
+            <a:picLocks noChangeAspect="1" noChangeArrowheads="1"/>
+          </p:cNvPicPr>
+          <p:nvPr/>
+        </p:nvPicPr>
+        <p:blipFill rotWithShape="1">
+          <a:blip r:embed="rId2">
+            <a:extLst>
+              <a:ext uri="{28A0092B-C50C-407E-A947-70E740481C1C}">
+                <a14:useLocalDpi xmlns:a14="http://schemas.microsoft.com/office/drawing/2010/main" val="0"/>
+              </a:ext>
+            </a:extLst>
+          </a:blip>
+          <a:srcRect l="16489" t="24680" r="52607" b="19551"/>
+          <a:stretch/>
+        </p:blipFill>
+        <p:spPr bwMode="auto">
+          <a:xfrm>
+            <a:off x="1277816" y="808893"/>
+            <a:ext cx="2274278" cy="2307431"/>
+          </a:xfrm>
+          <a:prstGeom prst="rect">
+            <a:avLst/>
+          </a:prstGeom>
+          <a:noFill/>
+          <a:ln>
+            <a:noFill/>
+          </a:ln>
+          <a:effectLst/>
+          <a:extLst>
+            <a:ext uri="{909E8E84-426E-40DD-AFC4-6F175D3DCCD1}">
+              <a14:hiddenFill xmlns:a14="http://schemas.microsoft.com/office/drawing/2010/main">
+                <a:solidFill>
+                  <a:schemeClr val="accent1"/>
+                </a:solidFill>
+              </a14:hiddenFill>
+            </a:ext>
+            <a:ext uri="{91240B29-F687-4F45-9708-019B960494DF}">
+              <a14:hiddenLine xmlns:a14="http://schemas.microsoft.com/office/drawing/2010/main" w="9525">
+                <a:solidFill>
+                  <a:schemeClr val="tx1"/>
+                </a:solidFill>
+                <a:miter lim="800000"/>
+                <a:headEnd/>
+                <a:tailEnd/>
+              </a14:hiddenLine>
+            </a:ext>
+            <a:ext uri="{AF507438-7753-43E0-B8FC-AC1667EBCBE1}">
+              <a14:hiddenEffects xmlns:a14="http://schemas.microsoft.com/office/drawing/2010/main">
+                <a:effectLst>
+                  <a:outerShdw dist="35921" dir="2700000" algn="ctr" rotWithShape="0">
+                    <a:schemeClr val="bg2"/>
+                  </a:outerShdw>
+                </a:effectLst>
+              </a14:hiddenEffects>
+            </a:ext>
+          </a:extLst>
+        </p:spPr>
+      </p:pic>
+      <p:sp>
+        <p:nvSpPr>
+          <p:cNvPr id="6" name="Oval 5"/>
+          <p:cNvSpPr/>
+          <p:nvPr/>
+        </p:nvSpPr>
+        <p:spPr>
+          <a:xfrm>
+            <a:off x="5372100" y="1075619"/>
+            <a:ext cx="2692400" cy="1358900"/>
+          </a:xfrm>
+          <a:prstGeom prst="ellipse">
+            <a:avLst/>
+          </a:prstGeom>
+        </p:spPr>
+        <p:style>
+          <a:lnRef idx="1">
+            <a:schemeClr val="accent1"/>
+          </a:lnRef>
+          <a:fillRef idx="2">
+            <a:schemeClr val="accent1"/>
+          </a:fillRef>
+          <a:effectRef idx="1">
+            <a:schemeClr val="accent1"/>
+          </a:effectRef>
+          <a:fontRef idx="minor">
+            <a:schemeClr val="dk1"/>
+          </a:fontRef>
+        </p:style>
+        <p:txBody>
+          <a:bodyPr rtlCol="0" anchor="ctr"/>
+          <a:lstStyle/>
+          <a:p>
+            <a:pPr algn="ctr"/>
+            <a:r>
+              <a:rPr lang="en-US" dirty="0"/>
+              <a:t>Data Directory</a:t>
+            </a:r>
+          </a:p>
+          <a:p>
+            <a:pPr algn="ctr"/>
+            <a:endParaRPr lang="en-US" dirty="0"/>
+          </a:p>
+        </p:txBody>
+      </p:sp>
+      <p:sp>
+        <p:nvSpPr>
+          <p:cNvPr id="7" name="Right Arrow 6"/>
+          <p:cNvSpPr/>
+          <p:nvPr/>
+        </p:nvSpPr>
+        <p:spPr>
+          <a:xfrm>
+            <a:off x="3676163" y="1562982"/>
+            <a:ext cx="1473200" cy="399626"/>
+          </a:xfrm>
+          <a:prstGeom prst="rightArrow">
+            <a:avLst/>
+          </a:prstGeom>
+        </p:spPr>
+        <p:style>
+          <a:lnRef idx="1">
+            <a:schemeClr val="accent1"/>
+          </a:lnRef>
+          <a:fillRef idx="2">
+            <a:schemeClr val="accent1"/>
+          </a:fillRef>
+          <a:effectRef idx="1">
+            <a:schemeClr val="accent1"/>
+          </a:effectRef>
+          <a:fontRef idx="minor">
+            <a:schemeClr val="dk1"/>
+          </a:fontRef>
+        </p:style>
+        <p:txBody>
+          <a:bodyPr rtlCol="0" anchor="ctr"/>
+          <a:lstStyle/>
+          <a:p>
+            <a:pPr algn="ctr"/>
+            <a:r>
+              <a:rPr lang="en-US" dirty="0"/>
+              <a:t>On load</a:t>
+            </a:r>
+          </a:p>
+        </p:txBody>
+      </p:sp>
+      <p:sp>
+        <p:nvSpPr>
+          <p:cNvPr id="5" name="TextBox 4"/>
+          <p:cNvSpPr txBox="1"/>
+          <p:nvPr/>
+        </p:nvSpPr>
+        <p:spPr>
+          <a:xfrm>
+            <a:off x="1277816" y="4818185"/>
+            <a:ext cx="7877907" cy="923330"/>
+          </a:xfrm>
+          <a:prstGeom prst="rect">
+            <a:avLst/>
+          </a:prstGeom>
+          <a:noFill/>
+        </p:spPr>
+        <p:txBody>
+          <a:bodyPr wrap="square" rtlCol="0">
+            <a:spAutoFit/>
+          </a:bodyPr>
+          <a:lstStyle/>
+          <a:p>
+            <a:r>
+              <a:rPr lang="en-US" dirty="0" err="1"/>
+              <a:t>Ծրագիրն</a:t>
+            </a:r>
+            <a:r>
+              <a:rPr lang="en-US" dirty="0"/>
+              <a:t> </a:t>
+            </a:r>
+            <a:r>
+              <a:rPr lang="en-US" dirty="0" err="1" smtClean="0"/>
+              <a:t>աշախատ</a:t>
+            </a:r>
+            <a:r>
+              <a:rPr lang="hy-AM" dirty="0" smtClean="0"/>
+              <a:t>ե</a:t>
+            </a:r>
+            <a:r>
+              <a:rPr lang="en-US" dirty="0" err="1" smtClean="0"/>
+              <a:t>ցնելիս</a:t>
+            </a:r>
+            <a:r>
+              <a:rPr lang="en-US" dirty="0" smtClean="0"/>
+              <a:t> </a:t>
+            </a:r>
+            <a:r>
+              <a:rPr lang="en-US" dirty="0"/>
+              <a:t>Data Directory – </a:t>
+            </a:r>
+            <a:r>
+              <a:rPr lang="en-US" dirty="0" err="1"/>
+              <a:t>ին</a:t>
+            </a:r>
+            <a:r>
+              <a:rPr lang="en-US" dirty="0"/>
+              <a:t> </a:t>
+            </a:r>
+            <a:r>
+              <a:rPr lang="en-US" dirty="0" err="1"/>
+              <a:t>ստանում</a:t>
+            </a:r>
+            <a:r>
+              <a:rPr lang="en-US" dirty="0"/>
+              <a:t> է </a:t>
+            </a:r>
+            <a:r>
+              <a:rPr lang="en-US" dirty="0" err="1"/>
+              <a:t>տվյալները</a:t>
+            </a:r>
+            <a:r>
+              <a:rPr lang="en-US" dirty="0"/>
+              <a:t> </a:t>
+            </a:r>
+            <a:r>
+              <a:rPr lang="en-US" dirty="0" err="1"/>
+              <a:t>պարունակող</a:t>
+            </a:r>
+            <a:r>
+              <a:rPr lang="en-US" dirty="0"/>
+              <a:t> </a:t>
+            </a:r>
+            <a:r>
+              <a:rPr lang="en-US" dirty="0" err="1"/>
+              <a:t>թղթապանակի</a:t>
+            </a:r>
+            <a:r>
+              <a:rPr lang="en-US" dirty="0"/>
+              <a:t> </a:t>
+            </a:r>
+            <a:r>
+              <a:rPr lang="en-US" dirty="0" err="1"/>
+              <a:t>հասցեն</a:t>
+            </a:r>
+            <a:r>
+              <a:rPr lang="en-US" dirty="0"/>
+              <a:t>:</a:t>
+            </a:r>
+          </a:p>
+          <a:p>
+            <a:endParaRPr lang="en-US" dirty="0"/>
+          </a:p>
+        </p:txBody>
+      </p:sp>
+    </p:spTree>
+    <p:extLst>
+      <p:ext uri="{BB962C8B-B14F-4D97-AF65-F5344CB8AC3E}">
+        <p14:creationId xmlns:p14="http://schemas.microsoft.com/office/powerpoint/2010/main" val="4091086685"/>
+      </p:ext>
+    </p:extLst>
+  </p:cSld>
+  <p:clrMapOvr>
+    <a:masterClrMapping/>
+  </p:clrMapOvr>
+  <p:timing>
+    <p:tnLst>
+      <p:par>
+        <p:cTn id="1" dur="indefinite" restart="never" nodeType="tmRoot"/>
+      </p:par>
+    </p:tnLst>
+  </p:timing>
+</p:sld>
+</file>
+
+<file path=ppt/slides/slide2.xml><?xml version="1.0" encoding="utf-8"?>
+<p:sld xmlns:a="http://schemas.openxmlformats.org/drawingml/2006/main" xmlns:r="http://schemas.openxmlformats.org/officeDocument/2006/relationships" xmlns:p="http://schemas.openxmlformats.org/presentationml/2006/main">
+  <p:cSld>
+    <p:spTree>
+      <p:nvGrpSpPr>
+        <p:cNvPr id="1" name=""/>
+        <p:cNvGrpSpPr/>
+        <p:nvPr/>
+      </p:nvGrpSpPr>
+      <p:grpSpPr>
+        <a:xfrm>
+          <a:off x="0" y="0"/>
+          <a:ext cx="0" cy="0"/>
+          <a:chOff x="0" y="0"/>
+          <a:chExt cx="0" cy="0"/>
+        </a:xfrm>
+      </p:grpSpPr>
       <p:grpSp>
         <p:nvGrpSpPr>
           <p:cNvPr id="21" name="Group 20"/>
@@ -3181,7 +3472,7 @@
             <a:lstStyle/>
             <a:p>
               <a:pPr algn="ctr"/>
-              <a:endParaRPr lang="en-US"/>
+              <a:endParaRPr lang="en-US" dirty="0"/>
             </a:p>
           </p:txBody>
         </p:sp>
@@ -3195,7 +3486,7 @@
         <p:spPr>
           <a:xfrm>
             <a:off x="736600" y="5844468"/>
-            <a:ext cx="10731500" cy="369332"/>
+            <a:ext cx="10731500" cy="646331"/>
           </a:xfrm>
           <a:prstGeom prst="rect">
             <a:avLst/>
@@ -3210,33 +3501,116 @@
           <a:p>
             <a:r>
               <a:rPr lang="en-US" dirty="0"/>
-              <a:t>Data Directory </a:t>
+              <a:t>Data Directory – </a:t>
+            </a:r>
+            <a:r>
+              <a:rPr lang="en-US" dirty="0" err="1"/>
+              <a:t>ին</a:t>
+            </a:r>
+            <a:r>
+              <a:rPr lang="en-US" dirty="0"/>
+              <a:t> </a:t>
+            </a:r>
+            <a:r>
+              <a:rPr lang="en-US" dirty="0" err="1"/>
+              <a:t>դիտարկում</a:t>
+            </a:r>
+            <a:r>
+              <a:rPr lang="en-US" dirty="0"/>
+              <a:t> է </a:t>
+            </a:r>
+            <a:r>
+              <a:rPr lang="en-US" dirty="0" err="1"/>
+              <a:t>բոլոր</a:t>
+            </a:r>
+            <a:r>
+              <a:rPr lang="en-US" dirty="0"/>
+              <a:t> </a:t>
+            </a:r>
+            <a:r>
+              <a:rPr lang="en-US" dirty="0" err="1"/>
+              <a:t>ֆայլերը</a:t>
+            </a:r>
+            <a:r>
+              <a:rPr lang="en-US" dirty="0"/>
+              <a:t> և </a:t>
+            </a:r>
+            <a:r>
+              <a:rPr lang="en-US" dirty="0" err="1"/>
+              <a:t>կառուցում</a:t>
+            </a:r>
+            <a:r>
+              <a:rPr lang="en-US" dirty="0"/>
+              <a:t> </a:t>
+            </a:r>
+            <a:r>
+              <a:rPr lang="hy-AM" dirty="0" smtClean="0"/>
+              <a:t>է </a:t>
+            </a:r>
+            <a:r>
+              <a:rPr lang="en-US" dirty="0" err="1" smtClean="0"/>
+              <a:t>արտապատկերում</a:t>
             </a:r>
             <a:r>
               <a:rPr lang="en-US" dirty="0" smtClean="0"/>
-              <a:t>scans </a:t>
-            </a:r>
-            <a:r>
-              <a:rPr lang="en-US" dirty="0"/>
-              <a:t>all files and </a:t>
-            </a:r>
-            <a:r>
-              <a:rPr lang="en-US" dirty="0" smtClean="0"/>
-              <a:t>gets </a:t>
-            </a:r>
-            <a:r>
-              <a:rPr lang="en-US" dirty="0" smtClean="0"/>
-              <a:t>mapping </a:t>
-            </a:r>
-            <a:r>
-              <a:rPr lang="en-US" dirty="0"/>
-              <a:t>between field names and </a:t>
-            </a:r>
-            <a:r>
-              <a:rPr lang="en-US" dirty="0" smtClean="0"/>
-              <a:t>file names.</a:t>
-            </a:r>
-            <a:endParaRPr lang="en-US" dirty="0"/>
+              <a:t> </a:t>
+            </a:r>
+            <a:r>
+              <a:rPr lang="en-US" dirty="0" err="1"/>
+              <a:t>ֆայլերի</a:t>
+            </a:r>
+            <a:r>
+              <a:rPr lang="en-US" dirty="0"/>
+              <a:t> </a:t>
+            </a:r>
+            <a:r>
+              <a:rPr lang="en-US" dirty="0" err="1"/>
+              <a:t>անվանումների</a:t>
+            </a:r>
+            <a:r>
+              <a:rPr lang="en-US" dirty="0"/>
+              <a:t> և </a:t>
+            </a:r>
+            <a:r>
+              <a:rPr lang="en-US" dirty="0" err="1"/>
+              <a:t>դրանցում</a:t>
+            </a:r>
+            <a:r>
+              <a:rPr lang="en-US" dirty="0"/>
+              <a:t> </a:t>
+            </a:r>
+            <a:r>
+              <a:rPr lang="en-US" dirty="0" err="1"/>
+              <a:t>պարունակվող</a:t>
+            </a:r>
+            <a:r>
+              <a:rPr lang="en-US" dirty="0"/>
+              <a:t> </a:t>
+            </a:r>
+            <a:r>
+              <a:rPr lang="en-US" dirty="0" err="1"/>
+              <a:t>դաշտերի</a:t>
+            </a:r>
+            <a:r>
+              <a:rPr lang="en-US" dirty="0"/>
+              <a:t> </a:t>
+            </a:r>
+            <a:r>
+              <a:rPr lang="en-US" dirty="0" err="1"/>
+              <a:t>անվանումների</a:t>
+            </a:r>
+            <a:r>
+              <a:rPr lang="en-US" dirty="0"/>
+              <a:t> </a:t>
+            </a:r>
+            <a:r>
+              <a:rPr lang="en-US" dirty="0" err="1"/>
+              <a:t>միջև</a:t>
+            </a:r>
+            <a:r>
+              <a:rPr lang="en-US" dirty="0"/>
+              <a:t>:</a:t>
+            </a:r>
           </a:p>
         </p:txBody>
       </p:sp>
@@ -3244,408 +3618,6 @@
     <p:extLst>
       <p:ext uri="{BB962C8B-B14F-4D97-AF65-F5344CB8AC3E}">
         <p14:creationId xmlns:p14="http://schemas.microsoft.com/office/powerpoint/2010/main" val="187053066"/>
-      </p:ext>
-    </p:extLst>
-  </p:cSld>
-  <p:clrMapOvr>
-    <a:masterClrMapping/>
-  </p:clrMapOvr>
-  <p:timing>
-    <p:tnLst>
-      <p:par>
-        <p:cTn id="1" dur="indefinite" restart="never" nodeType="tmRoot"/>
-      </p:par>
-    </p:tnLst>
-  </p:timing>
-</p:sld>
-</file>
-
-<file path=ppt/slides/slide2.xml><?xml version="1.0" encoding="utf-8"?>
-<p:sld xmlns:a="http://schemas.openxmlformats.org/drawingml/2006/main" xmlns:r="http://schemas.openxmlformats.org/officeDocument/2006/relationships" xmlns:p="http://schemas.openxmlformats.org/presentationml/2006/main">
-  <p:cSld>
-    <p:spTree>
-      <p:nvGrpSpPr>
-        <p:cNvPr id="1" name=""/>
-        <p:cNvGrpSpPr/>
-        <p:nvPr/>
-      </p:nvGrpSpPr>
-      <p:grpSpPr>
-        <a:xfrm>
-          <a:off x="0" y="0"/>
-          <a:ext cx="0" cy="0"/>
-          <a:chOff x="0" y="0"/>
-          <a:chExt cx="0" cy="0"/>
-        </a:xfrm>
-      </p:grpSpPr>
-      <p:grpSp>
-        <p:nvGrpSpPr>
-          <p:cNvPr id="42" name="Group 41"/>
-          <p:cNvGrpSpPr/>
-          <p:nvPr/>
-        </p:nvGrpSpPr>
-        <p:grpSpPr>
-          <a:xfrm>
-            <a:off x="177800" y="815712"/>
-            <a:ext cx="6254685" cy="4784045"/>
-            <a:chOff x="177800" y="215200"/>
-            <a:chExt cx="6254685" cy="4784045"/>
-          </a:xfrm>
-        </p:grpSpPr>
-        <p:sp>
-          <p:nvSpPr>
-            <p:cNvPr id="5" name="Oval 4"/>
-            <p:cNvSpPr/>
-            <p:nvPr/>
-          </p:nvSpPr>
-          <p:spPr>
-            <a:xfrm rot="18940679">
-              <a:off x="177800" y="449162"/>
-              <a:ext cx="1803400" cy="939800"/>
-            </a:xfrm>
-            <a:prstGeom prst="ellipse">
-              <a:avLst/>
-            </a:prstGeom>
-          </p:spPr>
-          <p:style>
-            <a:lnRef idx="1">
-              <a:schemeClr val="accent1"/>
-            </a:lnRef>
-            <a:fillRef idx="2">
-              <a:schemeClr val="accent1"/>
-            </a:fillRef>
-            <a:effectRef idx="1">
-              <a:schemeClr val="accent1"/>
-            </a:effectRef>
-            <a:fontRef idx="minor">
-              <a:schemeClr val="dk1"/>
-            </a:fontRef>
-          </p:style>
-          <p:txBody>
-            <a:bodyPr rtlCol="0" anchor="ctr"/>
-            <a:lstStyle/>
-            <a:p>
-              <a:pPr algn="ctr"/>
-              <a:r>
-                <a:rPr lang="en-US" dirty="0"/>
-                <a:t>Data Directory</a:t>
-              </a:r>
-            </a:p>
-          </p:txBody>
-        </p:sp>
-        <p:cxnSp>
-          <p:nvCxnSpPr>
-            <p:cNvPr id="30" name="Straight Arrow Connector 29"/>
-            <p:cNvCxnSpPr>
-              <a:stCxn id="5" idx="4"/>
-              <a:endCxn id="4" idx="1"/>
-            </p:cNvCxnSpPr>
-            <p:nvPr/>
-          </p:nvCxnSpPr>
-          <p:spPr>
-            <a:xfrm>
-              <a:off x="1407815" y="1255240"/>
-              <a:ext cx="1140398" cy="630010"/>
-            </a:xfrm>
-            <a:prstGeom prst="straightConnector1">
-              <a:avLst/>
-            </a:prstGeom>
-            <a:ln>
-              <a:tailEnd type="triangle"/>
-            </a:ln>
-          </p:spPr>
-          <p:style>
-            <a:lnRef idx="1">
-              <a:schemeClr val="accent1"/>
-            </a:lnRef>
-            <a:fillRef idx="2">
-              <a:schemeClr val="accent1"/>
-            </a:fillRef>
-            <a:effectRef idx="1">
-              <a:schemeClr val="accent1"/>
-            </a:effectRef>
-            <a:fontRef idx="minor">
-              <a:schemeClr val="dk1"/>
-            </a:fontRef>
-          </p:style>
-        </p:cxnSp>
-        <p:sp>
-          <p:nvSpPr>
-            <p:cNvPr id="32" name="Oval 31"/>
-            <p:cNvSpPr/>
-            <p:nvPr/>
-          </p:nvSpPr>
-          <p:spPr>
-            <a:xfrm>
-              <a:off x="3334649" y="4059445"/>
-              <a:ext cx="1803400" cy="939800"/>
-            </a:xfrm>
-            <a:prstGeom prst="ellipse">
-              <a:avLst/>
-            </a:prstGeom>
-          </p:spPr>
-          <p:style>
-            <a:lnRef idx="1">
-              <a:schemeClr val="accent1"/>
-            </a:lnRef>
-            <a:fillRef idx="2">
-              <a:schemeClr val="accent1"/>
-            </a:fillRef>
-            <a:effectRef idx="1">
-              <a:schemeClr val="accent1"/>
-            </a:effectRef>
-            <a:fontRef idx="minor">
-              <a:schemeClr val="dk1"/>
-            </a:fontRef>
-          </p:style>
-          <p:txBody>
-            <a:bodyPr rtlCol="0" anchor="ctr"/>
-            <a:lstStyle/>
-            <a:p>
-              <a:pPr algn="ctr"/>
-              <a:r>
-                <a:rPr lang="en-US" dirty="0"/>
-                <a:t>Selection</a:t>
-              </a:r>
-            </a:p>
-          </p:txBody>
-        </p:sp>
-        <p:pic>
-          <p:nvPicPr>
-            <p:cNvPr id="4" name="Picture 3"/>
-            <p:cNvPicPr>
-              <a:picLocks noChangeAspect="1"/>
-            </p:cNvPicPr>
-            <p:nvPr/>
-          </p:nvPicPr>
-          <p:blipFill rotWithShape="1">
-            <a:blip r:embed="rId2"/>
-            <a:srcRect l="13751" t="43490" r="64688" b="10157"/>
-            <a:stretch/>
-          </p:blipFill>
-          <p:spPr>
-            <a:xfrm>
-              <a:off x="2548213" y="215200"/>
-              <a:ext cx="3884272" cy="3340099"/>
-            </a:xfrm>
-            <a:prstGeom prst="rect">
-              <a:avLst/>
-            </a:prstGeom>
-          </p:spPr>
-        </p:pic>
-        <p:cxnSp>
-          <p:nvCxnSpPr>
-            <p:cNvPr id="40" name="Straight Arrow Connector 39"/>
-            <p:cNvCxnSpPr>
-              <a:endCxn id="32" idx="6"/>
-            </p:cNvCxnSpPr>
-            <p:nvPr/>
-          </p:nvCxnSpPr>
-          <p:spPr>
-            <a:xfrm flipH="1">
-              <a:off x="5138049" y="2895600"/>
-              <a:ext cx="703951" cy="1633745"/>
-            </a:xfrm>
-            <a:prstGeom prst="straightConnector1">
-              <a:avLst/>
-            </a:prstGeom>
-            <a:ln>
-              <a:tailEnd type="triangle"/>
-            </a:ln>
-          </p:spPr>
-          <p:style>
-            <a:lnRef idx="1">
-              <a:schemeClr val="accent1"/>
-            </a:lnRef>
-            <a:fillRef idx="2">
-              <a:schemeClr val="accent1"/>
-            </a:fillRef>
-            <a:effectRef idx="1">
-              <a:schemeClr val="accent1"/>
-            </a:effectRef>
-            <a:fontRef idx="minor">
-              <a:schemeClr val="dk1"/>
-            </a:fontRef>
-          </p:style>
-        </p:cxnSp>
-        <p:cxnSp>
-          <p:nvCxnSpPr>
-            <p:cNvPr id="38" name="Straight Arrow Connector 37"/>
-            <p:cNvCxnSpPr>
-              <a:endCxn id="32" idx="7"/>
-            </p:cNvCxnSpPr>
-            <p:nvPr/>
-          </p:nvCxnSpPr>
-          <p:spPr>
-            <a:xfrm flipH="1">
-              <a:off x="4873947" y="2895600"/>
-              <a:ext cx="79053" cy="1301476"/>
-            </a:xfrm>
-            <a:prstGeom prst="straightConnector1">
-              <a:avLst/>
-            </a:prstGeom>
-            <a:ln>
-              <a:tailEnd type="triangle"/>
-            </a:ln>
-          </p:spPr>
-          <p:style>
-            <a:lnRef idx="1">
-              <a:schemeClr val="accent1"/>
-            </a:lnRef>
-            <a:fillRef idx="2">
-              <a:schemeClr val="accent1"/>
-            </a:fillRef>
-            <a:effectRef idx="1">
-              <a:schemeClr val="accent1"/>
-            </a:effectRef>
-            <a:fontRef idx="minor">
-              <a:schemeClr val="dk1"/>
-            </a:fontRef>
-          </p:style>
-        </p:cxnSp>
-        <p:cxnSp>
-          <p:nvCxnSpPr>
-            <p:cNvPr id="36" name="Straight Arrow Connector 35"/>
-            <p:cNvCxnSpPr>
-              <a:endCxn id="32" idx="0"/>
-            </p:cNvCxnSpPr>
-            <p:nvPr/>
-          </p:nvCxnSpPr>
-          <p:spPr>
-            <a:xfrm>
-              <a:off x="4076700" y="2895600"/>
-              <a:ext cx="159649" cy="1163845"/>
-            </a:xfrm>
-            <a:prstGeom prst="straightConnector1">
-              <a:avLst/>
-            </a:prstGeom>
-            <a:ln>
-              <a:tailEnd type="triangle"/>
-            </a:ln>
-          </p:spPr>
-          <p:style>
-            <a:lnRef idx="1">
-              <a:schemeClr val="accent1"/>
-            </a:lnRef>
-            <a:fillRef idx="2">
-              <a:schemeClr val="accent1"/>
-            </a:fillRef>
-            <a:effectRef idx="1">
-              <a:schemeClr val="accent1"/>
-            </a:effectRef>
-            <a:fontRef idx="minor">
-              <a:schemeClr val="dk1"/>
-            </a:fontRef>
-          </p:style>
-        </p:cxnSp>
-        <p:cxnSp>
-          <p:nvCxnSpPr>
-            <p:cNvPr id="34" name="Straight Arrow Connector 33"/>
-            <p:cNvCxnSpPr>
-              <a:endCxn id="32" idx="1"/>
-            </p:cNvCxnSpPr>
-            <p:nvPr/>
-          </p:nvCxnSpPr>
-          <p:spPr>
-            <a:xfrm>
-              <a:off x="3250176" y="2794000"/>
-              <a:ext cx="348575" cy="1403076"/>
-            </a:xfrm>
-            <a:prstGeom prst="straightConnector1">
-              <a:avLst/>
-            </a:prstGeom>
-            <a:ln>
-              <a:tailEnd type="triangle"/>
-            </a:ln>
-          </p:spPr>
-          <p:style>
-            <a:lnRef idx="1">
-              <a:schemeClr val="accent1"/>
-            </a:lnRef>
-            <a:fillRef idx="2">
-              <a:schemeClr val="accent1"/>
-            </a:fillRef>
-            <a:effectRef idx="1">
-              <a:schemeClr val="accent1"/>
-            </a:effectRef>
-            <a:fontRef idx="minor">
-              <a:schemeClr val="dk1"/>
-            </a:fontRef>
-          </p:style>
-        </p:cxnSp>
-      </p:grpSp>
-      <p:sp>
-        <p:nvSpPr>
-          <p:cNvPr id="2" name="TextBox 1"/>
-          <p:cNvSpPr txBox="1"/>
-          <p:nvPr/>
-        </p:nvSpPr>
-        <p:spPr>
-          <a:xfrm>
-            <a:off x="7112000" y="2619812"/>
-            <a:ext cx="4876800" cy="1200329"/>
-          </a:xfrm>
-          <a:prstGeom prst="rect">
-            <a:avLst/>
-          </a:prstGeom>
-          <a:noFill/>
-        </p:spPr>
-        <p:txBody>
-          <a:bodyPr wrap="square" rtlCol="0">
-            <a:spAutoFit/>
-          </a:bodyPr>
-          <a:lstStyle/>
-          <a:p>
-            <a:r>
-              <a:rPr lang="en-US" dirty="0" smtClean="0"/>
-              <a:t>Data </a:t>
-            </a:r>
-            <a:r>
-              <a:rPr lang="en-US" dirty="0"/>
-              <a:t>Directory is given </a:t>
-            </a:r>
-            <a:r>
-              <a:rPr lang="en-US" dirty="0" smtClean="0"/>
-              <a:t>as  </a:t>
-            </a:r>
-            <a:r>
-              <a:rPr lang="en-US" dirty="0"/>
-              <a:t>input </a:t>
-            </a:r>
-            <a:r>
-              <a:rPr lang="en-US" dirty="0" smtClean="0"/>
-              <a:t>of </a:t>
-            </a:r>
-            <a:r>
-              <a:rPr lang="en-US" dirty="0" smtClean="0"/>
-              <a:t>dialog. </a:t>
-            </a:r>
-            <a:r>
-              <a:rPr lang="en-US" dirty="0"/>
-              <a:t>User select some values and </a:t>
-            </a:r>
-            <a:r>
-              <a:rPr lang="en-US" dirty="0" smtClean="0"/>
-              <a:t>Selection </a:t>
-            </a:r>
-            <a:r>
-              <a:rPr lang="en-US" dirty="0"/>
-              <a:t>object </a:t>
-            </a:r>
-            <a:r>
-              <a:rPr lang="en-US" dirty="0" smtClean="0"/>
-              <a:t>is created according that selection.</a:t>
-            </a:r>
-            <a:endParaRPr lang="en-US" dirty="0"/>
-          </a:p>
-          <a:p>
-            <a:endParaRPr lang="en-US" dirty="0"/>
-          </a:p>
-        </p:txBody>
-      </p:sp>
-    </p:spTree>
-    <p:extLst>
-      <p:ext uri="{BB962C8B-B14F-4D97-AF65-F5344CB8AC3E}">
-        <p14:creationId xmlns:p14="http://schemas.microsoft.com/office/powerpoint/2010/main" val="884164677"/>
       </p:ext>
     </p:extLst>
   </p:cSld>
@@ -3681,14 +3653,14 @@
       </p:grpSpPr>
       <p:sp>
         <p:nvSpPr>
-          <p:cNvPr id="9" name="TextBox 8"/>
+          <p:cNvPr id="2" name="TextBox 1"/>
           <p:cNvSpPr txBox="1"/>
           <p:nvPr/>
         </p:nvSpPr>
         <p:spPr>
           <a:xfrm>
-            <a:off x="520700" y="1033719"/>
-            <a:ext cx="5308600" cy="2031325"/>
+            <a:off x="386862" y="5275385"/>
+            <a:ext cx="11476892" cy="923330"/>
           </a:xfrm>
           <a:prstGeom prst="rect">
             <a:avLst/>
@@ -3702,73 +3674,346 @@
           <a:lstStyle/>
           <a:p>
             <a:r>
+              <a:rPr lang="en-US" dirty="0"/>
+              <a:t>Data Directory –</a:t>
+            </a:r>
+            <a:r>
+              <a:rPr lang="en-US" dirty="0" err="1"/>
+              <a:t>ին</a:t>
+            </a:r>
+            <a:r>
+              <a:rPr lang="en-US" dirty="0"/>
+              <a:t> </a:t>
+            </a:r>
+            <a:r>
+              <a:rPr lang="en-US" dirty="0" err="1"/>
+              <a:t>փոխանցվում</a:t>
+            </a:r>
+            <a:r>
+              <a:rPr lang="en-US" dirty="0"/>
+              <a:t> է dialog-ի </a:t>
+            </a:r>
+            <a:r>
+              <a:rPr lang="en-US" dirty="0" err="1"/>
+              <a:t>մուտքին</a:t>
+            </a:r>
+            <a:r>
+              <a:rPr lang="en-US" dirty="0"/>
+              <a:t>, </a:t>
+            </a:r>
+            <a:r>
+              <a:rPr lang="hy-AM" dirty="0" smtClean="0"/>
+              <a:t> </a:t>
+            </a:r>
+            <a:r>
+              <a:rPr lang="en-US" dirty="0" err="1" smtClean="0"/>
+              <a:t>օգտագործվողին</a:t>
+            </a:r>
+            <a:r>
               <a:rPr lang="en-US" dirty="0" smtClean="0"/>
-              <a:t>User </a:t>
-            </a:r>
-            <a:r>
-              <a:rPr lang="en-US" dirty="0"/>
-              <a:t>select </a:t>
+              <a:t> </a:t>
+            </a:r>
+            <a:r>
+              <a:rPr lang="en-US" dirty="0" err="1"/>
+              <a:t>առաջարկվող</a:t>
+            </a:r>
+            <a:r>
+              <a:rPr lang="en-US" dirty="0"/>
+              <a:t> </a:t>
+            </a:r>
+            <a:r>
+              <a:rPr lang="hy-AM" dirty="0" smtClean="0"/>
+              <a:t>բոլոր </a:t>
+            </a:r>
+            <a:r>
+              <a:rPr lang="en-US" dirty="0" err="1" smtClean="0"/>
+              <a:t>տարբերակները</a:t>
+            </a:r>
+            <a:r>
+              <a:rPr lang="en-US" dirty="0"/>
+              <a:t> </a:t>
+            </a:r>
+            <a:r>
+              <a:rPr lang="en-US" dirty="0" err="1"/>
+              <a:t>համապատասխան</a:t>
+            </a:r>
+            <a:r>
+              <a:rPr lang="en-US" dirty="0"/>
+              <a:t> </a:t>
+            </a:r>
+            <a:r>
+              <a:rPr lang="en-US" dirty="0" err="1"/>
+              <a:t>դաշտերում</a:t>
+            </a:r>
+            <a:r>
+              <a:rPr lang="en-US" dirty="0"/>
+              <a:t> </a:t>
+            </a:r>
+            <a:r>
+              <a:rPr lang="hy-AM" dirty="0" smtClean="0"/>
+              <a:t> </a:t>
+            </a:r>
+            <a:r>
+              <a:rPr lang="en-US" dirty="0" err="1" smtClean="0"/>
+              <a:t>ցույց</a:t>
             </a:r>
             <a:r>
               <a:rPr lang="en-US" dirty="0" smtClean="0"/>
-              <a:t>analyses types. Configuration List objet is created </a:t>
-            </a:r>
-            <a:r>
-              <a:rPr lang="en-US" dirty="0"/>
-              <a:t>with </a:t>
-            </a:r>
-            <a:r>
-              <a:rPr lang="en-US" dirty="0" smtClean="0"/>
-              <a:t>selected analyses.</a:t>
-            </a:r>
-          </a:p>
-          <a:p>
-            <a:r>
-              <a:rPr lang="en-US" dirty="0" smtClean="0"/>
-              <a:t>Analysis dialog supports New and Edit functions.</a:t>
-            </a:r>
-          </a:p>
-          <a:p>
-            <a:r>
-              <a:rPr lang="en-US" dirty="0" smtClean="0"/>
-              <a:t>New – create new analysis type and add it to analyses list.</a:t>
-            </a:r>
-          </a:p>
-          <a:p>
-            <a:r>
-              <a:rPr lang="en-US" dirty="0" smtClean="0"/>
-              <a:t>Edit - modify already exist analysis and then use changed version.</a:t>
-            </a:r>
-            <a:endParaRPr lang="en-US" dirty="0"/>
+              <a:t> </a:t>
+            </a:r>
+            <a:r>
+              <a:rPr lang="en-US" dirty="0" err="1"/>
+              <a:t>տալու</a:t>
+            </a:r>
+            <a:r>
+              <a:rPr lang="en-US" dirty="0"/>
+              <a:t> </a:t>
+            </a:r>
+            <a:r>
+              <a:rPr lang="en-US" dirty="0" err="1"/>
+              <a:t>համար</a:t>
+            </a:r>
+            <a:r>
+              <a:rPr lang="en-US" dirty="0"/>
+              <a:t>: </a:t>
+            </a:r>
+            <a:r>
+              <a:rPr lang="en-US" dirty="0" err="1"/>
+              <a:t>Օգտագործողը</a:t>
+            </a:r>
+            <a:r>
+              <a:rPr lang="en-US" dirty="0"/>
+              <a:t> </a:t>
+            </a:r>
+            <a:r>
+              <a:rPr lang="en-US" dirty="0" err="1"/>
+              <a:t>ընտրում</a:t>
+            </a:r>
+            <a:r>
+              <a:rPr lang="en-US" dirty="0"/>
+              <a:t> է </a:t>
+            </a:r>
+            <a:r>
+              <a:rPr lang="en-US" dirty="0" err="1"/>
+              <a:t>ցանկալի</a:t>
+            </a:r>
+            <a:r>
+              <a:rPr lang="en-US" dirty="0"/>
+              <a:t> </a:t>
+            </a:r>
+            <a:r>
+              <a:rPr lang="en-US" dirty="0" err="1"/>
+              <a:t>արժեքները</a:t>
+            </a:r>
+            <a:r>
+              <a:rPr lang="en-US" dirty="0"/>
+              <a:t>, </a:t>
+            </a:r>
+            <a:r>
+              <a:rPr lang="en-US" dirty="0" err="1"/>
+              <a:t>որի</a:t>
+            </a:r>
+            <a:r>
+              <a:rPr lang="en-US" dirty="0"/>
+              <a:t> </a:t>
+            </a:r>
+            <a:r>
+              <a:rPr lang="en-US" dirty="0" err="1"/>
+              <a:t>հիման</a:t>
+            </a:r>
+            <a:r>
+              <a:rPr lang="en-US" dirty="0"/>
+              <a:t> </a:t>
+            </a:r>
+            <a:r>
+              <a:rPr lang="en-US" dirty="0" err="1"/>
+              <a:t>վրա</a:t>
+            </a:r>
+            <a:r>
+              <a:rPr lang="en-US" dirty="0"/>
+              <a:t> </a:t>
+            </a:r>
+            <a:r>
+              <a:rPr lang="en-US" dirty="0" err="1"/>
+              <a:t>էլ</a:t>
+            </a:r>
+            <a:r>
+              <a:rPr lang="en-US" dirty="0"/>
+              <a:t> </a:t>
+            </a:r>
+            <a:r>
+              <a:rPr lang="en-US" dirty="0" err="1"/>
+              <a:t>ձևավորվում</a:t>
+            </a:r>
+            <a:r>
+              <a:rPr lang="en-US" dirty="0"/>
+              <a:t> է Selection </a:t>
+            </a:r>
+            <a:r>
+              <a:rPr lang="en-US" dirty="0" err="1"/>
+              <a:t>տիպի</a:t>
+            </a:r>
+            <a:r>
+              <a:rPr lang="en-US" dirty="0"/>
+              <a:t> </a:t>
+            </a:r>
+            <a:r>
+              <a:rPr lang="en-US" dirty="0" err="1"/>
+              <a:t>օբյեկտ</a:t>
+            </a:r>
+            <a:r>
+              <a:rPr lang="en-US" dirty="0"/>
+              <a:t>:</a:t>
+            </a:r>
           </a:p>
         </p:txBody>
       </p:sp>
       <p:grpSp>
         <p:nvGrpSpPr>
-          <p:cNvPr id="6" name="Group 5"/>
+          <p:cNvPr id="7" name="Group 6"/>
           <p:cNvGrpSpPr/>
           <p:nvPr/>
         </p:nvGrpSpPr>
         <p:grpSpPr>
           <a:xfrm>
-            <a:off x="7460472" y="1023780"/>
-            <a:ext cx="3225000" cy="4682380"/>
-            <a:chOff x="7460472" y="1023780"/>
-            <a:chExt cx="3225000" cy="4682380"/>
+            <a:off x="482600" y="409312"/>
+            <a:ext cx="11183249" cy="3340099"/>
+            <a:chOff x="787400" y="409312"/>
+            <a:chExt cx="11183249" cy="3340099"/>
           </a:xfrm>
         </p:grpSpPr>
+        <p:grpSp>
+          <p:nvGrpSpPr>
+            <p:cNvPr id="42" name="Group 41"/>
+            <p:cNvGrpSpPr/>
+            <p:nvPr/>
+          </p:nvGrpSpPr>
+          <p:grpSpPr>
+            <a:xfrm>
+              <a:off x="787400" y="409312"/>
+              <a:ext cx="11183249" cy="3340099"/>
+              <a:chOff x="-1104900" y="215200"/>
+              <a:chExt cx="11183249" cy="3340099"/>
+            </a:xfrm>
+          </p:grpSpPr>
+          <p:sp>
+            <p:nvSpPr>
+              <p:cNvPr id="5" name="Oval 4"/>
+              <p:cNvSpPr/>
+              <p:nvPr/>
+            </p:nvSpPr>
+            <p:spPr>
+              <a:xfrm>
+                <a:off x="-1104900" y="1261962"/>
+                <a:ext cx="1803400" cy="939800"/>
+              </a:xfrm>
+              <a:prstGeom prst="ellipse">
+                <a:avLst/>
+              </a:prstGeom>
+            </p:spPr>
+            <p:style>
+              <a:lnRef idx="1">
+                <a:schemeClr val="accent1"/>
+              </a:lnRef>
+              <a:fillRef idx="2">
+                <a:schemeClr val="accent1"/>
+              </a:fillRef>
+              <a:effectRef idx="1">
+                <a:schemeClr val="accent1"/>
+              </a:effectRef>
+              <a:fontRef idx="minor">
+                <a:schemeClr val="dk1"/>
+              </a:fontRef>
+            </p:style>
+            <p:txBody>
+              <a:bodyPr rtlCol="0" anchor="ctr"/>
+              <a:lstStyle/>
+              <a:p>
+                <a:pPr algn="ctr"/>
+                <a:r>
+                  <a:rPr lang="en-US" dirty="0"/>
+                  <a:t>Data Directory</a:t>
+                </a:r>
+              </a:p>
+            </p:txBody>
+          </p:sp>
+          <p:sp>
+            <p:nvSpPr>
+              <p:cNvPr id="32" name="Oval 31"/>
+              <p:cNvSpPr/>
+              <p:nvPr/>
+            </p:nvSpPr>
+            <p:spPr>
+              <a:xfrm>
+                <a:off x="8274949" y="1265445"/>
+                <a:ext cx="1803400" cy="939800"/>
+              </a:xfrm>
+              <a:prstGeom prst="ellipse">
+                <a:avLst/>
+              </a:prstGeom>
+            </p:spPr>
+            <p:style>
+              <a:lnRef idx="1">
+                <a:schemeClr val="accent1"/>
+              </a:lnRef>
+              <a:fillRef idx="2">
+                <a:schemeClr val="accent1"/>
+              </a:fillRef>
+              <a:effectRef idx="1">
+                <a:schemeClr val="accent1"/>
+              </a:effectRef>
+              <a:fontRef idx="minor">
+                <a:schemeClr val="dk1"/>
+              </a:fontRef>
+            </p:style>
+            <p:txBody>
+              <a:bodyPr rtlCol="0" anchor="ctr"/>
+              <a:lstStyle/>
+              <a:p>
+                <a:pPr algn="ctr"/>
+                <a:r>
+                  <a:rPr lang="en-US" dirty="0"/>
+                  <a:t>Selection</a:t>
+                </a:r>
+              </a:p>
+            </p:txBody>
+          </p:sp>
+          <p:pic>
+            <p:nvPicPr>
+              <p:cNvPr id="4" name="Picture 3"/>
+              <p:cNvPicPr>
+                <a:picLocks noChangeAspect="1"/>
+              </p:cNvPicPr>
+              <p:nvPr/>
+            </p:nvPicPr>
+            <p:blipFill rotWithShape="1">
+              <a:blip r:embed="rId2"/>
+              <a:srcRect l="13751" t="43490" r="64688" b="10157"/>
+              <a:stretch/>
+            </p:blipFill>
+            <p:spPr>
+              <a:xfrm>
+                <a:off x="2548213" y="215200"/>
+                <a:ext cx="3884272" cy="3340099"/>
+              </a:xfrm>
+              <a:prstGeom prst="rect">
+                <a:avLst/>
+              </a:prstGeom>
+            </p:spPr>
+          </p:pic>
+        </p:grpSp>
         <p:sp>
           <p:nvSpPr>
-            <p:cNvPr id="4" name="Oval 3"/>
+            <p:cNvPr id="14" name="Right Arrow 13"/>
             <p:cNvSpPr/>
             <p:nvPr/>
           </p:nvSpPr>
           <p:spPr>
             <a:xfrm>
-              <a:off x="7460472" y="1023780"/>
-              <a:ext cx="3187700" cy="736600"/>
+              <a:off x="2781300" y="1867781"/>
+              <a:ext cx="1473200" cy="230188"/>
             </a:xfrm>
-            <a:prstGeom prst="ellipse">
+            <a:prstGeom prst="rightArrow">
               <a:avLst/>
             </a:prstGeom>
           </p:spPr>
@@ -3791,30 +4036,22 @@
             <a:lstStyle/>
             <a:p>
               <a:pPr algn="ctr"/>
-              <a:r>
-                <a:rPr lang="en-US" dirty="0"/>
-                <a:t>Configuration </a:t>
-              </a:r>
-              <a:r>
-                <a:rPr lang="en-US" dirty="0" smtClean="0"/>
-                <a:t>Manager</a:t>
-              </a:r>
               <a:endParaRPr lang="en-US" dirty="0"/>
             </a:p>
           </p:txBody>
         </p:sp>
         <p:sp>
           <p:nvSpPr>
-            <p:cNvPr id="7" name="Oval 6"/>
+            <p:cNvPr id="15" name="Right Arrow 14"/>
             <p:cNvSpPr/>
             <p:nvPr/>
           </p:nvSpPr>
           <p:spPr>
             <a:xfrm>
-              <a:off x="7460472" y="4969560"/>
-              <a:ext cx="3187700" cy="736600"/>
+              <a:off x="8458200" y="1867781"/>
+              <a:ext cx="1473200" cy="230188"/>
             </a:xfrm>
-            <a:prstGeom prst="ellipse">
+            <a:prstGeom prst="rightArrow">
               <a:avLst/>
             </a:prstGeom>
           </p:spPr>
@@ -3837,89 +4074,491 @@
             <a:lstStyle/>
             <a:p>
               <a:pPr algn="ctr"/>
-              <a:r>
-                <a:rPr lang="en-US" dirty="0"/>
-                <a:t>Configuration  </a:t>
-              </a:r>
-              <a:r>
-                <a:rPr lang="en-US" dirty="0" smtClean="0"/>
-                <a:t>List</a:t>
-              </a:r>
               <a:endParaRPr lang="en-US" dirty="0"/>
             </a:p>
           </p:txBody>
         </p:sp>
-        <p:pic>
-          <p:nvPicPr>
-            <p:cNvPr id="1026" name="Picture 2"/>
-            <p:cNvPicPr>
-              <a:picLocks noChangeAspect="1" noChangeArrowheads="1"/>
-            </p:cNvPicPr>
+      </p:grpSp>
+    </p:spTree>
+    <p:extLst>
+      <p:ext uri="{BB962C8B-B14F-4D97-AF65-F5344CB8AC3E}">
+        <p14:creationId xmlns:p14="http://schemas.microsoft.com/office/powerpoint/2010/main" val="884164677"/>
+      </p:ext>
+    </p:extLst>
+  </p:cSld>
+  <p:clrMapOvr>
+    <a:masterClrMapping/>
+  </p:clrMapOvr>
+  <p:timing>
+    <p:tnLst>
+      <p:par>
+        <p:cTn id="1" dur="indefinite" restart="never" nodeType="tmRoot"/>
+      </p:par>
+    </p:tnLst>
+  </p:timing>
+</p:sld>
+</file>
+
+<file path=ppt/slides/slide4.xml><?xml version="1.0" encoding="utf-8"?>
+<p:sld xmlns:a="http://schemas.openxmlformats.org/drawingml/2006/main" xmlns:r="http://schemas.openxmlformats.org/officeDocument/2006/relationships" xmlns:p="http://schemas.openxmlformats.org/presentationml/2006/main">
+  <p:cSld>
+    <p:spTree>
+      <p:nvGrpSpPr>
+        <p:cNvPr id="1" name=""/>
+        <p:cNvGrpSpPr/>
+        <p:nvPr/>
+      </p:nvGrpSpPr>
+      <p:grpSpPr>
+        <a:xfrm>
+          <a:off x="0" y="0"/>
+          <a:ext cx="0" cy="0"/>
+          <a:chOff x="0" y="0"/>
+          <a:chExt cx="0" cy="0"/>
+        </a:xfrm>
+      </p:grpSpPr>
+      <p:sp>
+        <p:nvSpPr>
+          <p:cNvPr id="9" name="TextBox 8"/>
+          <p:cNvSpPr txBox="1"/>
+          <p:nvPr/>
+        </p:nvSpPr>
+        <p:spPr>
+          <a:xfrm>
+            <a:off x="667832" y="4566330"/>
+            <a:ext cx="11105068" cy="1477328"/>
+          </a:xfrm>
+          <a:prstGeom prst="rect">
+            <a:avLst/>
+          </a:prstGeom>
+          <a:noFill/>
+        </p:spPr>
+        <p:txBody>
+          <a:bodyPr wrap="square" rtlCol="0">
+            <a:spAutoFit/>
+          </a:bodyPr>
+          <a:lstStyle/>
+          <a:p>
+            <a:r>
+              <a:rPr lang="en-US" dirty="0"/>
+              <a:t>Configuration Manager – </a:t>
+            </a:r>
+            <a:r>
+              <a:rPr lang="hy-AM" dirty="0" smtClean="0"/>
+              <a:t>ը</a:t>
+            </a:r>
+            <a:r>
+              <a:rPr lang="en-US" dirty="0" smtClean="0"/>
+              <a:t> </a:t>
+            </a:r>
+            <a:r>
+              <a:rPr lang="en-US" dirty="0" err="1"/>
+              <a:t>տրվում</a:t>
+            </a:r>
+            <a:r>
+              <a:rPr lang="en-US" dirty="0"/>
+              <a:t> է </a:t>
+            </a:r>
+            <a:r>
+              <a:rPr lang="en-US" dirty="0" err="1"/>
+              <a:t>այս</a:t>
+            </a:r>
+            <a:r>
+              <a:rPr lang="en-US" dirty="0"/>
+              <a:t> dialog-ի </a:t>
+            </a:r>
+            <a:r>
+              <a:rPr lang="en-US" dirty="0" err="1"/>
+              <a:t>մուտքին</a:t>
+            </a:r>
+            <a:r>
+              <a:rPr lang="en-US" dirty="0"/>
+              <a:t> </a:t>
+            </a:r>
+            <a:r>
+              <a:rPr lang="en-US" dirty="0" err="1"/>
+              <a:t>արդեն</a:t>
+            </a:r>
+            <a:r>
+              <a:rPr lang="en-US" dirty="0"/>
+              <a:t> </a:t>
+            </a:r>
+            <a:r>
+              <a:rPr lang="en-US" dirty="0" err="1"/>
+              <a:t>գոյություն</a:t>
+            </a:r>
+            <a:r>
+              <a:rPr lang="en-US" dirty="0"/>
+              <a:t> </a:t>
+            </a:r>
+            <a:r>
+              <a:rPr lang="en-US" dirty="0" err="1"/>
+              <a:t>ունեցող</a:t>
+            </a:r>
+            <a:r>
+              <a:rPr lang="en-US" dirty="0"/>
+              <a:t> Configuration-</a:t>
+            </a:r>
+            <a:r>
+              <a:rPr lang="en-US" dirty="0" err="1"/>
+              <a:t>ները</a:t>
+            </a:r>
+            <a:r>
+              <a:rPr lang="en-US" dirty="0"/>
+              <a:t> </a:t>
+            </a:r>
+            <a:r>
+              <a:rPr lang="en-US" dirty="0" err="1"/>
+              <a:t>ցույց</a:t>
+            </a:r>
+            <a:r>
+              <a:rPr lang="en-US" dirty="0"/>
+              <a:t> </a:t>
+            </a:r>
+            <a:r>
+              <a:rPr lang="en-US" dirty="0" err="1"/>
+              <a:t>տալու</a:t>
+            </a:r>
+            <a:r>
+              <a:rPr lang="en-US" dirty="0"/>
+              <a:t> </a:t>
+            </a:r>
+            <a:r>
+              <a:rPr lang="en-US" dirty="0" err="1"/>
+              <a:t>համար</a:t>
+            </a:r>
+            <a:r>
+              <a:rPr lang="en-US" dirty="0"/>
+              <a:t>:  </a:t>
+            </a:r>
+            <a:r>
+              <a:rPr lang="en-US" dirty="0" err="1"/>
+              <a:t>Օգտագործողը</a:t>
+            </a:r>
+            <a:r>
+              <a:rPr lang="en-US" dirty="0"/>
+              <a:t> </a:t>
+            </a:r>
+            <a:r>
+              <a:rPr lang="en-US" dirty="0" err="1"/>
+              <a:t>կարող</a:t>
+            </a:r>
+            <a:r>
+              <a:rPr lang="en-US" dirty="0"/>
+              <a:t> է </a:t>
+            </a:r>
+            <a:r>
+              <a:rPr lang="en-US" dirty="0" err="1"/>
+              <a:t>ընտրել</a:t>
+            </a:r>
+            <a:r>
+              <a:rPr lang="en-US" dirty="0"/>
+              <a:t> </a:t>
+            </a:r>
+            <a:r>
+              <a:rPr lang="en-US" dirty="0" err="1"/>
+              <a:t>դրանցից</a:t>
+            </a:r>
+            <a:r>
+              <a:rPr lang="en-US" dirty="0"/>
+              <a:t> </a:t>
+            </a:r>
+            <a:r>
+              <a:rPr lang="en-US" dirty="0" err="1"/>
+              <a:t>որևէ</a:t>
+            </a:r>
+            <a:r>
+              <a:rPr lang="en-US" dirty="0"/>
+              <a:t> </a:t>
+            </a:r>
+            <a:r>
+              <a:rPr lang="en-US" dirty="0" err="1"/>
+              <a:t>մեկը</a:t>
+            </a:r>
+            <a:r>
+              <a:rPr lang="en-US" dirty="0"/>
+              <a:t>: </a:t>
+            </a:r>
+            <a:r>
+              <a:rPr lang="en-US" dirty="0" err="1"/>
+              <a:t>Օգտագործողը</a:t>
+            </a:r>
+            <a:r>
+              <a:rPr lang="en-US" dirty="0"/>
+              <a:t> </a:t>
+            </a:r>
+            <a:r>
+              <a:rPr lang="en-US" dirty="0" err="1"/>
+              <a:t>հնարավորություն</a:t>
+            </a:r>
+            <a:r>
+              <a:rPr lang="en-US" dirty="0"/>
+              <a:t> </a:t>
+            </a:r>
+            <a:r>
+              <a:rPr lang="en-US" dirty="0" err="1"/>
+              <a:t>ունի</a:t>
+            </a:r>
+            <a:r>
+              <a:rPr lang="en-US" dirty="0"/>
+              <a:t> </a:t>
+            </a:r>
+            <a:r>
+              <a:rPr lang="en-US" dirty="0" err="1"/>
+              <a:t>նաև</a:t>
+            </a:r>
+            <a:r>
+              <a:rPr lang="en-US" dirty="0"/>
+              <a:t> </a:t>
+            </a:r>
+            <a:r>
+              <a:rPr lang="en-US" dirty="0" err="1"/>
+              <a:t>փոփոխել</a:t>
+            </a:r>
+            <a:r>
+              <a:rPr lang="en-US" dirty="0"/>
+              <a:t>  </a:t>
+            </a:r>
+            <a:r>
+              <a:rPr lang="en-US" dirty="0" err="1"/>
+              <a:t>գոյություն</a:t>
+            </a:r>
+            <a:r>
+              <a:rPr lang="en-US" dirty="0"/>
+              <a:t> </a:t>
+            </a:r>
+            <a:r>
+              <a:rPr lang="en-US" dirty="0" err="1"/>
+              <a:t>ունեցող</a:t>
+            </a:r>
+            <a:r>
+              <a:rPr lang="en-US" dirty="0"/>
+              <a:t> Configuration-ը (</a:t>
+            </a:r>
+            <a:r>
+              <a:rPr lang="en-US" dirty="0" err="1"/>
+              <a:t>օգտագործելով</a:t>
+            </a:r>
+            <a:r>
+              <a:rPr lang="en-US" dirty="0"/>
+              <a:t> Edit) </a:t>
+            </a:r>
+            <a:r>
+              <a:rPr lang="en-US" dirty="0" err="1"/>
+              <a:t>կամ</a:t>
+            </a:r>
+            <a:r>
+              <a:rPr lang="en-US" dirty="0"/>
+              <a:t>  </a:t>
+            </a:r>
+            <a:r>
+              <a:rPr lang="en-US" dirty="0" err="1"/>
+              <a:t>ստեղծել</a:t>
+            </a:r>
+            <a:r>
+              <a:rPr lang="en-US" dirty="0"/>
+              <a:t> </a:t>
+            </a:r>
+            <a:r>
+              <a:rPr lang="en-US" dirty="0" err="1"/>
+              <a:t>նորը</a:t>
+            </a:r>
+            <a:r>
+              <a:rPr lang="en-US" dirty="0"/>
+              <a:t> (</a:t>
+            </a:r>
+            <a:r>
+              <a:rPr lang="en-US" dirty="0" err="1"/>
+              <a:t>օգտագործելով</a:t>
+            </a:r>
+            <a:r>
+              <a:rPr lang="en-US" dirty="0"/>
+              <a:t> New):</a:t>
+            </a:r>
+          </a:p>
+          <a:p>
+            <a:endParaRPr lang="en-US" dirty="0"/>
+          </a:p>
+        </p:txBody>
+      </p:sp>
+      <p:grpSp>
+        <p:nvGrpSpPr>
+          <p:cNvPr id="2" name="Group 1"/>
+          <p:cNvGrpSpPr/>
+          <p:nvPr/>
+        </p:nvGrpSpPr>
+        <p:grpSpPr>
+          <a:xfrm>
+            <a:off x="259572" y="520010"/>
+            <a:ext cx="11252199" cy="2908989"/>
+            <a:chOff x="259572" y="520010"/>
+            <a:chExt cx="11252199" cy="2908989"/>
+          </a:xfrm>
+        </p:grpSpPr>
+        <p:grpSp>
+          <p:nvGrpSpPr>
+            <p:cNvPr id="6" name="Group 5"/>
+            <p:cNvGrpSpPr/>
             <p:nvPr/>
-          </p:nvPicPr>
-          <p:blipFill rotWithShape="1">
-            <a:blip r:embed="rId2">
+          </p:nvGrpSpPr>
+          <p:grpSpPr>
+            <a:xfrm>
+              <a:off x="259572" y="520010"/>
+              <a:ext cx="7836572" cy="2908989"/>
+              <a:chOff x="2786872" y="2205940"/>
+              <a:chExt cx="7836572" cy="2908989"/>
+            </a:xfrm>
+          </p:grpSpPr>
+          <p:sp>
+            <p:nvSpPr>
+              <p:cNvPr id="4" name="Oval 3"/>
+              <p:cNvSpPr/>
+              <p:nvPr/>
+            </p:nvSpPr>
+            <p:spPr>
+              <a:xfrm>
+                <a:off x="2786872" y="2700180"/>
+                <a:ext cx="2112819" cy="1119350"/>
+              </a:xfrm>
+              <a:prstGeom prst="ellipse">
+                <a:avLst/>
+              </a:prstGeom>
+            </p:spPr>
+            <p:style>
+              <a:lnRef idx="1">
+                <a:schemeClr val="accent1"/>
+              </a:lnRef>
+              <a:fillRef idx="2">
+                <a:schemeClr val="accent1"/>
+              </a:fillRef>
+              <a:effectRef idx="1">
+                <a:schemeClr val="accent1"/>
+              </a:effectRef>
+              <a:fontRef idx="minor">
+                <a:schemeClr val="dk1"/>
+              </a:fontRef>
+            </p:style>
+            <p:txBody>
+              <a:bodyPr rtlCol="0" anchor="ctr"/>
+              <a:lstStyle/>
+              <a:p>
+                <a:pPr algn="ctr"/>
+                <a:r>
+                  <a:rPr lang="en-US" dirty="0"/>
+                  <a:t>Configuration Manager</a:t>
+                </a:r>
+              </a:p>
+            </p:txBody>
+          </p:sp>
+          <p:pic>
+            <p:nvPicPr>
+              <p:cNvPr id="1026" name="Picture 2"/>
+              <p:cNvPicPr>
+                <a:picLocks noChangeAspect="1" noChangeArrowheads="1"/>
+              </p:cNvPicPr>
+              <p:nvPr/>
+            </p:nvPicPr>
+            <p:blipFill rotWithShape="1">
+              <a:blip r:embed="rId2">
+                <a:extLst>
+                  <a:ext uri="{28A0092B-C50C-407E-A947-70E740481C1C}">
+                    <a14:useLocalDpi xmlns:a14="http://schemas.microsoft.com/office/drawing/2010/main" val="0"/>
+                  </a:ext>
+                </a:extLst>
+              </a:blip>
+              <a:srcRect l="37752" t="30609" r="23144" b="23077"/>
+              <a:stretch/>
+            </p:blipFill>
+            <p:spPr bwMode="auto">
+              <a:xfrm>
+                <a:off x="6254927" y="2205940"/>
+                <a:ext cx="4368517" cy="2908989"/>
+              </a:xfrm>
+              <a:prstGeom prst="rect">
+                <a:avLst/>
+              </a:prstGeom>
+              <a:noFill/>
+              <a:ln>
+                <a:noFill/>
+              </a:ln>
+              <a:effectLst/>
               <a:extLst>
-                <a:ext uri="{28A0092B-C50C-407E-A947-70E740481C1C}">
-                  <a14:useLocalDpi xmlns:a14="http://schemas.microsoft.com/office/drawing/2010/main" val="0"/>
+                <a:ext uri="{909E8E84-426E-40DD-AFC4-6F175D3DCCD1}">
+                  <a14:hiddenFill xmlns:a14="http://schemas.microsoft.com/office/drawing/2010/main">
+                    <a:solidFill>
+                      <a:schemeClr val="accent1"/>
+                    </a:solidFill>
+                  </a14:hiddenFill>
+                </a:ext>
+                <a:ext uri="{91240B29-F687-4F45-9708-019B960494DF}">
+                  <a14:hiddenLine xmlns:a14="http://schemas.microsoft.com/office/drawing/2010/main" w="9525">
+                    <a:solidFill>
+                      <a:schemeClr val="tx1"/>
+                    </a:solidFill>
+                    <a:miter lim="800000"/>
+                    <a:headEnd/>
+                    <a:tailEnd/>
+                  </a14:hiddenLine>
+                </a:ext>
+                <a:ext uri="{AF507438-7753-43E0-B8FC-AC1667EBCBE1}">
+                  <a14:hiddenEffects xmlns:a14="http://schemas.microsoft.com/office/drawing/2010/main">
+                    <a:effectLst>
+                      <a:outerShdw dist="35921" dir="2700000" algn="ctr" rotWithShape="0">
+                        <a:schemeClr val="bg2"/>
+                      </a:outerShdw>
+                    </a:effectLst>
+                  </a14:hiddenEffects>
                 </a:ext>
               </a:extLst>
-            </a:blip>
-            <a:srcRect l="37752" t="30609" r="23144" b="23077"/>
-            <a:stretch/>
-          </p:blipFill>
-          <p:spPr bwMode="auto">
-            <a:xfrm>
-              <a:off x="7474127" y="2205941"/>
-              <a:ext cx="3211345" cy="2138430"/>
-            </a:xfrm>
-            <a:prstGeom prst="rect">
-              <a:avLst/>
-            </a:prstGeom>
-            <a:noFill/>
-            <a:ln>
-              <a:noFill/>
-            </a:ln>
-            <a:effectLst/>
-            <a:extLst>
-              <a:ext uri="{909E8E84-426E-40DD-AFC4-6F175D3DCCD1}">
-                <a14:hiddenFill xmlns:a14="http://schemas.microsoft.com/office/drawing/2010/main">
-                  <a:solidFill>
-                    <a:schemeClr val="accent1"/>
-                  </a:solidFill>
-                </a14:hiddenFill>
-              </a:ext>
-              <a:ext uri="{91240B29-F687-4F45-9708-019B960494DF}">
-                <a14:hiddenLine xmlns:a14="http://schemas.microsoft.com/office/drawing/2010/main" w="9525">
-                  <a:solidFill>
-                    <a:schemeClr val="tx1"/>
-                  </a:solidFill>
-                  <a:miter lim="800000"/>
-                  <a:headEnd/>
-                  <a:tailEnd/>
-                </a14:hiddenLine>
-              </a:ext>
-              <a:ext uri="{AF507438-7753-43E0-B8FC-AC1667EBCBE1}">
-                <a14:hiddenEffects xmlns:a14="http://schemas.microsoft.com/office/drawing/2010/main">
-                  <a:effectLst>
-                    <a:outerShdw dist="35921" dir="2700000" algn="ctr" rotWithShape="0">
-                      <a:schemeClr val="bg2"/>
-                    </a:outerShdw>
-                  </a:effectLst>
-                </a14:hiddenEffects>
-              </a:ext>
-            </a:extLst>
-          </p:spPr>
-        </p:pic>
+            </p:spPr>
+          </p:pic>
+          <p:sp>
+            <p:nvSpPr>
+              <p:cNvPr id="3" name="Down Arrow 2"/>
+              <p:cNvSpPr/>
+              <p:nvPr/>
+            </p:nvSpPr>
+            <p:spPr>
+              <a:xfrm rot="16200000">
+                <a:off x="5467311" y="2780550"/>
+                <a:ext cx="241622" cy="943462"/>
+              </a:xfrm>
+              <a:prstGeom prst="downArrow">
+                <a:avLst/>
+              </a:prstGeom>
+            </p:spPr>
+            <p:style>
+              <a:lnRef idx="1">
+                <a:schemeClr val="accent1"/>
+              </a:lnRef>
+              <a:fillRef idx="2">
+                <a:schemeClr val="accent1"/>
+              </a:fillRef>
+              <a:effectRef idx="1">
+                <a:schemeClr val="accent1"/>
+              </a:effectRef>
+              <a:fontRef idx="minor">
+                <a:schemeClr val="dk1"/>
+              </a:fontRef>
+            </p:style>
+            <p:txBody>
+              <a:bodyPr rtlCol="0" anchor="ctr"/>
+              <a:lstStyle/>
+              <a:p>
+                <a:pPr algn="ctr"/>
+                <a:endParaRPr lang="en-US"/>
+              </a:p>
+            </p:txBody>
+          </p:sp>
+        </p:grpSp>
         <p:sp>
           <p:nvSpPr>
-            <p:cNvPr id="3" name="Down Arrow 2"/>
+            <p:cNvPr id="8" name="Down Arrow 7"/>
             <p:cNvSpPr/>
             <p:nvPr/>
           </p:nvSpPr>
           <p:spPr>
-            <a:xfrm>
-              <a:off x="8997911" y="4012450"/>
+            <a:xfrm rot="16200000">
+              <a:off x="8604211" y="1094620"/>
               <a:ext cx="241622" cy="943462"/>
             </a:xfrm>
             <a:prstGeom prst="downArrow">
@@ -3949,6 +4588,55 @@
             </a:p>
           </p:txBody>
         </p:sp>
+        <p:sp>
+          <p:nvSpPr>
+            <p:cNvPr id="10" name="Oval 9"/>
+            <p:cNvSpPr/>
+            <p:nvPr/>
+          </p:nvSpPr>
+          <p:spPr>
+            <a:xfrm>
+              <a:off x="9398952" y="1019342"/>
+              <a:ext cx="2112819" cy="1119350"/>
+            </a:xfrm>
+            <a:prstGeom prst="ellipse">
+              <a:avLst/>
+            </a:prstGeom>
+          </p:spPr>
+          <p:style>
+            <a:lnRef idx="1">
+              <a:schemeClr val="accent1"/>
+            </a:lnRef>
+            <a:fillRef idx="2">
+              <a:schemeClr val="accent1"/>
+            </a:fillRef>
+            <a:effectRef idx="1">
+              <a:schemeClr val="accent1"/>
+            </a:effectRef>
+            <a:fontRef idx="minor">
+              <a:schemeClr val="dk1"/>
+            </a:fontRef>
+          </p:style>
+          <p:txBody>
+            <a:bodyPr rtlCol="0" anchor="ctr"/>
+            <a:lstStyle/>
+            <a:p>
+              <a:pPr algn="ctr"/>
+              <a:endParaRPr lang="en-US" dirty="0"/>
+            </a:p>
+            <a:p>
+              <a:pPr algn="ctr"/>
+              <a:r>
+                <a:rPr lang="en-US" dirty="0"/>
+                <a:t>Configuration  List</a:t>
+              </a:r>
+            </a:p>
+            <a:p>
+              <a:pPr algn="ctr"/>
+              <a:endParaRPr lang="en-US" dirty="0"/>
+            </a:p>
+          </p:txBody>
+        </p:sp>
       </p:grpSp>
     </p:spTree>
     <p:extLst>
@@ -3970,7 +4658,7 @@
 </p:sld>
 </file>
 
-<file path=ppt/slides/slide4.xml><?xml version="1.0" encoding="utf-8"?>
+<file path=ppt/slides/slide5.xml><?xml version="1.0" encoding="utf-8"?>
 <p:sld xmlns:a="http://schemas.openxmlformats.org/drawingml/2006/main" xmlns:r="http://schemas.openxmlformats.org/officeDocument/2006/relationships" xmlns:p="http://schemas.openxmlformats.org/presentationml/2006/main">
   <p:cSld>
     <p:spTree>
@@ -4091,10 +4779,9 @@
               <a:p>
                 <a:pPr algn="ctr"/>
                 <a:r>
-                  <a:rPr lang="en-US" dirty="0" smtClean="0"/>
+                  <a:rPr lang="en-US" dirty="0"/>
                   <a:t>Analysis Manager</a:t>
                 </a:r>
-                <a:endParaRPr lang="en-US" dirty="0"/>
               </a:p>
             </p:txBody>
           </p:sp>
@@ -4302,13 +4989,13 @@
             <p:nvCxnSpPr>
               <p:cNvPr id="19" name="Straight Arrow Connector 18"/>
               <p:cNvCxnSpPr>
-                <a:stCxn id="5" idx="4"/>
-                <a:endCxn id="20" idx="0"/>
+                <a:stCxn id="20" idx="0"/>
+                <a:endCxn id="5" idx="4"/>
               </p:cNvCxnSpPr>
               <p:nvPr/>
             </p:nvCxnSpPr>
             <p:spPr>
-              <a:xfrm>
+              <a:xfrm flipH="1" flipV="1">
                 <a:off x="6353033" y="3275463"/>
                 <a:ext cx="1057168" cy="1638926"/>
               </a:xfrm>
@@ -4357,10 +5044,9 @@
               <a:lstStyle/>
               <a:p>
                 <a:r>
-                  <a:rPr lang="en-US" dirty="0" smtClean="0"/>
+                  <a:rPr lang="en-US" dirty="0"/>
                   <a:t>RUN</a:t>
                 </a:r>
-                <a:endParaRPr lang="en-US" dirty="0"/>
               </a:p>
             </p:txBody>
           </p:sp>
@@ -4374,8 +5060,8 @@
         </p:nvSpPr>
         <p:spPr>
           <a:xfrm>
-            <a:off x="8011240" y="2156377"/>
-            <a:ext cx="4039737" cy="1477328"/>
+            <a:off x="7947004" y="2070198"/>
+            <a:ext cx="4103973" cy="2862322"/>
           </a:xfrm>
           <a:prstGeom prst="rect">
             <a:avLst/>
@@ -4389,22 +5075,173 @@
           <a:lstStyle/>
           <a:p>
             <a:r>
+              <a:rPr lang="en-US" dirty="0"/>
+              <a:t>Analysis Manager-ը </a:t>
+            </a:r>
+            <a:r>
+              <a:rPr lang="en-US" dirty="0" err="1"/>
+              <a:t>մուտքին</a:t>
+            </a:r>
+            <a:r>
+              <a:rPr lang="en-US" dirty="0"/>
+              <a:t>  </a:t>
+            </a:r>
+            <a:r>
+              <a:rPr lang="en-US" dirty="0" err="1"/>
+              <a:t>ստանում</a:t>
+            </a:r>
+            <a:r>
+              <a:rPr lang="en-US" dirty="0"/>
+              <a:t> է Data Directory, Selection և Configuration List : Analysis Manager-ը </a:t>
+            </a:r>
+            <a:r>
+              <a:rPr lang="en-US" dirty="0" err="1"/>
+              <a:t>ղեկավարում</a:t>
+            </a:r>
+            <a:r>
+              <a:rPr lang="en-US" dirty="0"/>
+              <a:t> է analyses dialog-ը, </a:t>
+            </a:r>
+            <a:r>
+              <a:rPr lang="en-US" dirty="0" err="1" smtClean="0"/>
+              <a:t>ըստ</a:t>
+            </a:r>
+            <a:r>
               <a:rPr lang="en-US" dirty="0" smtClean="0"/>
-              <a:t>Analysis Manager gets Data Directory, Selection and Configuration List as input.  Analysis Manager controls analyses dialog and runs </a:t>
-            </a:r>
-            <a:r>
-              <a:rPr lang="en-US" dirty="0"/>
-              <a:t>one </a:t>
+              <a:t> </a:t>
+            </a:r>
+            <a:r>
+              <a:rPr lang="en-US" dirty="0" err="1"/>
+              <a:t>օգտագործողի</a:t>
+            </a:r>
+            <a:r>
+              <a:rPr lang="en-US" dirty="0"/>
+              <a:t> </a:t>
+            </a:r>
+            <a:r>
+              <a:rPr lang="hy-AM" dirty="0" smtClean="0"/>
+              <a:t>ընտության </a:t>
+            </a:r>
+            <a:r>
+              <a:rPr lang="en-US" dirty="0" err="1" smtClean="0"/>
+              <a:t>կատարում</a:t>
             </a:r>
             <a:r>
               <a:rPr lang="en-US" dirty="0" smtClean="0"/>
-              <a:t>or more analysis  according </a:t>
+              <a:t> </a:t>
+            </a:r>
+            <a:r>
+              <a:rPr lang="en-US" dirty="0"/>
+              <a:t>է </a:t>
+            </a:r>
+            <a:r>
+              <a:rPr lang="en-US" dirty="0" err="1"/>
+              <a:t>մեկ</a:t>
+            </a:r>
+            <a:r>
+              <a:rPr lang="en-US" dirty="0"/>
+              <a:t> </a:t>
+            </a:r>
+            <a:r>
+              <a:rPr lang="en-US" dirty="0" err="1"/>
+              <a:t>կամ</a:t>
+            </a:r>
+            <a:r>
+              <a:rPr lang="en-US" dirty="0"/>
+              <a:t> </a:t>
+            </a:r>
+            <a:r>
+              <a:rPr lang="en-US" dirty="0" err="1"/>
+              <a:t>ավելի</a:t>
+            </a:r>
+            <a:r>
+              <a:rPr lang="en-US" dirty="0"/>
+              <a:t> </a:t>
+            </a:r>
+            <a:r>
+              <a:rPr lang="en-US" dirty="0" err="1"/>
+              <a:t>անալիզներ</a:t>
+            </a:r>
+            <a:r>
+              <a:rPr lang="en-US" dirty="0"/>
+              <a:t>: Analysis Manager-ը </a:t>
+            </a:r>
+            <a:r>
+              <a:rPr lang="en-US" dirty="0" err="1"/>
+              <a:t>տրամադրում</a:t>
+            </a:r>
+            <a:r>
+              <a:rPr lang="en-US" dirty="0"/>
+              <a:t> է RUN </a:t>
+            </a:r>
+            <a:r>
+              <a:rPr lang="en-US" dirty="0" err="1" smtClean="0"/>
+              <a:t>ֆունկցիա</a:t>
+            </a:r>
+            <a:r>
+              <a:rPr lang="hy-AM" dirty="0" smtClean="0"/>
+              <a:t>,</a:t>
             </a:r>
             <a:r>
               <a:rPr lang="en-US" dirty="0" smtClean="0"/>
-              <a:t>Configuration List. </a:t>
-            </a:r>
-            <a:endParaRPr lang="en-US" dirty="0"/>
+              <a:t> </a:t>
+            </a:r>
+            <a:r>
+              <a:rPr lang="en-US" dirty="0" err="1"/>
+              <a:t>որը</a:t>
+            </a:r>
+            <a:r>
+              <a:rPr lang="en-US" dirty="0"/>
+              <a:t> </a:t>
+            </a:r>
+            <a:r>
+              <a:rPr lang="en-US" dirty="0" err="1"/>
+              <a:t>կանչելու</a:t>
+            </a:r>
+            <a:r>
+              <a:rPr lang="en-US" dirty="0"/>
+              <a:t> </a:t>
+            </a:r>
+            <a:r>
+              <a:rPr lang="en-US" dirty="0" err="1"/>
+              <a:t>դեպքում</a:t>
+            </a:r>
+            <a:r>
+              <a:rPr lang="en-US" dirty="0"/>
+              <a:t> </a:t>
+            </a:r>
+            <a:r>
+              <a:rPr lang="en-US" dirty="0" err="1"/>
+              <a:t>ընտրված</a:t>
+            </a:r>
+            <a:r>
+              <a:rPr lang="en-US" dirty="0"/>
+              <a:t> </a:t>
+            </a:r>
+            <a:r>
+              <a:rPr lang="en-US" dirty="0" err="1"/>
+              <a:t>անալիզները</a:t>
+            </a:r>
+            <a:r>
+              <a:rPr lang="en-US" dirty="0"/>
+              <a:t> </a:t>
+            </a:r>
+            <a:r>
+              <a:rPr lang="en-US" dirty="0" err="1"/>
+              <a:t>կսկսեն</a:t>
+            </a:r>
+            <a:r>
+              <a:rPr lang="en-US" dirty="0"/>
+              <a:t> </a:t>
+            </a:r>
+            <a:r>
+              <a:rPr lang="en-US" dirty="0" err="1"/>
+              <a:t>կատարվել</a:t>
+            </a:r>
+            <a:r>
+              <a:rPr lang="en-US" dirty="0"/>
+              <a:t>:</a:t>
+            </a:r>
           </a:p>
         </p:txBody>
       </p:sp>
@@ -4412,811 +5249,6 @@
     <p:extLst>
       <p:ext uri="{BB962C8B-B14F-4D97-AF65-F5344CB8AC3E}">
         <p14:creationId xmlns:p14="http://schemas.microsoft.com/office/powerpoint/2010/main" val="1412765117"/>
-      </p:ext>
-    </p:extLst>
-  </p:cSld>
-  <p:clrMapOvr>
-    <a:masterClrMapping/>
-  </p:clrMapOvr>
-  <p:timing>
-    <p:tnLst>
-      <p:par>
-        <p:cTn id="1" dur="indefinite" restart="never" nodeType="tmRoot"/>
-      </p:par>
-    </p:tnLst>
-  </p:timing>
-</p:sld>
-</file>
-
-<file path=ppt/slides/slide5.xml><?xml version="1.0" encoding="utf-8"?>
-<p:sld xmlns:a="http://schemas.openxmlformats.org/drawingml/2006/main" xmlns:r="http://schemas.openxmlformats.org/officeDocument/2006/relationships" xmlns:p="http://schemas.openxmlformats.org/presentationml/2006/main">
-  <p:cSld>
-    <p:spTree>
-      <p:nvGrpSpPr>
-        <p:cNvPr id="1" name=""/>
-        <p:cNvGrpSpPr/>
-        <p:nvPr/>
-      </p:nvGrpSpPr>
-      <p:grpSpPr>
-        <a:xfrm>
-          <a:off x="0" y="0"/>
-          <a:ext cx="0" cy="0"/>
-          <a:chOff x="0" y="0"/>
-          <a:chExt cx="0" cy="0"/>
-        </a:xfrm>
-      </p:grpSpPr>
-      <p:sp>
-        <p:nvSpPr>
-          <p:cNvPr id="28" name="TextBox 27"/>
-          <p:cNvSpPr txBox="1"/>
-          <p:nvPr/>
-        </p:nvSpPr>
-        <p:spPr>
-          <a:xfrm>
-            <a:off x="418481" y="5438718"/>
-            <a:ext cx="11354936" cy="1200329"/>
-          </a:xfrm>
-          <a:prstGeom prst="rect">
-            <a:avLst/>
-          </a:prstGeom>
-          <a:noFill/>
-        </p:spPr>
-        <p:txBody>
-          <a:bodyPr wrap="square" rtlCol="0">
-            <a:spAutoFit/>
-          </a:bodyPr>
-          <a:lstStyle/>
-          <a:p>
-            <a:r>
-              <a:rPr lang="en-US" dirty="0" err="1" smtClean="0"/>
-              <a:t>DataStore</a:t>
-            </a:r>
-            <a:r>
-              <a:rPr lang="en-US" dirty="0" smtClean="0"/>
-              <a:t> contains </a:t>
-            </a:r>
-            <a:r>
-              <a:rPr lang="en-US" dirty="0" err="1" smtClean="0"/>
-              <a:t>FieldDataCollection</a:t>
-            </a:r>
-            <a:r>
-              <a:rPr lang="en-US" dirty="0" smtClean="0"/>
-              <a:t>.</a:t>
-            </a:r>
-          </a:p>
-          <a:p>
-            <a:r>
-              <a:rPr lang="en-US" dirty="0" err="1" smtClean="0"/>
-              <a:t>DataProvider</a:t>
-            </a:r>
-            <a:r>
-              <a:rPr lang="en-US" dirty="0" smtClean="0"/>
-              <a:t> has </a:t>
-            </a:r>
-            <a:r>
-              <a:rPr lang="en-US" dirty="0" err="1" smtClean="0"/>
-              <a:t>GetData</a:t>
-            </a:r>
-            <a:r>
-              <a:rPr lang="en-US" dirty="0" smtClean="0"/>
-              <a:t> function, it is used for getting all fields values(e.g. wafer, lot, bin). </a:t>
-            </a:r>
-            <a:r>
-              <a:rPr lang="en-US" dirty="0" err="1" smtClean="0"/>
-              <a:t>GetData</a:t>
-            </a:r>
-            <a:r>
-              <a:rPr lang="en-US" dirty="0" smtClean="0"/>
-              <a:t> function converts </a:t>
-            </a:r>
-            <a:r>
-              <a:rPr lang="en-US" dirty="0" err="1" smtClean="0"/>
-              <a:t>FieldList</a:t>
-            </a:r>
-            <a:r>
-              <a:rPr lang="en-US" dirty="0" smtClean="0"/>
-              <a:t> to </a:t>
-            </a:r>
-            <a:r>
-              <a:rPr lang="en-US" dirty="0" err="1" smtClean="0"/>
-              <a:t>DataTypes</a:t>
-            </a:r>
-            <a:r>
-              <a:rPr lang="en-US" dirty="0" smtClean="0"/>
-              <a:t>  and pass it to Loader. Loader finds and returns </a:t>
-            </a:r>
-            <a:r>
-              <a:rPr lang="en-US" dirty="0" smtClean="0"/>
-              <a:t>fields </a:t>
-            </a:r>
-            <a:r>
-              <a:rPr lang="en-US" dirty="0" smtClean="0"/>
-              <a:t>values from </a:t>
-            </a:r>
-            <a:r>
-              <a:rPr lang="en-US" dirty="0" err="1" smtClean="0"/>
-              <a:t>DataStore</a:t>
-            </a:r>
-            <a:r>
-              <a:rPr lang="en-US" dirty="0" smtClean="0"/>
-              <a:t>. </a:t>
-            </a:r>
-          </a:p>
-          <a:p>
-            <a:r>
-              <a:rPr lang="en-US" dirty="0" err="1" smtClean="0"/>
-              <a:t>DataProvider</a:t>
-            </a:r>
-            <a:r>
-              <a:rPr lang="en-US" dirty="0" smtClean="0"/>
-              <a:t> gets Selection </a:t>
-            </a:r>
-            <a:r>
-              <a:rPr lang="en-US" dirty="0"/>
-              <a:t>object with </a:t>
-            </a:r>
-            <a:r>
-              <a:rPr lang="en-US" dirty="0" err="1" smtClean="0"/>
-              <a:t>SetSelection</a:t>
-            </a:r>
-            <a:r>
-              <a:rPr lang="en-US" dirty="0" smtClean="0"/>
-              <a:t> function.</a:t>
-            </a:r>
-            <a:endParaRPr lang="en-US" dirty="0"/>
-          </a:p>
-        </p:txBody>
-      </p:sp>
-      <p:sp>
-        <p:nvSpPr>
-          <p:cNvPr id="66" name="Right Arrow 65"/>
-          <p:cNvSpPr/>
-          <p:nvPr/>
-        </p:nvSpPr>
-        <p:spPr>
-          <a:xfrm rot="18573577">
-            <a:off x="7145461" y="2034652"/>
-            <a:ext cx="1500378" cy="259423"/>
-          </a:xfrm>
-          <a:prstGeom prst="rightArrow">
-            <a:avLst/>
-          </a:prstGeom>
-        </p:spPr>
-        <p:style>
-          <a:lnRef idx="1">
-            <a:schemeClr val="accent1"/>
-          </a:lnRef>
-          <a:fillRef idx="2">
-            <a:schemeClr val="accent1"/>
-          </a:fillRef>
-          <a:effectRef idx="1">
-            <a:schemeClr val="accent1"/>
-          </a:effectRef>
-          <a:fontRef idx="minor">
-            <a:schemeClr val="dk1"/>
-          </a:fontRef>
-        </p:style>
-        <p:txBody>
-          <a:bodyPr rtlCol="0" anchor="ctr"/>
-          <a:lstStyle/>
-          <a:p>
-            <a:pPr algn="ctr"/>
-            <a:endParaRPr lang="en-US"/>
-          </a:p>
-        </p:txBody>
-      </p:sp>
-      <p:grpSp>
-        <p:nvGrpSpPr>
-          <p:cNvPr id="73" name="Group 72"/>
-          <p:cNvGrpSpPr/>
-          <p:nvPr/>
-        </p:nvGrpSpPr>
-        <p:grpSpPr>
-          <a:xfrm>
-            <a:off x="548115" y="334993"/>
-            <a:ext cx="11225302" cy="4619654"/>
-            <a:chOff x="548115" y="334993"/>
-            <a:chExt cx="11225302" cy="4619654"/>
-          </a:xfrm>
-        </p:grpSpPr>
-        <p:grpSp>
-          <p:nvGrpSpPr>
-            <p:cNvPr id="65" name="Group 64"/>
-            <p:cNvGrpSpPr/>
-            <p:nvPr/>
-          </p:nvGrpSpPr>
-          <p:grpSpPr>
-            <a:xfrm>
-              <a:off x="548115" y="334993"/>
-              <a:ext cx="9919718" cy="4619654"/>
-              <a:chOff x="548115" y="334993"/>
-              <a:chExt cx="9919718" cy="4619654"/>
-            </a:xfrm>
-          </p:grpSpPr>
-          <p:sp>
-            <p:nvSpPr>
-              <p:cNvPr id="4" name="Oval 3"/>
-              <p:cNvSpPr/>
-              <p:nvPr/>
-            </p:nvSpPr>
-            <p:spPr>
-              <a:xfrm>
-                <a:off x="1619465" y="334993"/>
-                <a:ext cx="2511188" cy="1351129"/>
-              </a:xfrm>
-              <a:prstGeom prst="ellipse">
-                <a:avLst/>
-              </a:prstGeom>
-            </p:spPr>
-            <p:style>
-              <a:lnRef idx="1">
-                <a:schemeClr val="accent1"/>
-              </a:lnRef>
-              <a:fillRef idx="2">
-                <a:schemeClr val="accent1"/>
-              </a:fillRef>
-              <a:effectRef idx="1">
-                <a:schemeClr val="accent1"/>
-              </a:effectRef>
-              <a:fontRef idx="minor">
-                <a:schemeClr val="dk1"/>
-              </a:fontRef>
-            </p:style>
-            <p:txBody>
-              <a:bodyPr rtlCol="0" anchor="ctr"/>
-              <a:lstStyle/>
-              <a:p>
-                <a:pPr algn="ctr"/>
-                <a:r>
-                  <a:rPr lang="en-US" dirty="0" smtClean="0"/>
-                  <a:t>Data Provider</a:t>
-                </a:r>
-                <a:endParaRPr lang="en-US" dirty="0"/>
-              </a:p>
-            </p:txBody>
-          </p:sp>
-          <p:sp>
-            <p:nvSpPr>
-              <p:cNvPr id="5" name="Oval 4"/>
-              <p:cNvSpPr/>
-              <p:nvPr/>
-            </p:nvSpPr>
-            <p:spPr>
-              <a:xfrm>
-                <a:off x="8286466" y="379855"/>
-                <a:ext cx="2181367" cy="1351129"/>
-              </a:xfrm>
-              <a:prstGeom prst="ellipse">
-                <a:avLst/>
-              </a:prstGeom>
-            </p:spPr>
-            <p:style>
-              <a:lnRef idx="1">
-                <a:schemeClr val="accent1"/>
-              </a:lnRef>
-              <a:fillRef idx="2">
-                <a:schemeClr val="accent1"/>
-              </a:fillRef>
-              <a:effectRef idx="1">
-                <a:schemeClr val="accent1"/>
-              </a:effectRef>
-              <a:fontRef idx="minor">
-                <a:schemeClr val="dk1"/>
-              </a:fontRef>
-            </p:style>
-            <p:txBody>
-              <a:bodyPr rtlCol="0" anchor="ctr"/>
-              <a:lstStyle/>
-              <a:p>
-                <a:pPr algn="ctr"/>
-                <a:r>
-                  <a:rPr lang="en-US" dirty="0" err="1" smtClean="0"/>
-                  <a:t>DataStore</a:t>
-                </a:r>
-                <a:endParaRPr lang="en-US" dirty="0"/>
-              </a:p>
-            </p:txBody>
-          </p:sp>
-          <p:sp>
-            <p:nvSpPr>
-              <p:cNvPr id="6" name="Oval 5"/>
-              <p:cNvSpPr/>
-              <p:nvPr/>
-            </p:nvSpPr>
-            <p:spPr>
-              <a:xfrm>
-                <a:off x="6293893" y="2813714"/>
-                <a:ext cx="1635456" cy="748352"/>
-              </a:xfrm>
-              <a:prstGeom prst="ellipse">
-                <a:avLst/>
-              </a:prstGeom>
-            </p:spPr>
-            <p:style>
-              <a:lnRef idx="1">
-                <a:schemeClr val="accent1"/>
-              </a:lnRef>
-              <a:fillRef idx="2">
-                <a:schemeClr val="accent1"/>
-              </a:fillRef>
-              <a:effectRef idx="1">
-                <a:schemeClr val="accent1"/>
-              </a:effectRef>
-              <a:fontRef idx="minor">
-                <a:schemeClr val="dk1"/>
-              </a:fontRef>
-            </p:style>
-            <p:txBody>
-              <a:bodyPr rtlCol="0" anchor="ctr"/>
-              <a:lstStyle/>
-              <a:p>
-                <a:pPr algn="ctr"/>
-                <a:r>
-                  <a:rPr lang="en-US" dirty="0" smtClean="0"/>
-                  <a:t>Loader</a:t>
-                </a:r>
-                <a:endParaRPr lang="en-US" dirty="0"/>
-              </a:p>
-            </p:txBody>
-          </p:sp>
-          <p:sp>
-            <p:nvSpPr>
-              <p:cNvPr id="7" name="Oval 6"/>
-              <p:cNvSpPr/>
-              <p:nvPr/>
-            </p:nvSpPr>
-            <p:spPr>
-              <a:xfrm>
-                <a:off x="8302367" y="3601890"/>
-                <a:ext cx="1635456" cy="748352"/>
-              </a:xfrm>
-              <a:prstGeom prst="ellipse">
-                <a:avLst/>
-              </a:prstGeom>
-            </p:spPr>
-            <p:style>
-              <a:lnRef idx="1">
-                <a:schemeClr val="accent1"/>
-              </a:lnRef>
-              <a:fillRef idx="2">
-                <a:schemeClr val="accent1"/>
-              </a:fillRef>
-              <a:effectRef idx="1">
-                <a:schemeClr val="accent1"/>
-              </a:effectRef>
-              <a:fontRef idx="minor">
-                <a:schemeClr val="dk1"/>
-              </a:fontRef>
-            </p:style>
-            <p:txBody>
-              <a:bodyPr rtlCol="0" anchor="ctr"/>
-              <a:lstStyle/>
-              <a:p>
-                <a:pPr algn="ctr"/>
-                <a:r>
-                  <a:rPr lang="en-US" dirty="0" smtClean="0"/>
-                  <a:t>Parser</a:t>
-                </a:r>
-                <a:endParaRPr lang="en-US" dirty="0"/>
-              </a:p>
-            </p:txBody>
-          </p:sp>
-          <p:sp>
-            <p:nvSpPr>
-              <p:cNvPr id="9" name="Right Arrow 8"/>
-              <p:cNvSpPr/>
-              <p:nvPr/>
-            </p:nvSpPr>
-            <p:spPr>
-              <a:xfrm rot="2278084">
-                <a:off x="7822513" y="3466648"/>
-                <a:ext cx="599201" cy="247541"/>
-              </a:xfrm>
-              <a:prstGeom prst="rightArrow">
-                <a:avLst/>
-              </a:prstGeom>
-            </p:spPr>
-            <p:style>
-              <a:lnRef idx="1">
-                <a:schemeClr val="accent1"/>
-              </a:lnRef>
-              <a:fillRef idx="2">
-                <a:schemeClr val="accent1"/>
-              </a:fillRef>
-              <a:effectRef idx="1">
-                <a:schemeClr val="accent1"/>
-              </a:effectRef>
-              <a:fontRef idx="minor">
-                <a:schemeClr val="dk1"/>
-              </a:fontRef>
-            </p:style>
-            <p:txBody>
-              <a:bodyPr rtlCol="0" anchor="ctr"/>
-              <a:lstStyle/>
-              <a:p>
-                <a:pPr algn="ctr"/>
-                <a:endParaRPr lang="en-US"/>
-              </a:p>
-            </p:txBody>
-          </p:sp>
-          <p:cxnSp>
-            <p:nvCxnSpPr>
-              <p:cNvPr id="12" name="Straight Arrow Connector 11"/>
-              <p:cNvCxnSpPr>
-                <a:stCxn id="31" idx="0"/>
-              </p:cNvCxnSpPr>
-              <p:nvPr/>
-            </p:nvCxnSpPr>
-            <p:spPr>
-              <a:xfrm flipV="1">
-                <a:off x="5636247" y="3602884"/>
-                <a:ext cx="1051156" cy="705432"/>
-              </a:xfrm>
-              <a:prstGeom prst="straightConnector1">
-                <a:avLst/>
-              </a:prstGeom>
-              <a:ln>
-                <a:tailEnd type="arrow"/>
-              </a:ln>
-            </p:spPr>
-            <p:style>
-              <a:lnRef idx="1">
-                <a:schemeClr val="accent1"/>
-              </a:lnRef>
-              <a:fillRef idx="0">
-                <a:schemeClr val="accent1"/>
-              </a:fillRef>
-              <a:effectRef idx="0">
-                <a:schemeClr val="accent1"/>
-              </a:effectRef>
-              <a:fontRef idx="minor">
-                <a:schemeClr val="tx1"/>
-              </a:fontRef>
-            </p:style>
-          </p:cxnSp>
-          <p:sp>
-            <p:nvSpPr>
-              <p:cNvPr id="13" name="Rectangle 12"/>
-              <p:cNvSpPr/>
-              <p:nvPr/>
-            </p:nvSpPr>
-            <p:spPr>
-              <a:xfrm>
-                <a:off x="548115" y="2368602"/>
-                <a:ext cx="2142699" cy="1057701"/>
-              </a:xfrm>
-              <a:prstGeom prst="rect">
-                <a:avLst/>
-              </a:prstGeom>
-            </p:spPr>
-            <p:style>
-              <a:lnRef idx="1">
-                <a:schemeClr val="accent1"/>
-              </a:lnRef>
-              <a:fillRef idx="2">
-                <a:schemeClr val="accent1"/>
-              </a:fillRef>
-              <a:effectRef idx="1">
-                <a:schemeClr val="accent1"/>
-              </a:effectRef>
-              <a:fontRef idx="minor">
-                <a:schemeClr val="dk1"/>
-              </a:fontRef>
-            </p:style>
-            <p:txBody>
-              <a:bodyPr rtlCol="0" anchor="ctr"/>
-              <a:lstStyle/>
-              <a:p>
-                <a:pPr algn="ctr"/>
-                <a:r>
-                  <a:rPr lang="en-US" dirty="0" err="1" smtClean="0"/>
-                  <a:t>GetData</a:t>
-                </a:r>
-                <a:r>
-                  <a:rPr lang="en-US" dirty="0" smtClean="0"/>
-                  <a:t>(</a:t>
-                </a:r>
-                <a:r>
-                  <a:rPr lang="en-US" dirty="0" err="1" smtClean="0"/>
-                  <a:t>FieldList</a:t>
-                </a:r>
-                <a:r>
-                  <a:rPr lang="en-US" dirty="0" smtClean="0"/>
-                  <a:t>)</a:t>
-                </a:r>
-                <a:endParaRPr lang="en-US" dirty="0"/>
-              </a:p>
-            </p:txBody>
-          </p:sp>
-          <p:cxnSp>
-            <p:nvCxnSpPr>
-              <p:cNvPr id="14" name="Straight Arrow Connector 13"/>
-              <p:cNvCxnSpPr>
-                <a:stCxn id="13" idx="3"/>
-              </p:cNvCxnSpPr>
-              <p:nvPr/>
-            </p:nvCxnSpPr>
-            <p:spPr>
-              <a:xfrm>
-                <a:off x="2690814" y="2897453"/>
-                <a:ext cx="1744708" cy="1410863"/>
-              </a:xfrm>
-              <a:prstGeom prst="straightConnector1">
-                <a:avLst/>
-              </a:prstGeom>
-              <a:ln>
-                <a:tailEnd type="arrow"/>
-              </a:ln>
-            </p:spPr>
-            <p:style>
-              <a:lnRef idx="1">
-                <a:schemeClr val="accent1"/>
-              </a:lnRef>
-              <a:fillRef idx="0">
-                <a:schemeClr val="accent1"/>
-              </a:fillRef>
-              <a:effectRef idx="0">
-                <a:schemeClr val="accent1"/>
-              </a:effectRef>
-              <a:fontRef idx="minor">
-                <a:schemeClr val="tx1"/>
-              </a:fontRef>
-            </p:style>
-          </p:cxnSp>
-          <p:cxnSp>
-            <p:nvCxnSpPr>
-              <p:cNvPr id="25" name="Straight Connector 24"/>
-              <p:cNvCxnSpPr>
-                <a:stCxn id="4" idx="3"/>
-                <a:endCxn id="13" idx="0"/>
-              </p:cNvCxnSpPr>
-              <p:nvPr/>
-            </p:nvCxnSpPr>
-            <p:spPr>
-              <a:xfrm flipH="1">
-                <a:off x="1619465" y="1488254"/>
-                <a:ext cx="367755" cy="880348"/>
-              </a:xfrm>
-              <a:prstGeom prst="line">
-                <a:avLst/>
-              </a:prstGeom>
-            </p:spPr>
-            <p:style>
-              <a:lnRef idx="1">
-                <a:schemeClr val="accent1"/>
-              </a:lnRef>
-              <a:fillRef idx="0">
-                <a:schemeClr val="accent1"/>
-              </a:fillRef>
-              <a:effectRef idx="0">
-                <a:schemeClr val="accent1"/>
-              </a:effectRef>
-              <a:fontRef idx="minor">
-                <a:schemeClr val="tx1"/>
-              </a:fontRef>
-            </p:style>
-          </p:cxnSp>
-          <p:sp>
-            <p:nvSpPr>
-              <p:cNvPr id="31" name="TextBox 30"/>
-              <p:cNvSpPr txBox="1"/>
-              <p:nvPr/>
-            </p:nvSpPr>
-            <p:spPr>
-              <a:xfrm>
-                <a:off x="3228537" y="4308316"/>
-                <a:ext cx="4815420" cy="646331"/>
-              </a:xfrm>
-              <a:prstGeom prst="rect">
-                <a:avLst/>
-              </a:prstGeom>
-              <a:noFill/>
-            </p:spPr>
-            <p:txBody>
-              <a:bodyPr wrap="square" rtlCol="0">
-                <a:spAutoFit/>
-              </a:bodyPr>
-              <a:lstStyle/>
-              <a:p>
-                <a:r>
-                  <a:rPr lang="en-US" dirty="0" smtClean="0"/>
-                  <a:t>Convert </a:t>
-                </a:r>
-                <a:r>
-                  <a:rPr lang="en-US" dirty="0"/>
-                  <a:t>to </a:t>
-                </a:r>
-                <a:r>
-                  <a:rPr lang="en-US" dirty="0" err="1" smtClean="0"/>
-                  <a:t>DataTypes</a:t>
-                </a:r>
-                <a:r>
-                  <a:rPr lang="en-US" dirty="0" smtClean="0"/>
-                  <a:t>(e.g. </a:t>
-                </a:r>
-                <a:r>
-                  <a:rPr lang="en-US" dirty="0" err="1" smtClean="0"/>
-                  <a:t>BinData</a:t>
-                </a:r>
-                <a:r>
-                  <a:rPr lang="en-US" dirty="0" smtClean="0"/>
-                  <a:t>, </a:t>
-                </a:r>
-                <a:r>
-                  <a:rPr lang="en-US" dirty="0" err="1" smtClean="0"/>
-                  <a:t>BinDefinition</a:t>
-                </a:r>
-                <a:r>
-                  <a:rPr lang="en-US" dirty="0" smtClean="0"/>
-                  <a:t>)</a:t>
-                </a:r>
-                <a:endParaRPr lang="en-US" dirty="0"/>
-              </a:p>
-              <a:p>
-                <a:endParaRPr lang="en-US" dirty="0"/>
-              </a:p>
-            </p:txBody>
-          </p:sp>
-          <p:sp>
-            <p:nvSpPr>
-              <p:cNvPr id="47" name="Rectangle 46"/>
-              <p:cNvSpPr/>
-              <p:nvPr/>
-            </p:nvSpPr>
-            <p:spPr>
-              <a:xfrm>
-                <a:off x="3709864" y="2174056"/>
-                <a:ext cx="2386085" cy="639658"/>
-              </a:xfrm>
-              <a:prstGeom prst="rect">
-                <a:avLst/>
-              </a:prstGeom>
-            </p:spPr>
-            <p:style>
-              <a:lnRef idx="1">
-                <a:schemeClr val="accent1"/>
-              </a:lnRef>
-              <a:fillRef idx="2">
-                <a:schemeClr val="accent1"/>
-              </a:fillRef>
-              <a:effectRef idx="1">
-                <a:schemeClr val="accent1"/>
-              </a:effectRef>
-              <a:fontRef idx="minor">
-                <a:schemeClr val="dk1"/>
-              </a:fontRef>
-            </p:style>
-            <p:txBody>
-              <a:bodyPr rtlCol="0" anchor="ctr"/>
-              <a:lstStyle/>
-              <a:p>
-                <a:pPr algn="ctr"/>
-                <a:r>
-                  <a:rPr lang="en-US" dirty="0" err="1" smtClean="0"/>
-                  <a:t>SetSelection</a:t>
-                </a:r>
-                <a:r>
-                  <a:rPr lang="en-US" dirty="0" smtClean="0"/>
-                  <a:t>(Selection)</a:t>
-                </a:r>
-                <a:endParaRPr lang="en-US" dirty="0"/>
-              </a:p>
-            </p:txBody>
-          </p:sp>
-          <p:cxnSp>
-            <p:nvCxnSpPr>
-              <p:cNvPr id="63" name="Straight Connector 62"/>
-              <p:cNvCxnSpPr>
-                <a:stCxn id="4" idx="5"/>
-                <a:endCxn id="47" idx="0"/>
-              </p:cNvCxnSpPr>
-              <p:nvPr/>
-            </p:nvCxnSpPr>
-            <p:spPr>
-              <a:xfrm>
-                <a:off x="3762898" y="1488254"/>
-                <a:ext cx="1140009" cy="685802"/>
-              </a:xfrm>
-              <a:prstGeom prst="line">
-                <a:avLst/>
-              </a:prstGeom>
-            </p:spPr>
-            <p:style>
-              <a:lnRef idx="1">
-                <a:schemeClr val="accent1"/>
-              </a:lnRef>
-              <a:fillRef idx="0">
-                <a:schemeClr val="accent1"/>
-              </a:fillRef>
-              <a:effectRef idx="0">
-                <a:schemeClr val="accent1"/>
-              </a:effectRef>
-              <a:fontRef idx="minor">
-                <a:schemeClr val="tx1"/>
-              </a:fontRef>
-            </p:style>
-          </p:cxnSp>
-        </p:grpSp>
-        <p:sp>
-          <p:nvSpPr>
-            <p:cNvPr id="69" name="Rectangle 68"/>
-            <p:cNvSpPr/>
-            <p:nvPr/>
-          </p:nvSpPr>
-          <p:spPr>
-            <a:xfrm>
-              <a:off x="9630718" y="2184226"/>
-              <a:ext cx="2142699" cy="662730"/>
-            </a:xfrm>
-            <a:prstGeom prst="rect">
-              <a:avLst/>
-            </a:prstGeom>
-          </p:spPr>
-          <p:style>
-            <a:lnRef idx="1">
-              <a:schemeClr val="accent1"/>
-            </a:lnRef>
-            <a:fillRef idx="2">
-              <a:schemeClr val="accent1"/>
-            </a:fillRef>
-            <a:effectRef idx="1">
-              <a:schemeClr val="accent1"/>
-            </a:effectRef>
-            <a:fontRef idx="minor">
-              <a:schemeClr val="dk1"/>
-            </a:fontRef>
-          </p:style>
-          <p:txBody>
-            <a:bodyPr rtlCol="0" anchor="ctr"/>
-            <a:lstStyle/>
-            <a:p>
-              <a:pPr algn="ctr"/>
-              <a:r>
-                <a:rPr lang="en-US" dirty="0" err="1" smtClean="0"/>
-                <a:t>FieldDataCollection</a:t>
-              </a:r>
-              <a:endParaRPr lang="en-US" dirty="0"/>
-            </a:p>
-          </p:txBody>
-        </p:sp>
-        <p:cxnSp>
-          <p:nvCxnSpPr>
-            <p:cNvPr id="71" name="Straight Connector 70"/>
-            <p:cNvCxnSpPr>
-              <a:stCxn id="5" idx="5"/>
-              <a:endCxn id="69" idx="0"/>
-            </p:cNvCxnSpPr>
-            <p:nvPr/>
-          </p:nvCxnSpPr>
-          <p:spPr>
-            <a:xfrm>
-              <a:off x="10148379" y="1533116"/>
-              <a:ext cx="553689" cy="651110"/>
-            </a:xfrm>
-            <a:prstGeom prst="line">
-              <a:avLst/>
-            </a:prstGeom>
-          </p:spPr>
-          <p:style>
-            <a:lnRef idx="1">
-              <a:schemeClr val="accent1"/>
-            </a:lnRef>
-            <a:fillRef idx="0">
-              <a:schemeClr val="accent1"/>
-            </a:fillRef>
-            <a:effectRef idx="0">
-              <a:schemeClr val="accent1"/>
-            </a:effectRef>
-            <a:fontRef idx="minor">
-              <a:schemeClr val="tx1"/>
-            </a:fontRef>
-          </p:style>
-        </p:cxnSp>
-      </p:grpSp>
-    </p:spTree>
-    <p:extLst>
-      <p:ext uri="{BB962C8B-B14F-4D97-AF65-F5344CB8AC3E}">
-        <p14:creationId xmlns:p14="http://schemas.microsoft.com/office/powerpoint/2010/main" val="3257165125"/>
       </p:ext>
     </p:extLst>
   </p:cSld>
@@ -5252,14 +5284,1808 @@
       </p:grpSpPr>
       <p:sp>
         <p:nvSpPr>
-          <p:cNvPr id="4" name="Oval 3"/>
+          <p:cNvPr id="18" name="TextBox 17"/>
+          <p:cNvSpPr txBox="1"/>
+          <p:nvPr/>
+        </p:nvSpPr>
+        <p:spPr>
+          <a:xfrm>
+            <a:off x="0" y="4480132"/>
+            <a:ext cx="12192000" cy="2308324"/>
+          </a:xfrm>
+          <a:prstGeom prst="rect">
+            <a:avLst/>
+          </a:prstGeom>
+          <a:noFill/>
+        </p:spPr>
+        <p:txBody>
+          <a:bodyPr wrap="square" rtlCol="0">
+            <a:spAutoFit/>
+          </a:bodyPr>
+          <a:lstStyle/>
+          <a:p>
+            <a:r>
+              <a:rPr lang="en-US" dirty="0" err="1"/>
+              <a:t>Կան</a:t>
+            </a:r>
+            <a:r>
+              <a:rPr lang="en-US" dirty="0"/>
+              <a:t> </a:t>
+            </a:r>
+            <a:r>
+              <a:rPr lang="en-US" dirty="0" err="1"/>
+              <a:t>մի</a:t>
+            </a:r>
+            <a:r>
+              <a:rPr lang="en-US" dirty="0"/>
+              <a:t> </a:t>
+            </a:r>
+            <a:r>
+              <a:rPr lang="en-US" dirty="0" err="1"/>
+              <a:t>քանի</a:t>
+            </a:r>
+            <a:r>
+              <a:rPr lang="en-US" dirty="0"/>
+              <a:t> Analysis module –</a:t>
+            </a:r>
+            <a:r>
+              <a:rPr lang="en-US" dirty="0" err="1"/>
+              <a:t>ներ</a:t>
+            </a:r>
+            <a:r>
+              <a:rPr lang="en-US" dirty="0"/>
+              <a:t>, </a:t>
+            </a:r>
+            <a:r>
+              <a:rPr lang="en-US" dirty="0" err="1"/>
+              <a:t>որոնցից</a:t>
+            </a:r>
+            <a:r>
+              <a:rPr lang="en-US" dirty="0"/>
+              <a:t> </a:t>
+            </a:r>
+            <a:r>
+              <a:rPr lang="en-US" dirty="0" err="1"/>
+              <a:t>յուրաքանչյուրը</a:t>
+            </a:r>
+            <a:r>
+              <a:rPr lang="en-US" dirty="0"/>
+              <a:t>  </a:t>
+            </a:r>
+            <a:r>
+              <a:rPr lang="en-US" dirty="0" err="1"/>
+              <a:t>մուտքին</a:t>
+            </a:r>
+            <a:r>
+              <a:rPr lang="en-US" dirty="0"/>
+              <a:t> </a:t>
+            </a:r>
+            <a:r>
+              <a:rPr lang="en-US" dirty="0" err="1"/>
+              <a:t>ստանում</a:t>
+            </a:r>
+            <a:r>
+              <a:rPr lang="en-US" dirty="0"/>
+              <a:t> է </a:t>
+            </a:r>
+            <a:r>
+              <a:rPr lang="en-US" dirty="0" err="1"/>
+              <a:t>DataProvider</a:t>
+            </a:r>
+            <a:r>
+              <a:rPr lang="en-US" dirty="0"/>
+              <a:t> և Configuration: </a:t>
+            </a:r>
+            <a:r>
+              <a:rPr lang="en-US" dirty="0" err="1" smtClean="0"/>
+              <a:t>Յուրաքանչյու</a:t>
+            </a:r>
+            <a:r>
+              <a:rPr lang="hy-AM" dirty="0" smtClean="0"/>
+              <a:t>ր</a:t>
+            </a:r>
+            <a:r>
+              <a:rPr lang="en-US" dirty="0" smtClean="0"/>
+              <a:t> </a:t>
+            </a:r>
+            <a:r>
+              <a:rPr lang="en-US" dirty="0"/>
+              <a:t>Analysis module  </a:t>
+            </a:r>
+            <a:r>
+              <a:rPr lang="en-US" dirty="0" err="1"/>
+              <a:t>տրամադրում</a:t>
+            </a:r>
+            <a:r>
+              <a:rPr lang="en-US" dirty="0"/>
+              <a:t> է Run() </a:t>
+            </a:r>
+            <a:r>
+              <a:rPr lang="en-US" dirty="0" err="1"/>
+              <a:t>ֆունկցիա</a:t>
+            </a:r>
+            <a:r>
+              <a:rPr lang="en-US" dirty="0"/>
+              <a:t>, </a:t>
+            </a:r>
+            <a:r>
+              <a:rPr lang="en-US" dirty="0" err="1"/>
+              <a:t>որը</a:t>
+            </a:r>
+            <a:r>
+              <a:rPr lang="en-US" dirty="0"/>
+              <a:t> </a:t>
+            </a:r>
+            <a:r>
+              <a:rPr lang="en-US" dirty="0" err="1"/>
+              <a:t>կանչելիս</a:t>
+            </a:r>
+            <a:r>
+              <a:rPr lang="en-US" dirty="0"/>
+              <a:t> </a:t>
+            </a:r>
+            <a:r>
+              <a:rPr lang="en-US" dirty="0" err="1"/>
+              <a:t>համապատասխան</a:t>
+            </a:r>
+            <a:r>
+              <a:rPr lang="en-US" dirty="0"/>
+              <a:t> </a:t>
+            </a:r>
+            <a:r>
+              <a:rPr lang="en-US" dirty="0" err="1"/>
+              <a:t>անալիզը</a:t>
+            </a:r>
+            <a:r>
+              <a:rPr lang="en-US" dirty="0"/>
+              <a:t> </a:t>
+            </a:r>
+            <a:r>
+              <a:rPr lang="en-US" dirty="0" err="1" smtClean="0"/>
+              <a:t>կսկսի</a:t>
+            </a:r>
+            <a:r>
+              <a:rPr lang="en-US" dirty="0" smtClean="0"/>
+              <a:t> </a:t>
+            </a:r>
+            <a:r>
+              <a:rPr lang="en-US" dirty="0" err="1"/>
+              <a:t>աշխատել</a:t>
+            </a:r>
+            <a:r>
+              <a:rPr lang="en-US" dirty="0"/>
+              <a:t>, </a:t>
+            </a:r>
+            <a:r>
+              <a:rPr lang="hy-AM" dirty="0" smtClean="0"/>
+              <a:t>որոշակի </a:t>
+            </a:r>
+            <a:r>
+              <a:rPr lang="en-US" dirty="0" err="1" smtClean="0"/>
+              <a:t>գործողություններ</a:t>
+            </a:r>
+            <a:r>
+              <a:rPr lang="en-US" dirty="0" smtClean="0"/>
+              <a:t> </a:t>
+            </a:r>
+            <a:r>
+              <a:rPr lang="en-US" dirty="0" err="1"/>
+              <a:t>կատարելով</a:t>
+            </a:r>
+            <a:r>
+              <a:rPr lang="en-US" dirty="0"/>
+              <a:t>:</a:t>
+            </a:r>
+          </a:p>
+          <a:p>
+            <a:r>
+              <a:rPr lang="en-US" dirty="0"/>
+              <a:t>Run </a:t>
+            </a:r>
+            <a:r>
+              <a:rPr lang="en-US" dirty="0" err="1"/>
+              <a:t>ֆունկցիան</a:t>
+            </a:r>
+            <a:r>
+              <a:rPr lang="en-US" dirty="0"/>
+              <a:t> </a:t>
+            </a:r>
+            <a:r>
+              <a:rPr lang="en-US" dirty="0" err="1"/>
+              <a:t>կանչում</a:t>
+            </a:r>
+            <a:r>
+              <a:rPr lang="en-US" dirty="0"/>
+              <a:t> է </a:t>
+            </a:r>
+            <a:r>
+              <a:rPr lang="en-US" dirty="0" err="1" smtClean="0"/>
+              <a:t>GetData</a:t>
+            </a:r>
+            <a:r>
+              <a:rPr lang="hy-AM" dirty="0" smtClean="0"/>
+              <a:t>՝</a:t>
+            </a:r>
+            <a:r>
+              <a:rPr lang="en-US" dirty="0" smtClean="0"/>
+              <a:t> </a:t>
+            </a:r>
+            <a:r>
+              <a:rPr lang="en-US" dirty="0" err="1" smtClean="0"/>
+              <a:t>դաշտերի</a:t>
+            </a:r>
+            <a:r>
+              <a:rPr lang="en-US" dirty="0" smtClean="0"/>
+              <a:t> </a:t>
+            </a:r>
+            <a:r>
+              <a:rPr lang="en-US" dirty="0" err="1"/>
+              <a:t>անուններ</a:t>
+            </a:r>
+            <a:r>
+              <a:rPr lang="en-US" dirty="0"/>
+              <a:t> </a:t>
+            </a:r>
+            <a:r>
+              <a:rPr lang="en-US" dirty="0" err="1"/>
+              <a:t>փոխանցելով</a:t>
+            </a:r>
+            <a:r>
+              <a:rPr lang="en-US" dirty="0"/>
+              <a:t>(</a:t>
+            </a:r>
+            <a:r>
+              <a:rPr lang="en-US" dirty="0" err="1"/>
+              <a:t>որը</a:t>
+            </a:r>
+            <a:r>
+              <a:rPr lang="en-US" dirty="0"/>
+              <a:t> </a:t>
+            </a:r>
+            <a:r>
+              <a:rPr lang="en-US" dirty="0" err="1"/>
+              <a:t>կախված</a:t>
+            </a:r>
+            <a:r>
+              <a:rPr lang="en-US" dirty="0"/>
+              <a:t> է </a:t>
+            </a:r>
+            <a:r>
+              <a:rPr lang="en-US" dirty="0" err="1"/>
+              <a:t>անալիզի</a:t>
+            </a:r>
+            <a:r>
+              <a:rPr lang="en-US" dirty="0"/>
+              <a:t> </a:t>
+            </a:r>
+            <a:r>
+              <a:rPr lang="en-US" dirty="0" err="1"/>
+              <a:t>տիպից</a:t>
+            </a:r>
+            <a:r>
+              <a:rPr lang="en-US" dirty="0"/>
+              <a:t>), </a:t>
+            </a:r>
+            <a:r>
+              <a:rPr lang="en-US" dirty="0" err="1" smtClean="0"/>
+              <a:t>GetData</a:t>
+            </a:r>
+            <a:r>
+              <a:rPr lang="hy-AM" dirty="0" smtClean="0"/>
+              <a:t>-ն վերադարձնում է </a:t>
+            </a:r>
+            <a:r>
+              <a:rPr lang="en-US" dirty="0" err="1" smtClean="0"/>
+              <a:t>FieldCollection</a:t>
+            </a:r>
+            <a:r>
+              <a:rPr lang="hy-AM" dirty="0" smtClean="0"/>
+              <a:t>։ Յուրաքանչյուր </a:t>
+            </a:r>
+            <a:r>
+              <a:rPr lang="en-US" dirty="0" smtClean="0"/>
+              <a:t>field</a:t>
+            </a:r>
+            <a:r>
+              <a:rPr lang="hy-AM" dirty="0" smtClean="0"/>
+              <a:t>-ի</a:t>
+            </a:r>
+            <a:r>
+              <a:rPr lang="en-US" dirty="0" smtClean="0"/>
+              <a:t> </a:t>
+            </a:r>
+            <a:r>
+              <a:rPr lang="hy-AM" dirty="0" smtClean="0"/>
+              <a:t>համար </a:t>
+            </a:r>
+            <a:r>
+              <a:rPr lang="en-US" dirty="0" err="1"/>
+              <a:t>FieldCollection</a:t>
+            </a:r>
+            <a:r>
+              <a:rPr lang="en-US" dirty="0"/>
+              <a:t> </a:t>
+            </a:r>
+            <a:r>
+              <a:rPr lang="hy-AM" dirty="0" smtClean="0"/>
+              <a:t>–ից կանչվում է </a:t>
+            </a:r>
+            <a:r>
+              <a:rPr lang="en-US" dirty="0" err="1" smtClean="0"/>
+              <a:t>GetFieldData</a:t>
+            </a:r>
+            <a:r>
+              <a:rPr lang="hy-AM" dirty="0"/>
+              <a:t> </a:t>
+            </a:r>
+            <a:r>
+              <a:rPr lang="hy-AM" dirty="0" smtClean="0"/>
+              <a:t>ֆունկցիան, որի արդյուքում ստացվում է</a:t>
+            </a:r>
+            <a:r>
+              <a:rPr lang="en-US" dirty="0" smtClean="0"/>
+              <a:t> </a:t>
+            </a:r>
+            <a:r>
+              <a:rPr lang="en-US" dirty="0" err="1"/>
+              <a:t>FiledData</a:t>
+            </a:r>
+            <a:r>
+              <a:rPr lang="en-US" dirty="0"/>
+              <a:t>. </a:t>
+            </a:r>
+            <a:r>
+              <a:rPr lang="hy-AM" dirty="0" smtClean="0"/>
+              <a:t>Պարզվում է </a:t>
+            </a:r>
+            <a:r>
+              <a:rPr lang="hy-AM" dirty="0" smtClean="0"/>
+              <a:t>վերադարձված </a:t>
+            </a:r>
+            <a:r>
+              <a:rPr lang="hy-AM" dirty="0" smtClean="0"/>
+              <a:t>արժեքների տիպը և ըստ այդ տիպի կանչվում է համապատասխան</a:t>
+            </a:r>
+            <a:r>
+              <a:rPr lang="en-US" dirty="0" smtClean="0"/>
+              <a:t> </a:t>
+            </a:r>
+            <a:r>
+              <a:rPr lang="en-US" dirty="0"/>
+              <a:t>Get </a:t>
+            </a:r>
+            <a:r>
+              <a:rPr lang="hy-AM" dirty="0" smtClean="0"/>
+              <a:t>ֆունկցիան</a:t>
+            </a:r>
+            <a:r>
+              <a:rPr lang="en-US" dirty="0" smtClean="0"/>
+              <a:t> (</a:t>
+            </a:r>
+            <a:r>
+              <a:rPr lang="hy-AM" dirty="0" smtClean="0"/>
+              <a:t>օրինակ</a:t>
+            </a:r>
+            <a:r>
+              <a:rPr lang="en-US" dirty="0" smtClean="0"/>
+              <a:t> </a:t>
+            </a:r>
+            <a:r>
+              <a:rPr lang="en-US" dirty="0" err="1" smtClean="0"/>
+              <a:t>GetIntData</a:t>
+            </a:r>
+            <a:r>
+              <a:rPr lang="en-US" dirty="0" smtClean="0"/>
+              <a:t>)</a:t>
+            </a:r>
+            <a:r>
+              <a:rPr lang="hy-AM" dirty="0"/>
+              <a:t> </a:t>
+            </a:r>
+            <a:r>
+              <a:rPr lang="hy-AM" dirty="0" smtClean="0"/>
+              <a:t>և ստացվում է </a:t>
+            </a:r>
+            <a:r>
+              <a:rPr lang="en-US" dirty="0" smtClean="0"/>
+              <a:t>Vector (</a:t>
+            </a:r>
+            <a:r>
+              <a:rPr lang="hy-AM" dirty="0" smtClean="0"/>
+              <a:t>օրնակ</a:t>
+            </a:r>
+            <a:r>
+              <a:rPr lang="en-US" dirty="0" smtClean="0"/>
+              <a:t> </a:t>
+            </a:r>
+            <a:r>
+              <a:rPr lang="en-US" dirty="0" err="1"/>
+              <a:t>IntVec</a:t>
+            </a:r>
+            <a:r>
+              <a:rPr lang="en-US" dirty="0" smtClean="0"/>
+              <a:t>)</a:t>
+            </a:r>
+            <a:r>
+              <a:rPr lang="hy-AM" dirty="0" smtClean="0"/>
+              <a:t>։ Ցիկլով անցնելով </a:t>
+            </a:r>
+            <a:r>
+              <a:rPr lang="en-US" dirty="0" smtClean="0"/>
+              <a:t>vector</a:t>
+            </a:r>
+            <a:r>
+              <a:rPr lang="hy-AM" dirty="0" smtClean="0"/>
+              <a:t>-ի վրայով</a:t>
+            </a:r>
+            <a:r>
+              <a:rPr lang="en-US" dirty="0" smtClean="0"/>
+              <a:t>  </a:t>
+            </a:r>
+            <a:r>
+              <a:rPr lang="en-US" dirty="0" err="1"/>
+              <a:t>GetAt</a:t>
+            </a:r>
+            <a:r>
+              <a:rPr lang="en-US" dirty="0"/>
+              <a:t> </a:t>
+            </a:r>
+            <a:r>
+              <a:rPr lang="hy-AM" dirty="0" smtClean="0"/>
+              <a:t> ֆունկցիան ըստ ինդեքսի կանչելով կստացվեն բոլոր արժեքները։</a:t>
+            </a:r>
+            <a:endParaRPr lang="en-US" dirty="0"/>
+          </a:p>
+        </p:txBody>
+      </p:sp>
+      <p:grpSp>
+        <p:nvGrpSpPr>
+          <p:cNvPr id="49" name="Group 48"/>
+          <p:cNvGrpSpPr/>
+          <p:nvPr/>
+        </p:nvGrpSpPr>
+        <p:grpSpPr>
+          <a:xfrm>
+            <a:off x="337128" y="606717"/>
+            <a:ext cx="11279267" cy="3609535"/>
+            <a:chOff x="471455" y="495181"/>
+            <a:chExt cx="11279267" cy="3609535"/>
+          </a:xfrm>
+        </p:grpSpPr>
+        <p:sp>
+          <p:nvSpPr>
+            <p:cNvPr id="5" name="Oval 4"/>
+            <p:cNvSpPr/>
+            <p:nvPr/>
+          </p:nvSpPr>
+          <p:spPr>
+            <a:xfrm rot="19930345">
+              <a:off x="471455" y="970415"/>
+              <a:ext cx="1803400" cy="939800"/>
+            </a:xfrm>
+            <a:prstGeom prst="ellipse">
+              <a:avLst/>
+            </a:prstGeom>
+          </p:spPr>
+          <p:style>
+            <a:lnRef idx="1">
+              <a:schemeClr val="accent1"/>
+            </a:lnRef>
+            <a:fillRef idx="2">
+              <a:schemeClr val="accent1"/>
+            </a:fillRef>
+            <a:effectRef idx="1">
+              <a:schemeClr val="accent1"/>
+            </a:effectRef>
+            <a:fontRef idx="minor">
+              <a:schemeClr val="dk1"/>
+            </a:fontRef>
+          </p:style>
+          <p:txBody>
+            <a:bodyPr rtlCol="0" anchor="ctr"/>
+            <a:lstStyle/>
+            <a:p>
+              <a:pPr algn="ctr"/>
+              <a:r>
+                <a:rPr lang="en-US" dirty="0"/>
+                <a:t>Data Provider</a:t>
+              </a:r>
+            </a:p>
+          </p:txBody>
+        </p:sp>
+        <p:sp>
+          <p:nvSpPr>
+            <p:cNvPr id="6" name="Oval 5"/>
+            <p:cNvSpPr/>
+            <p:nvPr/>
+          </p:nvSpPr>
+          <p:spPr>
+            <a:xfrm rot="153931">
+              <a:off x="624282" y="2933095"/>
+              <a:ext cx="2122464" cy="1171621"/>
+            </a:xfrm>
+            <a:prstGeom prst="ellipse">
+              <a:avLst/>
+            </a:prstGeom>
+          </p:spPr>
+          <p:style>
+            <a:lnRef idx="1">
+              <a:schemeClr val="accent1"/>
+            </a:lnRef>
+            <a:fillRef idx="2">
+              <a:schemeClr val="accent1"/>
+            </a:fillRef>
+            <a:effectRef idx="1">
+              <a:schemeClr val="accent1"/>
+            </a:effectRef>
+            <a:fontRef idx="minor">
+              <a:schemeClr val="dk1"/>
+            </a:fontRef>
+          </p:style>
+          <p:txBody>
+            <a:bodyPr rtlCol="0" anchor="ctr"/>
+            <a:lstStyle/>
+            <a:p>
+              <a:pPr algn="ctr"/>
+              <a:r>
+                <a:rPr lang="en-US" dirty="0"/>
+                <a:t>Configuration</a:t>
+              </a:r>
+            </a:p>
+            <a:p>
+              <a:pPr algn="ctr"/>
+              <a:endParaRPr lang="en-US" dirty="0"/>
+            </a:p>
+          </p:txBody>
+        </p:sp>
+        <p:sp>
+          <p:nvSpPr>
+            <p:cNvPr id="9" name="Right Arrow 8"/>
+            <p:cNvSpPr/>
+            <p:nvPr/>
+          </p:nvSpPr>
+          <p:spPr>
+            <a:xfrm rot="1075160">
+              <a:off x="2256340" y="1579762"/>
+              <a:ext cx="1654439" cy="394146"/>
+            </a:xfrm>
+            <a:prstGeom prst="rightArrow">
+              <a:avLst/>
+            </a:prstGeom>
+          </p:spPr>
+          <p:style>
+            <a:lnRef idx="1">
+              <a:schemeClr val="accent1"/>
+            </a:lnRef>
+            <a:fillRef idx="2">
+              <a:schemeClr val="accent1"/>
+            </a:fillRef>
+            <a:effectRef idx="1">
+              <a:schemeClr val="accent1"/>
+            </a:effectRef>
+            <a:fontRef idx="minor">
+              <a:schemeClr val="dk1"/>
+            </a:fontRef>
+          </p:style>
+          <p:txBody>
+            <a:bodyPr rtlCol="0" anchor="ctr"/>
+            <a:lstStyle/>
+            <a:p>
+              <a:pPr algn="ctr"/>
+              <a:endParaRPr lang="en-US"/>
+            </a:p>
+          </p:txBody>
+        </p:sp>
+        <p:sp>
+          <p:nvSpPr>
+            <p:cNvPr id="10" name="Right Arrow 9"/>
+            <p:cNvSpPr/>
+            <p:nvPr/>
+          </p:nvSpPr>
+          <p:spPr>
+            <a:xfrm rot="19632518">
+              <a:off x="2728820" y="2845452"/>
+              <a:ext cx="1349932" cy="393541"/>
+            </a:xfrm>
+            <a:prstGeom prst="rightArrow">
+              <a:avLst/>
+            </a:prstGeom>
+          </p:spPr>
+          <p:style>
+            <a:lnRef idx="1">
+              <a:schemeClr val="accent1"/>
+            </a:lnRef>
+            <a:fillRef idx="2">
+              <a:schemeClr val="accent1"/>
+            </a:fillRef>
+            <a:effectRef idx="1">
+              <a:schemeClr val="accent1"/>
+            </a:effectRef>
+            <a:fontRef idx="minor">
+              <a:schemeClr val="dk1"/>
+            </a:fontRef>
+          </p:style>
+          <p:txBody>
+            <a:bodyPr rtlCol="0" anchor="ctr"/>
+            <a:lstStyle/>
+            <a:p>
+              <a:pPr algn="ctr"/>
+              <a:endParaRPr lang="en-US"/>
+            </a:p>
+          </p:txBody>
+        </p:sp>
+        <p:sp>
+          <p:nvSpPr>
+            <p:cNvPr id="11" name="Rectangle 10"/>
+            <p:cNvSpPr/>
+            <p:nvPr/>
+          </p:nvSpPr>
+          <p:spPr>
+            <a:xfrm>
+              <a:off x="7424382" y="495181"/>
+              <a:ext cx="4326340" cy="2243126"/>
+            </a:xfrm>
+            <a:prstGeom prst="rect">
+              <a:avLst/>
+            </a:prstGeom>
+          </p:spPr>
+          <p:style>
+            <a:lnRef idx="1">
+              <a:schemeClr val="accent1"/>
+            </a:lnRef>
+            <a:fillRef idx="2">
+              <a:schemeClr val="accent1"/>
+            </a:fillRef>
+            <a:effectRef idx="1">
+              <a:schemeClr val="accent1"/>
+            </a:effectRef>
+            <a:fontRef idx="minor">
+              <a:schemeClr val="dk1"/>
+            </a:fontRef>
+          </p:style>
+          <p:txBody>
+            <a:bodyPr rtlCol="0" anchor="ctr"/>
+            <a:lstStyle/>
+            <a:p>
+              <a:r>
+                <a:rPr lang="en-US" dirty="0"/>
+                <a:t>  Run()</a:t>
+              </a:r>
+            </a:p>
+            <a:p>
+              <a:endParaRPr lang="en-US" dirty="0"/>
+            </a:p>
+            <a:p>
+              <a:r>
+                <a:rPr lang="en-US" dirty="0"/>
+                <a:t>       </a:t>
+              </a:r>
+              <a:r>
+                <a:rPr lang="en-US" dirty="0" err="1"/>
+                <a:t>GetData</a:t>
+              </a:r>
+              <a:r>
+                <a:rPr lang="en-US" dirty="0"/>
+                <a:t>(</a:t>
+              </a:r>
+              <a:r>
+                <a:rPr lang="en-US" dirty="0" err="1"/>
+                <a:t>FieldList</a:t>
+              </a:r>
+              <a:r>
+                <a:rPr lang="en-US" dirty="0"/>
+                <a:t>(Wafer, Bin,  </a:t>
+              </a:r>
+              <a:r>
+                <a:rPr lang="en-US" dirty="0" err="1"/>
+                <a:t>BinType</a:t>
+              </a:r>
+              <a:r>
+                <a:rPr lang="en-US" dirty="0"/>
+                <a:t> ))</a:t>
+              </a:r>
+            </a:p>
+            <a:p>
+              <a:r>
+                <a:rPr lang="en-US" dirty="0"/>
+                <a:t>       </a:t>
+              </a:r>
+              <a:r>
+                <a:rPr lang="en-US" dirty="0" err="1"/>
+                <a:t>FieldCollection</a:t>
+              </a:r>
+              <a:r>
+                <a:rPr lang="en-US" dirty="0"/>
+                <a:t>-&gt;</a:t>
+              </a:r>
+              <a:r>
+                <a:rPr lang="en-US" dirty="0" err="1"/>
+                <a:t>GetFieldData</a:t>
+              </a:r>
+              <a:r>
+                <a:rPr lang="en-US" dirty="0"/>
+                <a:t>(Bin)</a:t>
+              </a:r>
+            </a:p>
+            <a:p>
+              <a:r>
+                <a:rPr lang="en-US" dirty="0"/>
+                <a:t>       </a:t>
+              </a:r>
+              <a:r>
+                <a:rPr lang="en-US" dirty="0" err="1"/>
+                <a:t>FieldData</a:t>
+              </a:r>
+              <a:r>
+                <a:rPr lang="en-US" dirty="0"/>
+                <a:t>-&gt;</a:t>
+              </a:r>
+              <a:r>
+                <a:rPr lang="en-US" dirty="0" err="1"/>
+                <a:t>GetIntData</a:t>
+              </a:r>
+              <a:r>
+                <a:rPr lang="en-US" dirty="0"/>
+                <a:t>()</a:t>
+              </a:r>
+            </a:p>
+            <a:p>
+              <a:r>
+                <a:rPr lang="en-US" dirty="0"/>
+                <a:t>       </a:t>
+              </a:r>
+              <a:r>
+                <a:rPr lang="en-US" dirty="0" err="1"/>
+                <a:t>IntVec</a:t>
+              </a:r>
+              <a:r>
+                <a:rPr lang="en-US" dirty="0"/>
+                <a:t>-&gt;</a:t>
+              </a:r>
+              <a:r>
+                <a:rPr lang="en-US" dirty="0" err="1"/>
+                <a:t>GetAt</a:t>
+              </a:r>
+              <a:r>
+                <a:rPr lang="en-US" dirty="0"/>
+                <a:t>(index)</a:t>
+              </a:r>
+            </a:p>
+          </p:txBody>
+        </p:sp>
+        <p:grpSp>
+          <p:nvGrpSpPr>
+            <p:cNvPr id="47" name="Group 46"/>
+            <p:cNvGrpSpPr/>
+            <p:nvPr/>
+          </p:nvGrpSpPr>
+          <p:grpSpPr>
+            <a:xfrm>
+              <a:off x="4026353" y="989496"/>
+              <a:ext cx="3286836" cy="2494562"/>
+              <a:chOff x="4026353" y="989496"/>
+              <a:chExt cx="3286836" cy="2494562"/>
+            </a:xfrm>
+          </p:grpSpPr>
+          <p:sp>
+            <p:nvSpPr>
+              <p:cNvPr id="4" name="Oval 3"/>
+              <p:cNvSpPr/>
+              <p:nvPr/>
+            </p:nvSpPr>
+            <p:spPr>
+              <a:xfrm>
+                <a:off x="4026353" y="989496"/>
+                <a:ext cx="2524836" cy="1146412"/>
+              </a:xfrm>
+              <a:prstGeom prst="ellipse">
+                <a:avLst/>
+              </a:prstGeom>
+            </p:spPr>
+            <p:style>
+              <a:lnRef idx="1">
+                <a:schemeClr val="accent1"/>
+              </a:lnRef>
+              <a:fillRef idx="2">
+                <a:schemeClr val="accent1"/>
+              </a:fillRef>
+              <a:effectRef idx="1">
+                <a:schemeClr val="accent1"/>
+              </a:effectRef>
+              <a:fontRef idx="minor">
+                <a:schemeClr val="dk1"/>
+              </a:fontRef>
+            </p:style>
+            <p:txBody>
+              <a:bodyPr rtlCol="0" anchor="ctr"/>
+              <a:lstStyle/>
+              <a:p>
+                <a:pPr algn="ctr"/>
+                <a:r>
+                  <a:rPr lang="en-US" dirty="0"/>
+                  <a:t>Analysis Module</a:t>
+                </a:r>
+              </a:p>
+            </p:txBody>
+          </p:sp>
+          <p:sp>
+            <p:nvSpPr>
+              <p:cNvPr id="24" name="Oval 23"/>
+              <p:cNvSpPr/>
+              <p:nvPr/>
+            </p:nvSpPr>
+            <p:spPr>
+              <a:xfrm>
+                <a:off x="4178753" y="1259126"/>
+                <a:ext cx="2524836" cy="1146412"/>
+              </a:xfrm>
+              <a:prstGeom prst="ellipse">
+                <a:avLst/>
+              </a:prstGeom>
+            </p:spPr>
+            <p:style>
+              <a:lnRef idx="1">
+                <a:schemeClr val="accent1"/>
+              </a:lnRef>
+              <a:fillRef idx="2">
+                <a:schemeClr val="accent1"/>
+              </a:fillRef>
+              <a:effectRef idx="1">
+                <a:schemeClr val="accent1"/>
+              </a:effectRef>
+              <a:fontRef idx="minor">
+                <a:schemeClr val="dk1"/>
+              </a:fontRef>
+            </p:style>
+            <p:txBody>
+              <a:bodyPr rtlCol="0" anchor="ctr"/>
+              <a:lstStyle/>
+              <a:p>
+                <a:pPr algn="ctr"/>
+                <a:r>
+                  <a:rPr lang="en-US" dirty="0"/>
+                  <a:t>Analysis Module</a:t>
+                </a:r>
+              </a:p>
+            </p:txBody>
+          </p:sp>
+          <p:sp>
+            <p:nvSpPr>
+              <p:cNvPr id="25" name="Oval 24"/>
+              <p:cNvSpPr/>
+              <p:nvPr/>
+            </p:nvSpPr>
+            <p:spPr>
+              <a:xfrm>
+                <a:off x="4331153" y="1528756"/>
+                <a:ext cx="2524836" cy="1146412"/>
+              </a:xfrm>
+              <a:prstGeom prst="ellipse">
+                <a:avLst/>
+              </a:prstGeom>
+            </p:spPr>
+            <p:style>
+              <a:lnRef idx="1">
+                <a:schemeClr val="accent1"/>
+              </a:lnRef>
+              <a:fillRef idx="2">
+                <a:schemeClr val="accent1"/>
+              </a:fillRef>
+              <a:effectRef idx="1">
+                <a:schemeClr val="accent1"/>
+              </a:effectRef>
+              <a:fontRef idx="minor">
+                <a:schemeClr val="dk1"/>
+              </a:fontRef>
+            </p:style>
+            <p:txBody>
+              <a:bodyPr rtlCol="0" anchor="ctr"/>
+              <a:lstStyle/>
+              <a:p>
+                <a:pPr algn="ctr"/>
+                <a:r>
+                  <a:rPr lang="en-US" dirty="0"/>
+                  <a:t>Analysis Module</a:t>
+                </a:r>
+              </a:p>
+            </p:txBody>
+          </p:sp>
+          <p:sp>
+            <p:nvSpPr>
+              <p:cNvPr id="26" name="Oval 25"/>
+              <p:cNvSpPr/>
+              <p:nvPr/>
+            </p:nvSpPr>
+            <p:spPr>
+              <a:xfrm>
+                <a:off x="4483553" y="1798386"/>
+                <a:ext cx="2524836" cy="1146412"/>
+              </a:xfrm>
+              <a:prstGeom prst="ellipse">
+                <a:avLst/>
+              </a:prstGeom>
+            </p:spPr>
+            <p:style>
+              <a:lnRef idx="1">
+                <a:schemeClr val="accent1"/>
+              </a:lnRef>
+              <a:fillRef idx="2">
+                <a:schemeClr val="accent1"/>
+              </a:fillRef>
+              <a:effectRef idx="1">
+                <a:schemeClr val="accent1"/>
+              </a:effectRef>
+              <a:fontRef idx="minor">
+                <a:schemeClr val="dk1"/>
+              </a:fontRef>
+            </p:style>
+            <p:txBody>
+              <a:bodyPr rtlCol="0" anchor="ctr"/>
+              <a:lstStyle/>
+              <a:p>
+                <a:pPr algn="ctr"/>
+                <a:r>
+                  <a:rPr lang="en-US" dirty="0"/>
+                  <a:t>Analysis Module</a:t>
+                </a:r>
+              </a:p>
+            </p:txBody>
+          </p:sp>
+          <p:sp>
+            <p:nvSpPr>
+              <p:cNvPr id="27" name="Oval 26"/>
+              <p:cNvSpPr/>
+              <p:nvPr/>
+            </p:nvSpPr>
+            <p:spPr>
+              <a:xfrm>
+                <a:off x="4635953" y="2068016"/>
+                <a:ext cx="2524836" cy="1146412"/>
+              </a:xfrm>
+              <a:prstGeom prst="ellipse">
+                <a:avLst/>
+              </a:prstGeom>
+            </p:spPr>
+            <p:style>
+              <a:lnRef idx="1">
+                <a:schemeClr val="accent1"/>
+              </a:lnRef>
+              <a:fillRef idx="2">
+                <a:schemeClr val="accent1"/>
+              </a:fillRef>
+              <a:effectRef idx="1">
+                <a:schemeClr val="accent1"/>
+              </a:effectRef>
+              <a:fontRef idx="minor">
+                <a:schemeClr val="dk1"/>
+              </a:fontRef>
+            </p:style>
+            <p:txBody>
+              <a:bodyPr rtlCol="0" anchor="ctr"/>
+              <a:lstStyle/>
+              <a:p>
+                <a:pPr algn="ctr"/>
+                <a:r>
+                  <a:rPr lang="en-US" dirty="0"/>
+                  <a:t>Analysis Module</a:t>
+                </a:r>
+              </a:p>
+            </p:txBody>
+          </p:sp>
+          <p:sp>
+            <p:nvSpPr>
+              <p:cNvPr id="28" name="Oval 27"/>
+              <p:cNvSpPr/>
+              <p:nvPr/>
+            </p:nvSpPr>
+            <p:spPr>
+              <a:xfrm>
+                <a:off x="4788353" y="2337646"/>
+                <a:ext cx="2524836" cy="1146412"/>
+              </a:xfrm>
+              <a:prstGeom prst="ellipse">
+                <a:avLst/>
+              </a:prstGeom>
+            </p:spPr>
+            <p:style>
+              <a:lnRef idx="1">
+                <a:schemeClr val="accent1"/>
+              </a:lnRef>
+              <a:fillRef idx="2">
+                <a:schemeClr val="accent1"/>
+              </a:fillRef>
+              <a:effectRef idx="1">
+                <a:schemeClr val="accent1"/>
+              </a:effectRef>
+              <a:fontRef idx="minor">
+                <a:schemeClr val="dk1"/>
+              </a:fontRef>
+            </p:style>
+            <p:txBody>
+              <a:bodyPr rtlCol="0" anchor="ctr"/>
+              <a:lstStyle/>
+              <a:p>
+                <a:pPr algn="ctr"/>
+                <a:r>
+                  <a:rPr lang="en-US" dirty="0"/>
+                  <a:t>Analysis Module</a:t>
+                </a:r>
+              </a:p>
+            </p:txBody>
+          </p:sp>
+        </p:grpSp>
+        <p:grpSp>
+          <p:nvGrpSpPr>
+            <p:cNvPr id="48" name="Group 47"/>
+            <p:cNvGrpSpPr/>
+            <p:nvPr/>
+          </p:nvGrpSpPr>
+          <p:grpSpPr>
+            <a:xfrm>
+              <a:off x="6447692" y="983118"/>
+              <a:ext cx="976691" cy="1755189"/>
+              <a:chOff x="6447692" y="983118"/>
+              <a:chExt cx="976691" cy="1755189"/>
+            </a:xfrm>
+          </p:grpSpPr>
+          <p:cxnSp>
+            <p:nvCxnSpPr>
+              <p:cNvPr id="7" name="Straight Arrow Connector 6"/>
+              <p:cNvCxnSpPr/>
+              <p:nvPr/>
+            </p:nvCxnSpPr>
+            <p:spPr>
+              <a:xfrm flipH="1">
+                <a:off x="6447692" y="983118"/>
+                <a:ext cx="976690" cy="313074"/>
+              </a:xfrm>
+              <a:prstGeom prst="straightConnector1">
+                <a:avLst/>
+              </a:prstGeom>
+              <a:ln>
+                <a:tailEnd type="arrow"/>
+              </a:ln>
+            </p:spPr>
+            <p:style>
+              <a:lnRef idx="1">
+                <a:schemeClr val="accent1"/>
+              </a:lnRef>
+              <a:fillRef idx="0">
+                <a:schemeClr val="accent1"/>
+              </a:fillRef>
+              <a:effectRef idx="0">
+                <a:schemeClr val="accent1"/>
+              </a:effectRef>
+              <a:fontRef idx="minor">
+                <a:schemeClr val="tx1"/>
+              </a:fontRef>
+            </p:style>
+          </p:cxnSp>
+          <p:cxnSp>
+            <p:nvCxnSpPr>
+              <p:cNvPr id="29" name="Straight Arrow Connector 28"/>
+              <p:cNvCxnSpPr/>
+              <p:nvPr/>
+            </p:nvCxnSpPr>
+            <p:spPr>
+              <a:xfrm flipH="1">
+                <a:off x="6680144" y="989496"/>
+                <a:ext cx="744238" cy="627248"/>
+              </a:xfrm>
+              <a:prstGeom prst="straightConnector1">
+                <a:avLst/>
+              </a:prstGeom>
+              <a:ln>
+                <a:tailEnd type="arrow"/>
+              </a:ln>
+            </p:spPr>
+            <p:style>
+              <a:lnRef idx="1">
+                <a:schemeClr val="accent1"/>
+              </a:lnRef>
+              <a:fillRef idx="0">
+                <a:schemeClr val="accent1"/>
+              </a:fillRef>
+              <a:effectRef idx="0">
+                <a:schemeClr val="accent1"/>
+              </a:effectRef>
+              <a:fontRef idx="minor">
+                <a:schemeClr val="tx1"/>
+              </a:fontRef>
+            </p:style>
+          </p:cxnSp>
+          <p:cxnSp>
+            <p:nvCxnSpPr>
+              <p:cNvPr id="31" name="Straight Arrow Connector 30"/>
+              <p:cNvCxnSpPr/>
+              <p:nvPr/>
+            </p:nvCxnSpPr>
+            <p:spPr>
+              <a:xfrm flipH="1">
+                <a:off x="6855992" y="989496"/>
+                <a:ext cx="568390" cy="933089"/>
+              </a:xfrm>
+              <a:prstGeom prst="straightConnector1">
+                <a:avLst/>
+              </a:prstGeom>
+              <a:ln>
+                <a:tailEnd type="arrow"/>
+              </a:ln>
+            </p:spPr>
+            <p:style>
+              <a:lnRef idx="1">
+                <a:schemeClr val="accent1"/>
+              </a:lnRef>
+              <a:fillRef idx="0">
+                <a:schemeClr val="accent1"/>
+              </a:fillRef>
+              <a:effectRef idx="0">
+                <a:schemeClr val="accent1"/>
+              </a:effectRef>
+              <a:fontRef idx="minor">
+                <a:schemeClr val="tx1"/>
+              </a:fontRef>
+            </p:style>
+          </p:cxnSp>
+          <p:cxnSp>
+            <p:nvCxnSpPr>
+              <p:cNvPr id="35" name="Straight Arrow Connector 34"/>
+              <p:cNvCxnSpPr/>
+              <p:nvPr/>
+            </p:nvCxnSpPr>
+            <p:spPr>
+              <a:xfrm flipH="1">
+                <a:off x="7008390" y="989496"/>
+                <a:ext cx="415992" cy="1249612"/>
+              </a:xfrm>
+              <a:prstGeom prst="straightConnector1">
+                <a:avLst/>
+              </a:prstGeom>
+              <a:ln>
+                <a:tailEnd type="arrow"/>
+              </a:ln>
+            </p:spPr>
+            <p:style>
+              <a:lnRef idx="1">
+                <a:schemeClr val="accent1"/>
+              </a:lnRef>
+              <a:fillRef idx="0">
+                <a:schemeClr val="accent1"/>
+              </a:fillRef>
+              <a:effectRef idx="0">
+                <a:schemeClr val="accent1"/>
+              </a:effectRef>
+              <a:fontRef idx="minor">
+                <a:schemeClr val="tx1"/>
+              </a:fontRef>
+            </p:style>
+          </p:cxnSp>
+          <p:cxnSp>
+            <p:nvCxnSpPr>
+              <p:cNvPr id="38" name="Straight Arrow Connector 37"/>
+              <p:cNvCxnSpPr/>
+              <p:nvPr/>
+            </p:nvCxnSpPr>
+            <p:spPr>
+              <a:xfrm flipH="1">
+                <a:off x="7160792" y="989496"/>
+                <a:ext cx="263590" cy="1507519"/>
+              </a:xfrm>
+              <a:prstGeom prst="straightConnector1">
+                <a:avLst/>
+              </a:prstGeom>
+              <a:ln>
+                <a:tailEnd type="arrow"/>
+              </a:ln>
+            </p:spPr>
+            <p:style>
+              <a:lnRef idx="1">
+                <a:schemeClr val="accent1"/>
+              </a:lnRef>
+              <a:fillRef idx="0">
+                <a:schemeClr val="accent1"/>
+              </a:fillRef>
+              <a:effectRef idx="0">
+                <a:schemeClr val="accent1"/>
+              </a:effectRef>
+              <a:fontRef idx="minor">
+                <a:schemeClr val="tx1"/>
+              </a:fontRef>
+            </p:style>
+          </p:cxnSp>
+          <p:cxnSp>
+            <p:nvCxnSpPr>
+              <p:cNvPr id="42" name="Straight Arrow Connector 41"/>
+              <p:cNvCxnSpPr/>
+              <p:nvPr/>
+            </p:nvCxnSpPr>
+            <p:spPr>
+              <a:xfrm flipH="1">
+                <a:off x="7313189" y="989496"/>
+                <a:ext cx="111194" cy="1748811"/>
+              </a:xfrm>
+              <a:prstGeom prst="straightConnector1">
+                <a:avLst/>
+              </a:prstGeom>
+              <a:ln>
+                <a:tailEnd type="arrow"/>
+              </a:ln>
+            </p:spPr>
+            <p:style>
+              <a:lnRef idx="1">
+                <a:schemeClr val="accent1"/>
+              </a:lnRef>
+              <a:fillRef idx="0">
+                <a:schemeClr val="accent1"/>
+              </a:fillRef>
+              <a:effectRef idx="0">
+                <a:schemeClr val="accent1"/>
+              </a:effectRef>
+              <a:fontRef idx="minor">
+                <a:schemeClr val="tx1"/>
+              </a:fontRef>
+            </p:style>
+          </p:cxnSp>
+        </p:grpSp>
+      </p:grpSp>
+      <p:sp>
+        <p:nvSpPr>
+          <p:cNvPr id="51" name="Rectangle 50"/>
           <p:cNvSpPr/>
           <p:nvPr/>
         </p:nvSpPr>
         <p:spPr>
           <a:xfrm>
-            <a:off x="4026353" y="989496"/>
-            <a:ext cx="2524836" cy="1146412"/>
+            <a:off x="175846" y="93784"/>
+            <a:ext cx="11769969" cy="4304795"/>
+          </a:xfrm>
+          <a:prstGeom prst="rect">
+            <a:avLst/>
+          </a:prstGeom>
+          <a:noFill/>
+          <a:ln w="38100"/>
+        </p:spPr>
+        <p:style>
+          <a:lnRef idx="1">
+            <a:schemeClr val="accent1"/>
+          </a:lnRef>
+          <a:fillRef idx="2">
+            <a:schemeClr val="accent1"/>
+          </a:fillRef>
+          <a:effectRef idx="1">
+            <a:schemeClr val="accent1"/>
+          </a:effectRef>
+          <a:fontRef idx="minor">
+            <a:schemeClr val="dk1"/>
+          </a:fontRef>
+        </p:style>
+        <p:txBody>
+          <a:bodyPr rtlCol="0" anchor="t"/>
+          <a:lstStyle/>
+          <a:p>
+            <a:r>
+              <a:rPr lang="en-US" dirty="0"/>
+              <a:t>Analysis Manager</a:t>
+            </a:r>
+          </a:p>
+          <a:p>
+            <a:endParaRPr lang="en-US" dirty="0"/>
+          </a:p>
+        </p:txBody>
+      </p:sp>
+    </p:spTree>
+    <p:extLst>
+      <p:ext uri="{BB962C8B-B14F-4D97-AF65-F5344CB8AC3E}">
+        <p14:creationId xmlns:p14="http://schemas.microsoft.com/office/powerpoint/2010/main" val="3836321640"/>
+      </p:ext>
+    </p:extLst>
+  </p:cSld>
+  <p:clrMapOvr>
+    <a:masterClrMapping/>
+  </p:clrMapOvr>
+  <p:timing>
+    <p:tnLst>
+      <p:par>
+        <p:cTn id="1" dur="indefinite" restart="never" nodeType="tmRoot"/>
+      </p:par>
+    </p:tnLst>
+  </p:timing>
+</p:sld>
+</file>
+
+<file path=ppt/slides/slide7.xml><?xml version="1.0" encoding="utf-8"?>
+<p:sld xmlns:a="http://schemas.openxmlformats.org/drawingml/2006/main" xmlns:r="http://schemas.openxmlformats.org/officeDocument/2006/relationships" xmlns:p="http://schemas.openxmlformats.org/presentationml/2006/main">
+  <p:cSld>
+    <p:spTree>
+      <p:nvGrpSpPr>
+        <p:cNvPr id="1" name=""/>
+        <p:cNvGrpSpPr/>
+        <p:nvPr/>
+      </p:nvGrpSpPr>
+      <p:grpSpPr>
+        <a:xfrm>
+          <a:off x="0" y="0"/>
+          <a:ext cx="0" cy="0"/>
+          <a:chOff x="0" y="0"/>
+          <a:chExt cx="0" cy="0"/>
+        </a:xfrm>
+      </p:grpSpPr>
+      <p:sp>
+        <p:nvSpPr>
+          <p:cNvPr id="28" name="TextBox 27"/>
+          <p:cNvSpPr txBox="1"/>
+          <p:nvPr/>
+        </p:nvSpPr>
+        <p:spPr>
+          <a:xfrm>
+            <a:off x="128954" y="5251150"/>
+            <a:ext cx="11887199" cy="923330"/>
+          </a:xfrm>
+          <a:prstGeom prst="rect">
+            <a:avLst/>
+          </a:prstGeom>
+          <a:noFill/>
+        </p:spPr>
+        <p:txBody>
+          <a:bodyPr wrap="square" rtlCol="0">
+            <a:spAutoFit/>
+          </a:bodyPr>
+          <a:lstStyle/>
+          <a:p>
+            <a:r>
+              <a:rPr lang="en-US" dirty="0" err="1"/>
+              <a:t>SetSelection</a:t>
+            </a:r>
+            <a:r>
+              <a:rPr lang="en-US" dirty="0"/>
+              <a:t>(Selection) </a:t>
+            </a:r>
+            <a:r>
+              <a:rPr lang="en-US" dirty="0" err="1"/>
+              <a:t>ֆունկցիայի</a:t>
+            </a:r>
+            <a:r>
+              <a:rPr lang="en-US" dirty="0"/>
+              <a:t> </a:t>
+            </a:r>
+            <a:r>
+              <a:rPr lang="en-US" dirty="0" err="1"/>
+              <a:t>միջոցով</a:t>
+            </a:r>
+            <a:r>
+              <a:rPr lang="en-US" dirty="0"/>
+              <a:t> Analysis Manager - ն Selection է </a:t>
+            </a:r>
+            <a:r>
+              <a:rPr lang="en-US" dirty="0" err="1"/>
+              <a:t>փոխանցում</a:t>
+            </a:r>
+            <a:r>
+              <a:rPr lang="en-US" dirty="0"/>
+              <a:t> Data Provider –</a:t>
+            </a:r>
+            <a:r>
+              <a:rPr lang="en-US" dirty="0" err="1"/>
+              <a:t>ին</a:t>
+            </a:r>
+            <a:r>
+              <a:rPr lang="en-US" dirty="0"/>
+              <a:t>:</a:t>
+            </a:r>
+          </a:p>
+          <a:p>
+            <a:r>
+              <a:rPr lang="en-US" dirty="0" err="1"/>
+              <a:t>DataProvider</a:t>
+            </a:r>
+            <a:r>
+              <a:rPr lang="en-US" dirty="0"/>
+              <a:t> –ը </a:t>
+            </a:r>
+            <a:r>
+              <a:rPr lang="en-US" dirty="0" err="1"/>
+              <a:t>ունի</a:t>
+            </a:r>
+            <a:r>
+              <a:rPr lang="en-US" dirty="0"/>
+              <a:t> </a:t>
+            </a:r>
+            <a:r>
+              <a:rPr lang="en-US" dirty="0" err="1"/>
+              <a:t>GetData</a:t>
+            </a:r>
+            <a:r>
+              <a:rPr lang="en-US" dirty="0"/>
+              <a:t> </a:t>
+            </a:r>
+            <a:r>
+              <a:rPr lang="en-US" dirty="0" err="1"/>
+              <a:t>ֆունկցիա</a:t>
+            </a:r>
+            <a:r>
+              <a:rPr lang="en-US" dirty="0"/>
+              <a:t>, </a:t>
+            </a:r>
+            <a:r>
+              <a:rPr lang="en-US" dirty="0" err="1"/>
+              <a:t>որը</a:t>
+            </a:r>
+            <a:r>
+              <a:rPr lang="en-US" dirty="0"/>
+              <a:t> </a:t>
+            </a:r>
+            <a:r>
+              <a:rPr lang="en-US" dirty="0" err="1"/>
+              <a:t>կարելի</a:t>
+            </a:r>
+            <a:r>
+              <a:rPr lang="en-US" dirty="0"/>
+              <a:t> է </a:t>
+            </a:r>
+            <a:r>
+              <a:rPr lang="en-US" dirty="0" err="1"/>
+              <a:t>օգտագործել</a:t>
+            </a:r>
+            <a:r>
+              <a:rPr lang="en-US" dirty="0"/>
+              <a:t> </a:t>
+            </a:r>
+            <a:r>
+              <a:rPr lang="en-US" dirty="0" err="1"/>
+              <a:t>պահանջվող</a:t>
+            </a:r>
+            <a:r>
+              <a:rPr lang="en-US" dirty="0"/>
+              <a:t> </a:t>
+            </a:r>
+            <a:r>
+              <a:rPr lang="en-US" dirty="0" err="1"/>
+              <a:t>դաշտերի</a:t>
+            </a:r>
+            <a:r>
+              <a:rPr lang="en-US" dirty="0"/>
+              <a:t> </a:t>
+            </a:r>
+            <a:r>
+              <a:rPr lang="en-US" dirty="0" err="1"/>
+              <a:t>արժեքները</a:t>
+            </a:r>
+            <a:r>
+              <a:rPr lang="en-US" dirty="0"/>
+              <a:t> </a:t>
+            </a:r>
+            <a:r>
+              <a:rPr lang="en-US" dirty="0" err="1" smtClean="0"/>
+              <a:t>ստանալու</a:t>
+            </a:r>
+            <a:r>
+              <a:rPr lang="en-US" dirty="0" smtClean="0"/>
+              <a:t> </a:t>
+            </a:r>
+            <a:r>
+              <a:rPr lang="en-US" dirty="0" err="1"/>
+              <a:t>համար</a:t>
+            </a:r>
+            <a:r>
+              <a:rPr lang="en-US" dirty="0"/>
+              <a:t> </a:t>
+            </a:r>
+            <a:r>
+              <a:rPr lang="en-US" dirty="0" err="1"/>
+              <a:t>օրինակ</a:t>
+            </a:r>
+            <a:r>
+              <a:rPr lang="en-US" dirty="0"/>
+              <a:t> wafer-ի, lot-ի, bin-ի և </a:t>
+            </a:r>
+            <a:r>
+              <a:rPr lang="en-US" dirty="0" err="1"/>
+              <a:t>այլն</a:t>
+            </a:r>
+            <a:r>
+              <a:rPr lang="en-US" dirty="0"/>
+              <a:t>:</a:t>
+            </a:r>
+          </a:p>
+        </p:txBody>
+      </p:sp>
+      <p:grpSp>
+        <p:nvGrpSpPr>
+          <p:cNvPr id="2" name="Group 1"/>
+          <p:cNvGrpSpPr/>
+          <p:nvPr/>
+        </p:nvGrpSpPr>
+        <p:grpSpPr>
+          <a:xfrm>
+            <a:off x="538433" y="395637"/>
+            <a:ext cx="10449688" cy="3007219"/>
+            <a:chOff x="538433" y="395637"/>
+            <a:chExt cx="10449688" cy="3007219"/>
+          </a:xfrm>
+        </p:grpSpPr>
+        <p:grpSp>
+          <p:nvGrpSpPr>
+            <p:cNvPr id="65" name="Group 64"/>
+            <p:cNvGrpSpPr/>
+            <p:nvPr/>
+          </p:nvGrpSpPr>
+          <p:grpSpPr>
+            <a:xfrm>
+              <a:off x="5348515" y="395637"/>
+              <a:ext cx="5639606" cy="3007219"/>
+              <a:chOff x="5348515" y="395637"/>
+              <a:chExt cx="5639606" cy="3007219"/>
+            </a:xfrm>
+          </p:grpSpPr>
+          <p:sp>
+            <p:nvSpPr>
+              <p:cNvPr id="4" name="Oval 3"/>
+              <p:cNvSpPr/>
+              <p:nvPr/>
+            </p:nvSpPr>
+            <p:spPr>
+              <a:xfrm>
+                <a:off x="5348515" y="395637"/>
+                <a:ext cx="2511188" cy="1351129"/>
+              </a:xfrm>
+              <a:prstGeom prst="ellipse">
+                <a:avLst/>
+              </a:prstGeom>
+            </p:spPr>
+            <p:style>
+              <a:lnRef idx="1">
+                <a:schemeClr val="accent1"/>
+              </a:lnRef>
+              <a:fillRef idx="2">
+                <a:schemeClr val="accent1"/>
+              </a:fillRef>
+              <a:effectRef idx="1">
+                <a:schemeClr val="accent1"/>
+              </a:effectRef>
+              <a:fontRef idx="minor">
+                <a:schemeClr val="dk1"/>
+              </a:fontRef>
+            </p:style>
+            <p:txBody>
+              <a:bodyPr rtlCol="0" anchor="ctr"/>
+              <a:lstStyle/>
+              <a:p>
+                <a:pPr algn="ctr"/>
+                <a:r>
+                  <a:rPr lang="en-US" dirty="0"/>
+                  <a:t>Data Provider</a:t>
+                </a:r>
+              </a:p>
+            </p:txBody>
+          </p:sp>
+          <p:sp>
+            <p:nvSpPr>
+              <p:cNvPr id="13" name="Rectangle 12"/>
+              <p:cNvSpPr/>
+              <p:nvPr/>
+            </p:nvSpPr>
+            <p:spPr>
+              <a:xfrm>
+                <a:off x="8845422" y="2345155"/>
+                <a:ext cx="2142699" cy="1057701"/>
+              </a:xfrm>
+              <a:prstGeom prst="rect">
+                <a:avLst/>
+              </a:prstGeom>
+            </p:spPr>
+            <p:style>
+              <a:lnRef idx="1">
+                <a:schemeClr val="accent1"/>
+              </a:lnRef>
+              <a:fillRef idx="2">
+                <a:schemeClr val="accent1"/>
+              </a:fillRef>
+              <a:effectRef idx="1">
+                <a:schemeClr val="accent1"/>
+              </a:effectRef>
+              <a:fontRef idx="minor">
+                <a:schemeClr val="dk1"/>
+              </a:fontRef>
+            </p:style>
+            <p:txBody>
+              <a:bodyPr rtlCol="0" anchor="ctr"/>
+              <a:lstStyle/>
+              <a:p>
+                <a:pPr algn="ctr"/>
+                <a:r>
+                  <a:rPr lang="en-US" dirty="0" err="1"/>
+                  <a:t>GetData</a:t>
+                </a:r>
+                <a:r>
+                  <a:rPr lang="en-US" dirty="0"/>
+                  <a:t>(</a:t>
+                </a:r>
+                <a:r>
+                  <a:rPr lang="en-US" dirty="0" err="1"/>
+                  <a:t>FieldList</a:t>
+                </a:r>
+                <a:r>
+                  <a:rPr lang="en-US" dirty="0"/>
+                  <a:t>)</a:t>
+                </a:r>
+              </a:p>
+            </p:txBody>
+          </p:sp>
+        </p:grpSp>
+        <p:sp>
+          <p:nvSpPr>
+            <p:cNvPr id="20" name="Oval 19"/>
+            <p:cNvSpPr/>
+            <p:nvPr/>
+          </p:nvSpPr>
+          <p:spPr>
+            <a:xfrm>
+              <a:off x="538433" y="611776"/>
+              <a:ext cx="2258005" cy="1170159"/>
+            </a:xfrm>
+            <a:prstGeom prst="ellipse">
+              <a:avLst/>
+            </a:prstGeom>
+          </p:spPr>
+          <p:style>
+            <a:lnRef idx="1">
+              <a:schemeClr val="accent1"/>
+            </a:lnRef>
+            <a:fillRef idx="2">
+              <a:schemeClr val="accent1"/>
+            </a:fillRef>
+            <a:effectRef idx="1">
+              <a:schemeClr val="accent1"/>
+            </a:effectRef>
+            <a:fontRef idx="minor">
+              <a:schemeClr val="dk1"/>
+            </a:fontRef>
+          </p:style>
+          <p:txBody>
+            <a:bodyPr rtlCol="0" anchor="ctr"/>
+            <a:lstStyle/>
+            <a:p>
+              <a:pPr algn="ctr"/>
+              <a:r>
+                <a:rPr lang="en-US" dirty="0"/>
+                <a:t>Analysis Manager</a:t>
+              </a:r>
+            </a:p>
+          </p:txBody>
+        </p:sp>
+        <p:sp>
+          <p:nvSpPr>
+            <p:cNvPr id="22" name="Right Arrow 21"/>
+            <p:cNvSpPr/>
+            <p:nvPr/>
+          </p:nvSpPr>
+          <p:spPr>
+            <a:xfrm>
+              <a:off x="3176411" y="908454"/>
+              <a:ext cx="2080069" cy="507431"/>
+            </a:xfrm>
+            <a:prstGeom prst="rightArrow">
+              <a:avLst/>
+            </a:prstGeom>
+          </p:spPr>
+          <p:style>
+            <a:lnRef idx="1">
+              <a:schemeClr val="accent1"/>
+            </a:lnRef>
+            <a:fillRef idx="2">
+              <a:schemeClr val="accent1"/>
+            </a:fillRef>
+            <a:effectRef idx="1">
+              <a:schemeClr val="accent1"/>
+            </a:effectRef>
+            <a:fontRef idx="minor">
+              <a:schemeClr val="dk1"/>
+            </a:fontRef>
+          </p:style>
+          <p:txBody>
+            <a:bodyPr rtlCol="0" anchor="t"/>
+            <a:lstStyle/>
+            <a:p>
+              <a:pPr algn="ctr"/>
+              <a:r>
+                <a:rPr lang="en-US" sz="1400" dirty="0" err="1"/>
+                <a:t>SetSelection</a:t>
+              </a:r>
+              <a:r>
+                <a:rPr lang="en-US" sz="1400" dirty="0"/>
+                <a:t>(Selection)</a:t>
+              </a:r>
+            </a:p>
+            <a:p>
+              <a:pPr algn="ctr"/>
+              <a:endParaRPr lang="en-US" dirty="0"/>
+            </a:p>
+          </p:txBody>
+        </p:sp>
+      </p:grpSp>
+      <p:cxnSp>
+        <p:nvCxnSpPr>
+          <p:cNvPr id="10" name="Straight Arrow Connector 9"/>
+          <p:cNvCxnSpPr>
+            <a:stCxn id="13" idx="0"/>
+            <a:endCxn id="4" idx="6"/>
+          </p:cNvCxnSpPr>
+          <p:nvPr/>
+        </p:nvCxnSpPr>
+        <p:spPr>
+          <a:xfrm flipH="1" flipV="1">
+            <a:off x="7859703" y="1071202"/>
+            <a:ext cx="2057069" cy="1273953"/>
+          </a:xfrm>
+          <a:prstGeom prst="straightConnector1">
+            <a:avLst/>
+          </a:prstGeom>
+          <a:ln>
+            <a:tailEnd type="arrow"/>
+          </a:ln>
+        </p:spPr>
+        <p:style>
+          <a:lnRef idx="1">
+            <a:schemeClr val="accent1"/>
+          </a:lnRef>
+          <a:fillRef idx="0">
+            <a:schemeClr val="accent1"/>
+          </a:fillRef>
+          <a:effectRef idx="0">
+            <a:schemeClr val="accent1"/>
+          </a:effectRef>
+          <a:fontRef idx="minor">
+            <a:schemeClr val="tx1"/>
+          </a:fontRef>
+        </p:style>
+      </p:cxnSp>
+    </p:spTree>
+    <p:extLst>
+      <p:ext uri="{BB962C8B-B14F-4D97-AF65-F5344CB8AC3E}">
+        <p14:creationId xmlns:p14="http://schemas.microsoft.com/office/powerpoint/2010/main" val="3257165125"/>
+      </p:ext>
+    </p:extLst>
+  </p:cSld>
+  <p:clrMapOvr>
+    <a:masterClrMapping/>
+  </p:clrMapOvr>
+  <p:timing>
+    <p:tnLst>
+      <p:par>
+        <p:cTn id="1" dur="indefinite" restart="never" nodeType="tmRoot"/>
+      </p:par>
+    </p:tnLst>
+  </p:timing>
+</p:sld>
+</file>
+
+<file path=ppt/slides/slide8.xml><?xml version="1.0" encoding="utf-8"?>
+<p:sld xmlns:a="http://schemas.openxmlformats.org/drawingml/2006/main" xmlns:r="http://schemas.openxmlformats.org/officeDocument/2006/relationships" xmlns:p="http://schemas.openxmlformats.org/presentationml/2006/main">
+  <p:cSld>
+    <p:spTree>
+      <p:nvGrpSpPr>
+        <p:cNvPr id="1" name=""/>
+        <p:cNvGrpSpPr/>
+        <p:nvPr/>
+      </p:nvGrpSpPr>
+      <p:grpSpPr>
+        <a:xfrm>
+          <a:off x="0" y="0"/>
+          <a:ext cx="0" cy="0"/>
+          <a:chOff x="0" y="0"/>
+          <a:chExt cx="0" cy="0"/>
+        </a:xfrm>
+      </p:grpSpPr>
+      <p:sp>
+        <p:nvSpPr>
+          <p:cNvPr id="5" name="Oval 4"/>
+          <p:cNvSpPr/>
+          <p:nvPr/>
+        </p:nvSpPr>
+        <p:spPr>
+          <a:xfrm>
+            <a:off x="7499844" y="2684761"/>
+            <a:ext cx="1959507" cy="1120714"/>
           </a:xfrm>
           <a:prstGeom prst="ellipse">
             <a:avLst/>
@@ -5285,8 +7111,8 @@
           <a:p>
             <a:pPr algn="ctr"/>
             <a:r>
-              <a:rPr lang="en-US" dirty="0" smtClean="0"/>
-              <a:t>Analysis Module</a:t>
+              <a:rPr lang="en-US" dirty="0" err="1"/>
+              <a:t>DataStore</a:t>
             </a:r>
             <a:endParaRPr lang="en-US" dirty="0"/>
           </a:p>
@@ -5294,14 +7120,14 @@
       </p:sp>
       <p:sp>
         <p:nvSpPr>
-          <p:cNvPr id="5" name="Oval 4"/>
+          <p:cNvPr id="6" name="Oval 5"/>
           <p:cNvSpPr/>
           <p:nvPr/>
         </p:nvSpPr>
         <p:spPr>
-          <a:xfrm rot="19930345">
-            <a:off x="588685" y="513218"/>
-            <a:ext cx="1803400" cy="939800"/>
+          <a:xfrm>
+            <a:off x="4110194" y="3753593"/>
+            <a:ext cx="1635456" cy="748352"/>
           </a:xfrm>
           <a:prstGeom prst="ellipse">
             <a:avLst/>
@@ -5328,26 +7154,21 @@
             <a:pPr algn="ctr"/>
             <a:r>
               <a:rPr lang="en-US" dirty="0"/>
-              <a:t>Data </a:t>
-            </a:r>
-            <a:r>
-              <a:rPr lang="en-US" dirty="0" smtClean="0"/>
-              <a:t>Provider</a:t>
-            </a:r>
-            <a:endParaRPr lang="en-US" dirty="0"/>
-          </a:p>
-        </p:txBody>
-      </p:sp>
-      <p:sp>
-        <p:nvSpPr>
-          <p:cNvPr id="6" name="Oval 5"/>
+              <a:t>Loader</a:t>
+            </a:r>
+          </a:p>
+        </p:txBody>
+      </p:sp>
+      <p:sp>
+        <p:nvSpPr>
+          <p:cNvPr id="7" name="Oval 6"/>
           <p:cNvSpPr/>
           <p:nvPr/>
         </p:nvSpPr>
         <p:spPr>
-          <a:xfrm rot="153931">
-            <a:off x="624282" y="2182823"/>
-            <a:ext cx="2122464" cy="1171621"/>
+          <a:xfrm>
+            <a:off x="1211939" y="2664241"/>
+            <a:ext cx="1635456" cy="748352"/>
           </a:xfrm>
           <a:prstGeom prst="ellipse">
             <a:avLst/>
@@ -5373,27 +7194,123 @@
           <a:p>
             <a:pPr algn="ctr"/>
             <a:r>
-              <a:rPr lang="en-US" dirty="0" smtClean="0"/>
-              <a:t>Configuration</a:t>
-            </a:r>
-            <a:endParaRPr lang="en-US" dirty="0"/>
-          </a:p>
-          <a:p>
-            <a:pPr algn="ctr"/>
-            <a:endParaRPr lang="en-US" dirty="0"/>
-          </a:p>
-        </p:txBody>
-      </p:sp>
-      <p:sp>
-        <p:nvSpPr>
-          <p:cNvPr id="9" name="Right Arrow 8"/>
+              <a:rPr lang="en-US" dirty="0"/>
+              <a:t>Parser</a:t>
+            </a:r>
+          </a:p>
+        </p:txBody>
+      </p:sp>
+      <p:sp>
+        <p:nvSpPr>
+          <p:cNvPr id="13" name="Rectangle 12"/>
           <p:cNvSpPr/>
           <p:nvPr/>
         </p:nvSpPr>
         <p:spPr>
-          <a:xfrm rot="593755">
-            <a:off x="2256340" y="1099119"/>
-            <a:ext cx="1654439" cy="394146"/>
+          <a:xfrm>
+            <a:off x="393107" y="973564"/>
+            <a:ext cx="1939786" cy="908553"/>
+          </a:xfrm>
+          <a:prstGeom prst="rect">
+            <a:avLst/>
+          </a:prstGeom>
+        </p:spPr>
+        <p:style>
+          <a:lnRef idx="1">
+            <a:schemeClr val="accent1"/>
+          </a:lnRef>
+          <a:fillRef idx="2">
+            <a:schemeClr val="accent1"/>
+          </a:fillRef>
+          <a:effectRef idx="1">
+            <a:schemeClr val="accent1"/>
+          </a:effectRef>
+          <a:fontRef idx="minor">
+            <a:schemeClr val="dk1"/>
+          </a:fontRef>
+        </p:style>
+        <p:txBody>
+          <a:bodyPr rtlCol="0" anchor="ctr"/>
+          <a:lstStyle/>
+          <a:p>
+            <a:pPr algn="ctr"/>
+            <a:r>
+              <a:rPr lang="en-US" dirty="0" err="1"/>
+              <a:t>GetData</a:t>
+            </a:r>
+            <a:r>
+              <a:rPr lang="en-US" dirty="0"/>
+              <a:t>(</a:t>
+            </a:r>
+            <a:r>
+              <a:rPr lang="en-US" dirty="0" err="1"/>
+              <a:t>FieldList</a:t>
+            </a:r>
+            <a:r>
+              <a:rPr lang="en-US" dirty="0"/>
+              <a:t>)</a:t>
+            </a:r>
+          </a:p>
+        </p:txBody>
+      </p:sp>
+      <p:sp>
+        <p:nvSpPr>
+          <p:cNvPr id="21" name="Rectangle 20"/>
+          <p:cNvSpPr/>
+          <p:nvPr/>
+        </p:nvSpPr>
+        <p:spPr>
+          <a:xfrm>
+            <a:off x="175846" y="93784"/>
+            <a:ext cx="11769969" cy="4712678"/>
+          </a:xfrm>
+          <a:prstGeom prst="rect">
+            <a:avLst/>
+          </a:prstGeom>
+          <a:noFill/>
+          <a:ln w="38100"/>
+        </p:spPr>
+        <p:style>
+          <a:lnRef idx="1">
+            <a:schemeClr val="accent1"/>
+          </a:lnRef>
+          <a:fillRef idx="2">
+            <a:schemeClr val="accent1"/>
+          </a:fillRef>
+          <a:effectRef idx="1">
+            <a:schemeClr val="accent1"/>
+          </a:effectRef>
+          <a:fontRef idx="minor">
+            <a:schemeClr val="dk1"/>
+          </a:fontRef>
+        </p:style>
+        <p:txBody>
+          <a:bodyPr rtlCol="0" anchor="t"/>
+          <a:lstStyle/>
+          <a:p>
+            <a:r>
+              <a:rPr lang="en-US" dirty="0"/>
+              <a:t>Data Provider</a:t>
+            </a:r>
+          </a:p>
+          <a:p>
+            <a:endParaRPr lang="en-US" dirty="0"/>
+          </a:p>
+          <a:p>
+            <a:endParaRPr lang="en-US" dirty="0"/>
+          </a:p>
+        </p:txBody>
+      </p:sp>
+      <p:sp>
+        <p:nvSpPr>
+          <p:cNvPr id="23" name="Right Arrow 22"/>
+          <p:cNvSpPr/>
+          <p:nvPr/>
+        </p:nvSpPr>
+        <p:spPr>
+          <a:xfrm>
+            <a:off x="2601984" y="1131191"/>
+            <a:ext cx="2080069" cy="507431"/>
           </a:xfrm>
           <a:prstGeom prst="rightArrow">
             <a:avLst/>
@@ -5414,24 +7331,127 @@
           </a:fontRef>
         </p:style>
         <p:txBody>
+          <a:bodyPr rtlCol="0" anchor="t"/>
+          <a:lstStyle/>
+          <a:p>
+            <a:pPr algn="ctr"/>
+            <a:r>
+              <a:rPr lang="en-US" sz="1400" dirty="0" smtClean="0"/>
+              <a:t>Selection</a:t>
+            </a:r>
+            <a:endParaRPr lang="en-US" sz="1400" dirty="0"/>
+          </a:p>
+          <a:p>
+            <a:pPr algn="ctr"/>
+            <a:endParaRPr lang="en-US" dirty="0"/>
+          </a:p>
+        </p:txBody>
+      </p:sp>
+      <p:sp>
+        <p:nvSpPr>
+          <p:cNvPr id="24" name="Oval 23"/>
+          <p:cNvSpPr/>
+          <p:nvPr/>
+        </p:nvSpPr>
+        <p:spPr>
+          <a:xfrm>
+            <a:off x="4908425" y="900398"/>
+            <a:ext cx="1989992" cy="971514"/>
+          </a:xfrm>
+          <a:prstGeom prst="ellipse">
+            <a:avLst/>
+          </a:prstGeom>
+        </p:spPr>
+        <p:style>
+          <a:lnRef idx="1">
+            <a:schemeClr val="accent1"/>
+          </a:lnRef>
+          <a:fillRef idx="2">
+            <a:schemeClr val="accent1"/>
+          </a:fillRef>
+          <a:effectRef idx="1">
+            <a:schemeClr val="accent1"/>
+          </a:effectRef>
+          <a:fontRef idx="minor">
+            <a:schemeClr val="dk1"/>
+          </a:fontRef>
+        </p:style>
+        <p:txBody>
           <a:bodyPr rtlCol="0" anchor="ctr"/>
           <a:lstStyle/>
           <a:p>
             <a:pPr algn="ctr"/>
-            <a:endParaRPr lang="en-US"/>
-          </a:p>
-        </p:txBody>
-      </p:sp>
-      <p:sp>
-        <p:nvSpPr>
-          <p:cNvPr id="10" name="Right Arrow 9"/>
+            <a:endParaRPr lang="en-US" dirty="0" smtClean="0"/>
+          </a:p>
+          <a:p>
+            <a:pPr algn="ctr"/>
+            <a:r>
+              <a:rPr lang="en-US" dirty="0" smtClean="0"/>
+              <a:t>Data </a:t>
+            </a:r>
+            <a:r>
+              <a:rPr lang="en-US" dirty="0"/>
+              <a:t>Directory</a:t>
+            </a:r>
+          </a:p>
+          <a:p>
+            <a:pPr algn="ctr"/>
+            <a:endParaRPr lang="en-US" dirty="0"/>
+          </a:p>
+        </p:txBody>
+      </p:sp>
+      <p:sp>
+        <p:nvSpPr>
+          <p:cNvPr id="26" name="Oval 25"/>
           <p:cNvSpPr/>
           <p:nvPr/>
         </p:nvSpPr>
         <p:spPr>
-          <a:xfrm rot="19632518">
-            <a:off x="2728820" y="2153795"/>
-            <a:ext cx="1349932" cy="393541"/>
+          <a:xfrm>
+            <a:off x="9647153" y="899149"/>
+            <a:ext cx="1989992" cy="971514"/>
+          </a:xfrm>
+          <a:prstGeom prst="ellipse">
+            <a:avLst/>
+          </a:prstGeom>
+        </p:spPr>
+        <p:style>
+          <a:lnRef idx="1">
+            <a:schemeClr val="accent1"/>
+          </a:lnRef>
+          <a:fillRef idx="2">
+            <a:schemeClr val="accent1"/>
+          </a:fillRef>
+          <a:effectRef idx="1">
+            <a:schemeClr val="accent1"/>
+          </a:effectRef>
+          <a:fontRef idx="minor">
+            <a:schemeClr val="dk1"/>
+          </a:fontRef>
+        </p:style>
+        <p:txBody>
+          <a:bodyPr rtlCol="0" anchor="ctr"/>
+          <a:lstStyle/>
+          <a:p>
+            <a:pPr algn="ctr"/>
+            <a:r>
+              <a:rPr lang="en-US" dirty="0" err="1" smtClean="0"/>
+              <a:t>FileInfo</a:t>
+            </a:r>
+            <a:endParaRPr lang="en-US" dirty="0"/>
+          </a:p>
+        </p:txBody>
+      </p:sp>
+      <p:sp>
+        <p:nvSpPr>
+          <p:cNvPr id="27" name="Right Arrow 26"/>
+          <p:cNvSpPr/>
+          <p:nvPr/>
+        </p:nvSpPr>
+        <p:spPr>
+          <a:xfrm>
+            <a:off x="7206769" y="1120716"/>
+            <a:ext cx="2080069" cy="507431"/>
           </a:xfrm>
           <a:prstGeom prst="rightArrow">
             <a:avLst/>
@@ -5452,26 +7472,26 @@
           </a:fontRef>
         </p:style>
         <p:txBody>
-          <a:bodyPr rtlCol="0" anchor="ctr"/>
+          <a:bodyPr rtlCol="0" anchor="t"/>
           <a:lstStyle/>
           <a:p>
             <a:pPr algn="ctr"/>
-            <a:endParaRPr lang="en-US"/>
-          </a:p>
-        </p:txBody>
-      </p:sp>
-      <p:sp>
-        <p:nvSpPr>
-          <p:cNvPr id="11" name="Rectangle 10"/>
+            <a:endParaRPr lang="en-US" dirty="0"/>
+          </a:p>
+        </p:txBody>
+      </p:sp>
+      <p:sp>
+        <p:nvSpPr>
+          <p:cNvPr id="30" name="Right Arrow 29"/>
           <p:cNvSpPr/>
           <p:nvPr/>
         </p:nvSpPr>
         <p:spPr>
-          <a:xfrm>
-            <a:off x="7424382" y="495181"/>
-            <a:ext cx="4326340" cy="2243126"/>
+          <a:xfrm rot="8586339">
+            <a:off x="9302403" y="2261442"/>
+            <a:ext cx="1580474" cy="507431"/>
           </a:xfrm>
-          <a:prstGeom prst="rect">
+          <a:prstGeom prst="rightArrow">
             <a:avLst/>
           </a:prstGeom>
         </p:spPr>
@@ -5490,142 +7510,26 @@
           </a:fontRef>
         </p:style>
         <p:txBody>
-          <a:bodyPr rtlCol="0" anchor="ctr"/>
+          <a:bodyPr rtlCol="0" anchor="t"/>
           <a:lstStyle/>
           <a:p>
-            <a:r>
-              <a:rPr lang="en-US" dirty="0" smtClean="0"/>
-              <a:t>  Run()</a:t>
-            </a:r>
-          </a:p>
-          <a:p>
-            <a:endParaRPr lang="en-US" dirty="0" smtClean="0"/>
-          </a:p>
-          <a:p>
-            <a:r>
-              <a:rPr lang="en-US" dirty="0" smtClean="0"/>
-              <a:t>       </a:t>
-            </a:r>
-            <a:r>
-              <a:rPr lang="en-US" dirty="0" err="1" smtClean="0"/>
-              <a:t>GetData</a:t>
-            </a:r>
-            <a:r>
-              <a:rPr lang="en-US" dirty="0" smtClean="0"/>
-              <a:t>(</a:t>
-            </a:r>
-            <a:r>
-              <a:rPr lang="en-US" dirty="0" err="1" smtClean="0"/>
-              <a:t>FieldList</a:t>
-            </a:r>
-            <a:r>
-              <a:rPr lang="en-US" dirty="0" smtClean="0"/>
-              <a:t>(Wafer, Bin,  </a:t>
-            </a:r>
-            <a:r>
-              <a:rPr lang="en-US" dirty="0" err="1" smtClean="0"/>
-              <a:t>BinType</a:t>
-            </a:r>
-            <a:r>
-              <a:rPr lang="en-US" dirty="0" smtClean="0"/>
-              <a:t> ))</a:t>
-            </a:r>
-          </a:p>
-          <a:p>
-            <a:r>
-              <a:rPr lang="en-US" dirty="0"/>
-              <a:t> </a:t>
-            </a:r>
-            <a:r>
-              <a:rPr lang="en-US" dirty="0" smtClean="0"/>
-              <a:t>      </a:t>
-            </a:r>
-            <a:r>
-              <a:rPr lang="en-US" dirty="0" err="1" smtClean="0"/>
-              <a:t>FieldCollection</a:t>
-            </a:r>
-            <a:r>
-              <a:rPr lang="en-US" dirty="0" smtClean="0"/>
-              <a:t>-&gt;</a:t>
-            </a:r>
-            <a:r>
-              <a:rPr lang="en-US" dirty="0" err="1" smtClean="0"/>
-              <a:t>GetFieldData</a:t>
-            </a:r>
-            <a:r>
-              <a:rPr lang="en-US" dirty="0" smtClean="0"/>
-              <a:t>(Bin)</a:t>
-            </a:r>
-          </a:p>
-          <a:p>
-            <a:r>
-              <a:rPr lang="en-US" dirty="0"/>
-              <a:t> </a:t>
-            </a:r>
-            <a:r>
-              <a:rPr lang="en-US" dirty="0" smtClean="0"/>
-              <a:t>      </a:t>
-            </a:r>
-            <a:r>
-              <a:rPr lang="en-US" dirty="0" err="1" smtClean="0"/>
-              <a:t>FieldData</a:t>
-            </a:r>
-            <a:r>
-              <a:rPr lang="en-US" dirty="0" smtClean="0"/>
-              <a:t>-&gt;</a:t>
-            </a:r>
-            <a:r>
-              <a:rPr lang="en-US" dirty="0" err="1" smtClean="0"/>
-              <a:t>GetIntData</a:t>
-            </a:r>
-            <a:r>
-              <a:rPr lang="en-US" dirty="0" smtClean="0"/>
-              <a:t>()</a:t>
-            </a:r>
-          </a:p>
-          <a:p>
-            <a:r>
-              <a:rPr lang="en-US" dirty="0"/>
-              <a:t> </a:t>
-            </a:r>
-            <a:r>
-              <a:rPr lang="en-US" dirty="0" smtClean="0"/>
-              <a:t>      </a:t>
-            </a:r>
-            <a:r>
-              <a:rPr lang="en-US" dirty="0" err="1" smtClean="0"/>
-              <a:t>IntVec</a:t>
-            </a:r>
-            <a:r>
-              <a:rPr lang="en-US" dirty="0" smtClean="0"/>
-              <a:t>-&gt;</a:t>
-            </a:r>
-            <a:r>
-              <a:rPr lang="en-US" dirty="0" err="1" smtClean="0"/>
-              <a:t>GetAt</a:t>
-            </a:r>
-            <a:r>
-              <a:rPr lang="en-US" dirty="0" smtClean="0"/>
-              <a:t>(index)</a:t>
-            </a:r>
-          </a:p>
-        </p:txBody>
-      </p:sp>
-      <p:cxnSp>
-        <p:nvCxnSpPr>
-          <p:cNvPr id="13" name="Straight Connector 12"/>
-          <p:cNvCxnSpPr>
-            <a:stCxn id="4" idx="6"/>
-            <a:endCxn id="11" idx="1"/>
-          </p:cNvCxnSpPr>
+            <a:pPr algn="ctr"/>
+            <a:endParaRPr lang="en-US" dirty="0"/>
+          </a:p>
+        </p:txBody>
+      </p:sp>
+      <p:sp>
+        <p:nvSpPr>
+          <p:cNvPr id="32" name="Right Arrow 31"/>
+          <p:cNvSpPr/>
           <p:nvPr/>
-        </p:nvCxnSpPr>
+        </p:nvSpPr>
         <p:spPr>
-          <a:xfrm>
-            <a:off x="6551189" y="1562702"/>
-            <a:ext cx="873193" cy="54042"/>
+          <a:xfrm rot="20003628">
+            <a:off x="5832509" y="3449027"/>
+            <a:ext cx="1580474" cy="507431"/>
           </a:xfrm>
-          <a:prstGeom prst="line">
+          <a:prstGeom prst="rightArrow">
             <a:avLst/>
           </a:prstGeom>
         </p:spPr>
@@ -5633,27 +7537,73 @@
           <a:lnRef idx="1">
             <a:schemeClr val="accent1"/>
           </a:lnRef>
-          <a:fillRef idx="0">
+          <a:fillRef idx="2">
             <a:schemeClr val="accent1"/>
           </a:fillRef>
-          <a:effectRef idx="0">
+          <a:effectRef idx="1">
             <a:schemeClr val="accent1"/>
           </a:effectRef>
           <a:fontRef idx="minor">
-            <a:schemeClr val="tx1"/>
+            <a:schemeClr val="dk1"/>
           </a:fontRef>
         </p:style>
-      </p:cxnSp>
-      <p:sp>
-        <p:nvSpPr>
-          <p:cNvPr id="18" name="TextBox 17"/>
+        <p:txBody>
+          <a:bodyPr rtlCol="0" anchor="t"/>
+          <a:lstStyle/>
+          <a:p>
+            <a:pPr algn="ctr"/>
+            <a:endParaRPr lang="en-US" dirty="0"/>
+          </a:p>
+        </p:txBody>
+      </p:sp>
+      <p:sp>
+        <p:nvSpPr>
+          <p:cNvPr id="33" name="Right Arrow 32"/>
+          <p:cNvSpPr/>
+          <p:nvPr/>
+        </p:nvSpPr>
+        <p:spPr>
+          <a:xfrm rot="12190967">
+            <a:off x="2396381" y="3551760"/>
+            <a:ext cx="1580474" cy="507431"/>
+          </a:xfrm>
+          <a:prstGeom prst="rightArrow">
+            <a:avLst/>
+          </a:prstGeom>
+        </p:spPr>
+        <p:style>
+          <a:lnRef idx="1">
+            <a:schemeClr val="accent1"/>
+          </a:lnRef>
+          <a:fillRef idx="2">
+            <a:schemeClr val="accent1"/>
+          </a:fillRef>
+          <a:effectRef idx="1">
+            <a:schemeClr val="accent1"/>
+          </a:effectRef>
+          <a:fontRef idx="minor">
+            <a:schemeClr val="dk1"/>
+          </a:fontRef>
+        </p:style>
+        <p:txBody>
+          <a:bodyPr rtlCol="0" anchor="t"/>
+          <a:lstStyle/>
+          <a:p>
+            <a:pPr algn="ctr"/>
+            <a:endParaRPr lang="en-US" dirty="0"/>
+          </a:p>
+        </p:txBody>
+      </p:sp>
+      <p:sp>
+        <p:nvSpPr>
+          <p:cNvPr id="8" name="TextBox 7"/>
           <p:cNvSpPr txBox="1"/>
           <p:nvPr/>
         </p:nvSpPr>
         <p:spPr>
           <a:xfrm>
-            <a:off x="599123" y="4026090"/>
-            <a:ext cx="11056065" cy="1477328"/>
+            <a:off x="307929" y="5029202"/>
+            <a:ext cx="11637885" cy="1754326"/>
           </a:xfrm>
           <a:prstGeom prst="rect">
             <a:avLst/>
@@ -5668,114 +7618,123 @@
           <a:p>
             <a:r>
               <a:rPr lang="en-US" dirty="0" smtClean="0"/>
-              <a:t>Analysis module gets </a:t>
-            </a:r>
-            <a:r>
-              <a:rPr lang="en-US" dirty="0" err="1" smtClean="0"/>
-              <a:t>DataProvider</a:t>
-            </a:r>
-            <a:r>
-              <a:rPr lang="en-US" dirty="0" smtClean="0"/>
-              <a:t> and Configuration as input. </a:t>
-            </a:r>
-          </a:p>
-          <a:p>
-            <a:r>
-              <a:rPr lang="en-US" dirty="0" smtClean="0"/>
-              <a:t>Analysis Module has Run function, which will begin to do some </a:t>
-            </a:r>
-            <a:r>
-              <a:rPr lang="en-US" dirty="0"/>
-              <a:t>specific </a:t>
-            </a:r>
-            <a:r>
-              <a:rPr lang="en-US" dirty="0" smtClean="0"/>
-              <a:t> steps for analysis. Run function call </a:t>
+              <a:t>Data Provider</a:t>
+            </a:r>
+            <a:r>
+              <a:rPr lang="hy-AM" dirty="0" smtClean="0"/>
+              <a:t>-ի </a:t>
             </a:r>
             <a:r>
               <a:rPr lang="en-US" dirty="0" err="1" smtClean="0"/>
               <a:t>GetData</a:t>
             </a:r>
             <a:r>
+              <a:rPr lang="hy-AM" dirty="0" smtClean="0"/>
+              <a:t> ֆունկցիան ըստ </a:t>
+            </a:r>
+            <a:r>
               <a:rPr lang="en-US" dirty="0" smtClean="0"/>
-              <a:t> with some field names. </a:t>
+              <a:t>Selection</a:t>
+            </a:r>
+            <a:r>
+              <a:rPr lang="hy-AM" dirty="0" smtClean="0"/>
+              <a:t>-ի դիմում է </a:t>
+            </a:r>
+            <a:r>
+              <a:rPr lang="en-US" dirty="0"/>
+              <a:t>Data </a:t>
+            </a:r>
+            <a:r>
+              <a:rPr lang="en-US" dirty="0" smtClean="0"/>
+              <a:t>Directory</a:t>
+            </a:r>
+            <a:r>
+              <a:rPr lang="hy-AM" dirty="0" smtClean="0"/>
+              <a:t>-ին և ստանում </a:t>
             </a:r>
             <a:r>
               <a:rPr lang="en-US" dirty="0" err="1" smtClean="0"/>
-              <a:t>GetData</a:t>
+              <a:t>FileInfo</a:t>
+            </a:r>
+            <a:r>
+              <a:rPr lang="hy-AM" dirty="0" smtClean="0"/>
+              <a:t>։ </a:t>
+            </a:r>
+            <a:r>
+              <a:rPr lang="en-US" dirty="0" err="1" smtClean="0"/>
+              <a:t>FileInfo</a:t>
+            </a:r>
+            <a:r>
+              <a:rPr lang="hy-AM" dirty="0" smtClean="0"/>
+              <a:t>-ն փոխանցվում է </a:t>
+            </a:r>
+            <a:r>
+              <a:rPr lang="en-US" dirty="0" err="1" smtClean="0"/>
+              <a:t>DataStore</a:t>
+            </a:r>
+            <a:r>
+              <a:rPr lang="hy-AM" dirty="0" smtClean="0"/>
+              <a:t>-ին, եթե տվյալ ինֆորմացիան արդեն բեռնավորվել է </a:t>
+            </a:r>
+            <a:r>
+              <a:rPr lang="en-US" dirty="0" err="1" smtClean="0"/>
+              <a:t>DataStore</a:t>
+            </a:r>
+            <a:r>
+              <a:rPr lang="hy-AM" dirty="0" smtClean="0"/>
+              <a:t>, ապա այն համապատասխան տեսքով վերադարձվում է։ Հակառակ դեպքում այդ տվյալները բեռնավորվում են </a:t>
+            </a:r>
+            <a:r>
+              <a:rPr lang="en-US" dirty="0" err="1" smtClean="0"/>
+              <a:t>DataStore</a:t>
+            </a:r>
+            <a:r>
+              <a:rPr lang="hy-AM" dirty="0" smtClean="0"/>
+              <a:t> </a:t>
+            </a:r>
+            <a:r>
+              <a:rPr lang="ru-RU" dirty="0" smtClean="0"/>
+              <a:t>(</a:t>
             </a:r>
             <a:r>
               <a:rPr lang="en-US" dirty="0" smtClean="0"/>
-              <a:t> returns </a:t>
-            </a:r>
-            <a:r>
-              <a:rPr lang="en-US" dirty="0" err="1" smtClean="0"/>
-              <a:t>FieldCollection</a:t>
+              <a:t>Parser-</a:t>
+            </a:r>
+            <a:r>
+              <a:rPr lang="hy-AM" dirty="0" smtClean="0"/>
+              <a:t>ը վերլուծում է ֆայլի ինֆորմացիան , </a:t>
             </a:r>
             <a:r>
               <a:rPr lang="en-US" dirty="0" smtClean="0"/>
-              <a:t>. For each field call </a:t>
-            </a:r>
-            <a:r>
-              <a:rPr lang="en-US" dirty="0" err="1" smtClean="0"/>
-              <a:t>GetFieldData</a:t>
-            </a:r>
-            <a:r>
-              <a:rPr lang="en-US" dirty="0" smtClean="0"/>
-              <a:t> </a:t>
-            </a:r>
-            <a:r>
-              <a:rPr lang="en-US" dirty="0" smtClean="0"/>
-              <a:t>pass field name </a:t>
-            </a:r>
-            <a:r>
-              <a:rPr lang="en-US" dirty="0" smtClean="0"/>
-              <a:t>and get single </a:t>
-            </a:r>
-            <a:r>
-              <a:rPr lang="en-US" dirty="0" err="1" smtClean="0"/>
-              <a:t>FiledData</a:t>
-            </a:r>
-            <a:r>
-              <a:rPr lang="en-US" dirty="0" smtClean="0"/>
-              <a:t>. Find out </a:t>
-            </a:r>
-            <a:r>
-              <a:rPr lang="en-US" dirty="0" smtClean="0"/>
-              <a:t>the type </a:t>
-            </a:r>
-            <a:r>
-              <a:rPr lang="en-US" dirty="0" smtClean="0"/>
-              <a:t>of returned values and call corresponding Get function (e.g. </a:t>
-            </a:r>
-            <a:r>
-              <a:rPr lang="en-US" dirty="0" err="1" smtClean="0"/>
-              <a:t>GetIntData</a:t>
-            </a:r>
-            <a:r>
-              <a:rPr lang="en-US" dirty="0" smtClean="0"/>
-              <a:t>), get </a:t>
-            </a:r>
-            <a:r>
-              <a:rPr lang="en-US" dirty="0" smtClean="0"/>
-              <a:t>Vector (e.g. </a:t>
-            </a:r>
-            <a:r>
-              <a:rPr lang="en-US" dirty="0" err="1" smtClean="0"/>
-              <a:t>IntVec</a:t>
-            </a:r>
-            <a:r>
-              <a:rPr lang="en-US" dirty="0" smtClean="0"/>
-              <a:t>). Loop over vector and call  </a:t>
-            </a:r>
-            <a:r>
-              <a:rPr lang="en-US" dirty="0" err="1" smtClean="0"/>
-              <a:t>GetAt</a:t>
-            </a:r>
-            <a:r>
-              <a:rPr lang="en-US" dirty="0" smtClean="0"/>
-              <a:t> with index and get all necessary values.</a:t>
-            </a:r>
+              <a:t>Loader</a:t>
+            </a:r>
+            <a:r>
+              <a:rPr lang="hy-AM" dirty="0" smtClean="0"/>
+              <a:t>-ը պահանջվող տվյալները ֆայլից ստանում և փոխանցում է </a:t>
+            </a:r>
+            <a:r>
+              <a:rPr lang="en-US" dirty="0" err="1"/>
+              <a:t>DataStore</a:t>
+            </a:r>
+            <a:r>
+              <a:rPr lang="hy-AM" dirty="0"/>
+              <a:t> </a:t>
+            </a:r>
+            <a:r>
+              <a:rPr lang="hy-AM" dirty="0" smtClean="0"/>
+              <a:t>–ին</a:t>
+            </a:r>
+            <a:r>
+              <a:rPr lang="ru-RU" dirty="0" smtClean="0"/>
+              <a:t>)</a:t>
+            </a:r>
+            <a:r>
+              <a:rPr lang="hy-AM" dirty="0" smtClean="0"/>
+              <a:t>։ </a:t>
+            </a:r>
+            <a:endParaRPr lang="en-US" dirty="0" smtClean="0"/>
+          </a:p>
+          <a:p>
             <a:endParaRPr lang="en-US" dirty="0"/>
           </a:p>
         </p:txBody>
@@ -5783,7 +7742,7 @@
     </p:spTree>
     <p:extLst>
       <p:ext uri="{BB962C8B-B14F-4D97-AF65-F5344CB8AC3E}">
-        <p14:creationId xmlns:p14="http://schemas.microsoft.com/office/powerpoint/2010/main" val="3836321640"/>
+        <p14:creationId xmlns:p14="http://schemas.microsoft.com/office/powerpoint/2010/main" val="2708324341"/>
       </p:ext>
     </p:extLst>
   </p:cSld>

--- a/Doc/Architecture_slide.pptx
+++ b/Doc/Architecture_slide.pptx
@@ -259,7 +259,7 @@
           <a:p>
             <a:fld id="{48A87A34-81AB-432B-8DAE-1953F412C126}" type="datetimeFigureOut">
               <a:rPr lang="en-US" smtClean="0"/>
-              <a:t>12/7/2016</a:t>
+              <a:t>12/8/2016</a:t>
             </a:fld>
             <a:endParaRPr lang="en-US" dirty="0"/>
           </a:p>
@@ -427,7 +427,7 @@
           <a:p>
             <a:fld id="{48A87A34-81AB-432B-8DAE-1953F412C126}" type="datetimeFigureOut">
               <a:rPr lang="en-US" smtClean="0"/>
-              <a:t>12/7/2016</a:t>
+              <a:t>12/8/2016</a:t>
             </a:fld>
             <a:endParaRPr lang="en-US" dirty="0"/>
           </a:p>
@@ -605,7 +605,7 @@
           <a:p>
             <a:fld id="{48A87A34-81AB-432B-8DAE-1953F412C126}" type="datetimeFigureOut">
               <a:rPr lang="en-US" smtClean="0"/>
-              <a:t>12/7/2016</a:t>
+              <a:t>12/8/2016</a:t>
             </a:fld>
             <a:endParaRPr lang="en-US" dirty="0"/>
           </a:p>
@@ -773,7 +773,7 @@
           <a:p>
             <a:fld id="{48A87A34-81AB-432B-8DAE-1953F412C126}" type="datetimeFigureOut">
               <a:rPr lang="en-US" smtClean="0"/>
-              <a:t>12/7/2016</a:t>
+              <a:t>12/8/2016</a:t>
             </a:fld>
             <a:endParaRPr lang="en-US" dirty="0"/>
           </a:p>
@@ -1018,7 +1018,7 @@
           <a:p>
             <a:fld id="{48A87A34-81AB-432B-8DAE-1953F412C126}" type="datetimeFigureOut">
               <a:rPr lang="en-US" smtClean="0"/>
-              <a:t>12/7/2016</a:t>
+              <a:t>12/8/2016</a:t>
             </a:fld>
             <a:endParaRPr lang="en-US" dirty="0"/>
           </a:p>
@@ -1247,7 +1247,7 @@
           <a:p>
             <a:fld id="{48A87A34-81AB-432B-8DAE-1953F412C126}" type="datetimeFigureOut">
               <a:rPr lang="en-US" smtClean="0"/>
-              <a:t>12/7/2016</a:t>
+              <a:t>12/8/2016</a:t>
             </a:fld>
             <a:endParaRPr lang="en-US" dirty="0"/>
           </a:p>
@@ -1611,7 +1611,7 @@
           <a:p>
             <a:fld id="{48A87A34-81AB-432B-8DAE-1953F412C126}" type="datetimeFigureOut">
               <a:rPr lang="en-US" smtClean="0"/>
-              <a:t>12/7/2016</a:t>
+              <a:t>12/8/2016</a:t>
             </a:fld>
             <a:endParaRPr lang="en-US" dirty="0"/>
           </a:p>
@@ -1728,7 +1728,7 @@
           <a:p>
             <a:fld id="{48A87A34-81AB-432B-8DAE-1953F412C126}" type="datetimeFigureOut">
               <a:rPr lang="en-US" smtClean="0"/>
-              <a:t>12/7/2016</a:t>
+              <a:t>12/8/2016</a:t>
             </a:fld>
             <a:endParaRPr lang="en-US" dirty="0"/>
           </a:p>
@@ -1823,7 +1823,7 @@
           <a:p>
             <a:fld id="{48A87A34-81AB-432B-8DAE-1953F412C126}" type="datetimeFigureOut">
               <a:rPr lang="en-US" smtClean="0"/>
-              <a:t>12/7/2016</a:t>
+              <a:t>12/8/2016</a:t>
             </a:fld>
             <a:endParaRPr lang="en-US" dirty="0"/>
           </a:p>
@@ -2098,7 +2098,7 @@
           <a:p>
             <a:fld id="{48A87A34-81AB-432B-8DAE-1953F412C126}" type="datetimeFigureOut">
               <a:rPr lang="en-US" smtClean="0"/>
-              <a:t>12/7/2016</a:t>
+              <a:t>12/8/2016</a:t>
             </a:fld>
             <a:endParaRPr lang="en-US" dirty="0"/>
           </a:p>
@@ -2350,7 +2350,7 @@
           <a:p>
             <a:fld id="{48A87A34-81AB-432B-8DAE-1953F412C126}" type="datetimeFigureOut">
               <a:rPr lang="en-US" smtClean="0"/>
-              <a:t>12/7/2016</a:t>
+              <a:t>12/8/2016</a:t>
             </a:fld>
             <a:endParaRPr lang="en-US" dirty="0"/>
           </a:p>
@@ -2562,7 +2562,7 @@
             <a:fld id="{48A87A34-81AB-432B-8DAE-1953F412C126}" type="datetimeFigureOut">
               <a:rPr lang="en-US" smtClean="0"/>
               <a:pPr/>
-              <a:t>12/7/2016</a:t>
+              <a:t>12/8/2016</a:t>
             </a:fld>
             <a:endParaRPr lang="en-US" dirty="0"/>
           </a:p>
@@ -5636,15 +5636,7 @@
             </a:r>
             <a:r>
               <a:rPr lang="hy-AM" dirty="0" smtClean="0"/>
-              <a:t>Պարզվում է </a:t>
-            </a:r>
-            <a:r>
-              <a:rPr lang="hy-AM" dirty="0" smtClean="0"/>
-              <a:t>վերադարձված </a:t>
-            </a:r>
-            <a:r>
-              <a:rPr lang="hy-AM" dirty="0" smtClean="0"/>
-              <a:t>արժեքների տիպը և ըստ այդ տիպի կանչվում է համապատասխան</a:t>
+              <a:t>Պարզվում է վերադարձված արժեքների տիպը և ըստ այդ տիպի կանչվում է համապատասխան</a:t>
             </a:r>
             <a:r>
               <a:rPr lang="en-US" dirty="0" smtClean="0"/>
@@ -7525,8 +7517,8 @@
           <p:nvPr/>
         </p:nvSpPr>
         <p:spPr>
-          <a:xfrm rot="20003628">
-            <a:off x="5832509" y="3449027"/>
+          <a:xfrm rot="20443626">
+            <a:off x="5832509" y="3345117"/>
             <a:ext cx="1580474" cy="507431"/>
           </a:xfrm>
           <a:prstGeom prst="rightArrow">
@@ -7735,6 +7727,82 @@
             <a:endParaRPr lang="en-US" dirty="0" smtClean="0"/>
           </a:p>
           <a:p>
+            <a:endParaRPr lang="en-US" dirty="0"/>
+          </a:p>
+        </p:txBody>
+      </p:sp>
+      <p:sp>
+        <p:nvSpPr>
+          <p:cNvPr id="15" name="Right Arrow 14"/>
+          <p:cNvSpPr/>
+          <p:nvPr/>
+        </p:nvSpPr>
+        <p:spPr>
+          <a:xfrm rot="9534552">
+            <a:off x="5984909" y="3767683"/>
+            <a:ext cx="1580474" cy="507431"/>
+          </a:xfrm>
+          <a:prstGeom prst="rightArrow">
+            <a:avLst/>
+          </a:prstGeom>
+        </p:spPr>
+        <p:style>
+          <a:lnRef idx="1">
+            <a:schemeClr val="accent1"/>
+          </a:lnRef>
+          <a:fillRef idx="2">
+            <a:schemeClr val="accent1"/>
+          </a:fillRef>
+          <a:effectRef idx="1">
+            <a:schemeClr val="accent1"/>
+          </a:effectRef>
+          <a:fontRef idx="minor">
+            <a:schemeClr val="dk1"/>
+          </a:fontRef>
+        </p:style>
+        <p:txBody>
+          <a:bodyPr rtlCol="0" anchor="t"/>
+          <a:lstStyle/>
+          <a:p>
+            <a:pPr algn="ctr"/>
+            <a:endParaRPr lang="en-US" dirty="0"/>
+          </a:p>
+        </p:txBody>
+      </p:sp>
+      <p:sp>
+        <p:nvSpPr>
+          <p:cNvPr id="16" name="Right Arrow 15"/>
+          <p:cNvSpPr/>
+          <p:nvPr/>
+        </p:nvSpPr>
+        <p:spPr>
+          <a:xfrm rot="1362756">
+            <a:off x="2839727" y="3143047"/>
+            <a:ext cx="1580474" cy="507431"/>
+          </a:xfrm>
+          <a:prstGeom prst="rightArrow">
+            <a:avLst/>
+          </a:prstGeom>
+        </p:spPr>
+        <p:style>
+          <a:lnRef idx="1">
+            <a:schemeClr val="accent1"/>
+          </a:lnRef>
+          <a:fillRef idx="2">
+            <a:schemeClr val="accent1"/>
+          </a:fillRef>
+          <a:effectRef idx="1">
+            <a:schemeClr val="accent1"/>
+          </a:effectRef>
+          <a:fontRef idx="minor">
+            <a:schemeClr val="dk1"/>
+          </a:fontRef>
+        </p:style>
+        <p:txBody>
+          <a:bodyPr rtlCol="0" anchor="t"/>
+          <a:lstStyle/>
+          <a:p>
+            <a:pPr algn="ctr"/>
             <a:endParaRPr lang="en-US" dirty="0"/>
           </a:p>
         </p:txBody>

--- a/Doc/Architecture_slide.pptx
+++ b/Doc/Architecture_slide.pptx
@@ -259,7 +259,7 @@
           <a:p>
             <a:fld id="{48A87A34-81AB-432B-8DAE-1953F412C126}" type="datetimeFigureOut">
               <a:rPr lang="en-US" smtClean="0"/>
-              <a:t>12/8/2016</a:t>
+              <a:t>12/20/2016</a:t>
             </a:fld>
             <a:endParaRPr lang="en-US" dirty="0"/>
           </a:p>
@@ -427,7 +427,7 @@
           <a:p>
             <a:fld id="{48A87A34-81AB-432B-8DAE-1953F412C126}" type="datetimeFigureOut">
               <a:rPr lang="en-US" smtClean="0"/>
-              <a:t>12/8/2016</a:t>
+              <a:t>12/20/2016</a:t>
             </a:fld>
             <a:endParaRPr lang="en-US" dirty="0"/>
           </a:p>
@@ -605,7 +605,7 @@
           <a:p>
             <a:fld id="{48A87A34-81AB-432B-8DAE-1953F412C126}" type="datetimeFigureOut">
               <a:rPr lang="en-US" smtClean="0"/>
-              <a:t>12/8/2016</a:t>
+              <a:t>12/20/2016</a:t>
             </a:fld>
             <a:endParaRPr lang="en-US" dirty="0"/>
           </a:p>
@@ -773,7 +773,7 @@
           <a:p>
             <a:fld id="{48A87A34-81AB-432B-8DAE-1953F412C126}" type="datetimeFigureOut">
               <a:rPr lang="en-US" smtClean="0"/>
-              <a:t>12/8/2016</a:t>
+              <a:t>12/20/2016</a:t>
             </a:fld>
             <a:endParaRPr lang="en-US" dirty="0"/>
           </a:p>
@@ -1018,7 +1018,7 @@
           <a:p>
             <a:fld id="{48A87A34-81AB-432B-8DAE-1953F412C126}" type="datetimeFigureOut">
               <a:rPr lang="en-US" smtClean="0"/>
-              <a:t>12/8/2016</a:t>
+              <a:t>12/20/2016</a:t>
             </a:fld>
             <a:endParaRPr lang="en-US" dirty="0"/>
           </a:p>
@@ -1247,7 +1247,7 @@
           <a:p>
             <a:fld id="{48A87A34-81AB-432B-8DAE-1953F412C126}" type="datetimeFigureOut">
               <a:rPr lang="en-US" smtClean="0"/>
-              <a:t>12/8/2016</a:t>
+              <a:t>12/20/2016</a:t>
             </a:fld>
             <a:endParaRPr lang="en-US" dirty="0"/>
           </a:p>
@@ -1611,7 +1611,7 @@
           <a:p>
             <a:fld id="{48A87A34-81AB-432B-8DAE-1953F412C126}" type="datetimeFigureOut">
               <a:rPr lang="en-US" smtClean="0"/>
-              <a:t>12/8/2016</a:t>
+              <a:t>12/20/2016</a:t>
             </a:fld>
             <a:endParaRPr lang="en-US" dirty="0"/>
           </a:p>
@@ -1728,7 +1728,7 @@
           <a:p>
             <a:fld id="{48A87A34-81AB-432B-8DAE-1953F412C126}" type="datetimeFigureOut">
               <a:rPr lang="en-US" smtClean="0"/>
-              <a:t>12/8/2016</a:t>
+              <a:t>12/20/2016</a:t>
             </a:fld>
             <a:endParaRPr lang="en-US" dirty="0"/>
           </a:p>
@@ -1823,7 +1823,7 @@
           <a:p>
             <a:fld id="{48A87A34-81AB-432B-8DAE-1953F412C126}" type="datetimeFigureOut">
               <a:rPr lang="en-US" smtClean="0"/>
-              <a:t>12/8/2016</a:t>
+              <a:t>12/20/2016</a:t>
             </a:fld>
             <a:endParaRPr lang="en-US" dirty="0"/>
           </a:p>
@@ -2098,7 +2098,7 @@
           <a:p>
             <a:fld id="{48A87A34-81AB-432B-8DAE-1953F412C126}" type="datetimeFigureOut">
               <a:rPr lang="en-US" smtClean="0"/>
-              <a:t>12/8/2016</a:t>
+              <a:t>12/20/2016</a:t>
             </a:fld>
             <a:endParaRPr lang="en-US" dirty="0"/>
           </a:p>
@@ -2350,7 +2350,7 @@
           <a:p>
             <a:fld id="{48A87A34-81AB-432B-8DAE-1953F412C126}" type="datetimeFigureOut">
               <a:rPr lang="en-US" smtClean="0"/>
-              <a:t>12/8/2016</a:t>
+              <a:t>12/20/2016</a:t>
             </a:fld>
             <a:endParaRPr lang="en-US" dirty="0"/>
           </a:p>
@@ -2562,7 +2562,7 @@
             <a:fld id="{48A87A34-81AB-432B-8DAE-1953F412C126}" type="datetimeFigureOut">
               <a:rPr lang="en-US" smtClean="0"/>
               <a:pPr/>
-              <a:t>12/8/2016</a:t>
+              <a:t>12/20/2016</a:t>
             </a:fld>
             <a:endParaRPr lang="en-US" dirty="0"/>
           </a:p>
@@ -3147,24 +3147,20 @@
               <a:t> </a:t>
             </a:r>
             <a:r>
-              <a:rPr lang="en-US" dirty="0" err="1" smtClean="0"/>
+              <a:rPr lang="en-US" dirty="0" err="1"/>
               <a:t>աշախատ</a:t>
             </a:r>
             <a:r>
-              <a:rPr lang="hy-AM" dirty="0" smtClean="0"/>
+              <a:rPr lang="hy-AM" dirty="0"/>
               <a:t>ե</a:t>
             </a:r>
             <a:r>
-              <a:rPr lang="en-US" dirty="0" err="1" smtClean="0"/>
+              <a:rPr lang="en-US" dirty="0" err="1"/>
               <a:t>ցնելիս</a:t>
             </a:r>
             <a:r>
-              <a:rPr lang="en-US" dirty="0" smtClean="0"/>
-              <a:t> </a:t>
-            </a:r>
-            <a:r>
-              <a:rPr lang="en-US" dirty="0"/>
-              <a:t>Data Directory – </a:t>
+              <a:rPr lang="en-US" dirty="0"/>
+              <a:t> Data Directory – </a:t>
             </a:r>
             <a:r>
               <a:rPr lang="en-US" dirty="0" err="1"/>
@@ -3230,13 +3226,6 @@
   <p:clrMapOvr>
     <a:masterClrMapping/>
   </p:clrMapOvr>
-  <p:timing>
-    <p:tnLst>
-      <p:par>
-        <p:cTn id="1" dur="indefinite" restart="never" nodeType="tmRoot"/>
-      </p:par>
-    </p:tnLst>
-  </p:timing>
 </p:sld>
 </file>
 
@@ -3544,15 +3533,15 @@
               <a:t> </a:t>
             </a:r>
             <a:r>
-              <a:rPr lang="hy-AM" dirty="0" smtClean="0"/>
+              <a:rPr lang="hy-AM" dirty="0"/>
               <a:t>է </a:t>
             </a:r>
             <a:r>
-              <a:rPr lang="en-US" dirty="0" err="1" smtClean="0"/>
+              <a:rPr lang="en-US" dirty="0" err="1"/>
               <a:t>արտապատկերում</a:t>
             </a:r>
             <a:r>
-              <a:rPr lang="en-US" dirty="0" smtClean="0"/>
+              <a:rPr lang="en-US" dirty="0"/>
               <a:t> </a:t>
             </a:r>
             <a:r>
@@ -3624,13 +3613,6 @@
   <p:clrMapOvr>
     <a:masterClrMapping/>
   </p:clrMapOvr>
-  <p:timing>
-    <p:tnLst>
-      <p:par>
-        <p:cTn id="1" dur="indefinite" restart="never" nodeType="tmRoot"/>
-      </p:par>
-    </p:tnLst>
-  </p:timing>
 </p:sld>
 </file>
 
@@ -3702,15 +3684,15 @@
               <a:t>, </a:t>
             </a:r>
             <a:r>
-              <a:rPr lang="hy-AM" dirty="0" smtClean="0"/>
-              <a:t> </a:t>
-            </a:r>
-            <a:r>
-              <a:rPr lang="en-US" dirty="0" err="1" smtClean="0"/>
+              <a:rPr lang="hy-AM" dirty="0"/>
+              <a:t> </a:t>
+            </a:r>
+            <a:r>
+              <a:rPr lang="en-US" dirty="0" err="1"/>
               <a:t>օգտագործվողին</a:t>
             </a:r>
             <a:r>
-              <a:rPr lang="en-US" dirty="0" smtClean="0"/>
+              <a:rPr lang="en-US" dirty="0"/>
               <a:t> </a:t>
             </a:r>
             <a:r>
@@ -3722,11 +3704,11 @@
               <a:t> </a:t>
             </a:r>
             <a:r>
-              <a:rPr lang="hy-AM" dirty="0" smtClean="0"/>
+              <a:rPr lang="hy-AM" dirty="0"/>
               <a:t>բոլոր </a:t>
             </a:r>
             <a:r>
-              <a:rPr lang="en-US" dirty="0" err="1" smtClean="0"/>
+              <a:rPr lang="en-US" dirty="0" err="1"/>
               <a:t>տարբերակները</a:t>
             </a:r>
             <a:r>
@@ -3750,15 +3732,15 @@
               <a:t> </a:t>
             </a:r>
             <a:r>
-              <a:rPr lang="hy-AM" dirty="0" smtClean="0"/>
-              <a:t> </a:t>
-            </a:r>
-            <a:r>
-              <a:rPr lang="en-US" dirty="0" err="1" smtClean="0"/>
+              <a:rPr lang="hy-AM" dirty="0"/>
+              <a:t> </a:t>
+            </a:r>
+            <a:r>
+              <a:rPr lang="en-US" dirty="0" err="1"/>
               <a:t>ցույց</a:t>
             </a:r>
             <a:r>
-              <a:rPr lang="en-US" dirty="0" smtClean="0"/>
+              <a:rPr lang="en-US" dirty="0"/>
               <a:t> </a:t>
             </a:r>
             <a:r>
@@ -4089,13 +4071,6 @@
   <p:clrMapOvr>
     <a:masterClrMapping/>
   </p:clrMapOvr>
-  <p:timing>
-    <p:tnLst>
-      <p:par>
-        <p:cTn id="1" dur="indefinite" restart="never" nodeType="tmRoot"/>
-      </p:par>
-    </p:tnLst>
-  </p:timing>
 </p:sld>
 </file>
 
@@ -4143,11 +4118,11 @@
               <a:t>Configuration Manager – </a:t>
             </a:r>
             <a:r>
-              <a:rPr lang="hy-AM" dirty="0" smtClean="0"/>
+              <a:rPr lang="hy-AM" dirty="0"/>
               <a:t>ը</a:t>
             </a:r>
             <a:r>
-              <a:rPr lang="en-US" dirty="0" smtClean="0"/>
+              <a:rPr lang="en-US" dirty="0"/>
               <a:t> </a:t>
             </a:r>
             <a:r>
@@ -4648,13 +4623,6 @@
   <p:clrMapOvr>
     <a:masterClrMapping/>
   </p:clrMapOvr>
-  <p:timing>
-    <p:tnLst>
-      <p:par>
-        <p:cTn id="1" dur="indefinite" restart="never" nodeType="tmRoot"/>
-      </p:par>
-    </p:tnLst>
-  </p:timing>
 </p:sld>
 </file>
 
@@ -4684,9 +4652,9 @@
         <p:grpSpPr>
           <a:xfrm>
             <a:off x="170566" y="423010"/>
-            <a:ext cx="7513116" cy="5170188"/>
+            <a:ext cx="7513116" cy="5401770"/>
             <a:chOff x="620950" y="423010"/>
-            <a:chExt cx="7513116" cy="5170188"/>
+            <a:chExt cx="7513116" cy="5401770"/>
           </a:xfrm>
         </p:grpSpPr>
         <p:sp>
@@ -4739,9 +4707,9 @@
           <p:grpSpPr>
             <a:xfrm>
               <a:off x="620950" y="1329585"/>
-              <a:ext cx="7513116" cy="4263613"/>
+              <a:ext cx="7513116" cy="4495195"/>
               <a:chOff x="620950" y="1329585"/>
-              <a:chExt cx="7513116" cy="4263613"/>
+              <a:chExt cx="7513116" cy="4495195"/>
             </a:xfrm>
           </p:grpSpPr>
           <p:sp>
@@ -4989,7 +4957,7 @@
             <p:nvCxnSpPr>
               <p:cNvPr id="19" name="Straight Arrow Connector 18"/>
               <p:cNvCxnSpPr>
-                <a:stCxn id="20" idx="0"/>
+                <a:stCxn id="2" idx="0"/>
                 <a:endCxn id="5" idx="4"/>
               </p:cNvCxnSpPr>
               <p:nvPr/>
@@ -4997,7 +4965,7 @@
             <p:spPr>
               <a:xfrm flipH="1" flipV="1">
                 <a:off x="6353033" y="3275463"/>
-                <a:ext cx="1057168" cy="1638926"/>
+                <a:ext cx="988997" cy="1471209"/>
               </a:xfrm>
               <a:prstGeom prst="straightConnector1">
                 <a:avLst/>
@@ -5029,7 +4997,7 @@
             </p:nvSpPr>
             <p:spPr>
               <a:xfrm>
-                <a:off x="7077694" y="4914389"/>
+                <a:off x="7009523" y="5455448"/>
                 <a:ext cx="665013" cy="369332"/>
               </a:xfrm>
               <a:prstGeom prst="rect">
@@ -5103,11 +5071,11 @@
               <a:t> է analyses dialog-ը, </a:t>
             </a:r>
             <a:r>
-              <a:rPr lang="en-US" dirty="0" err="1" smtClean="0"/>
+              <a:rPr lang="en-US" dirty="0" err="1"/>
               <a:t>ըստ</a:t>
             </a:r>
             <a:r>
-              <a:rPr lang="en-US" dirty="0" smtClean="0"/>
+              <a:rPr lang="en-US" dirty="0"/>
               <a:t> </a:t>
             </a:r>
             <a:r>
@@ -5119,20 +5087,16 @@
               <a:t> </a:t>
             </a:r>
             <a:r>
-              <a:rPr lang="hy-AM" dirty="0" smtClean="0"/>
+              <a:rPr lang="hy-AM" dirty="0"/>
               <a:t>ընտության </a:t>
             </a:r>
             <a:r>
-              <a:rPr lang="en-US" dirty="0" err="1" smtClean="0"/>
+              <a:rPr lang="en-US" dirty="0" err="1"/>
               <a:t>կատարում</a:t>
             </a:r>
             <a:r>
-              <a:rPr lang="en-US" dirty="0" smtClean="0"/>
-              <a:t> </a:t>
-            </a:r>
-            <a:r>
-              <a:rPr lang="en-US" dirty="0"/>
-              <a:t>է </a:t>
+              <a:rPr lang="en-US" dirty="0"/>
+              <a:t> է </a:t>
             </a:r>
             <a:r>
               <a:rPr lang="en-US" dirty="0" err="1"/>
@@ -5175,15 +5139,15 @@
               <a:t> է RUN </a:t>
             </a:r>
             <a:r>
-              <a:rPr lang="en-US" dirty="0" err="1" smtClean="0"/>
+              <a:rPr lang="en-US" dirty="0" err="1"/>
               <a:t>ֆունկցիա</a:t>
             </a:r>
             <a:r>
-              <a:rPr lang="hy-AM" dirty="0" smtClean="0"/>
+              <a:rPr lang="hy-AM" dirty="0"/>
               <a:t>,</a:t>
             </a:r>
             <a:r>
-              <a:rPr lang="en-US" dirty="0" smtClean="0"/>
+              <a:rPr lang="en-US" dirty="0"/>
               <a:t> </a:t>
             </a:r>
             <a:r>
@@ -5245,6 +5209,29 @@
           </a:p>
         </p:txBody>
       </p:sp>
+      <p:pic>
+        <p:nvPicPr>
+          <p:cNvPr id="2" name="Picture 1"/>
+          <p:cNvPicPr>
+            <a:picLocks noChangeAspect="1"/>
+          </p:cNvPicPr>
+          <p:nvPr/>
+        </p:nvPicPr>
+        <p:blipFill rotWithShape="1">
+          <a:blip r:embed="rId2"/>
+          <a:srcRect l="56042" t="33985" r="23958" b="16146"/>
+          <a:stretch/>
+        </p:blipFill>
+        <p:spPr>
+          <a:xfrm>
+            <a:off x="6538343" y="4746672"/>
+            <a:ext cx="706606" cy="704766"/>
+          </a:xfrm>
+          <a:prstGeom prst="rect">
+            <a:avLst/>
+          </a:prstGeom>
+        </p:spPr>
+      </p:pic>
     </p:spTree>
     <p:extLst>
       <p:ext uri="{BB962C8B-B14F-4D97-AF65-F5344CB8AC3E}">
@@ -5255,13 +5242,6 @@
   <p:clrMapOvr>
     <a:masterClrMapping/>
   </p:clrMapOvr>
-  <p:timing>
-    <p:tnLst>
-      <p:par>
-        <p:cTn id="1" dur="indefinite" restart="never" nodeType="tmRoot"/>
-      </p:par>
-    </p:tnLst>
-  </p:timing>
 </p:sld>
 </file>
 
@@ -5377,20 +5357,16 @@
               <a:t> և Configuration: </a:t>
             </a:r>
             <a:r>
-              <a:rPr lang="en-US" dirty="0" err="1" smtClean="0"/>
+              <a:rPr lang="en-US" dirty="0" err="1"/>
               <a:t>Յուրաքանչյու</a:t>
             </a:r>
             <a:r>
-              <a:rPr lang="hy-AM" dirty="0" smtClean="0"/>
+              <a:rPr lang="hy-AM" dirty="0"/>
               <a:t>ր</a:t>
             </a:r>
             <a:r>
-              <a:rPr lang="en-US" dirty="0" smtClean="0"/>
-              <a:t> </a:t>
-            </a:r>
-            <a:r>
-              <a:rPr lang="en-US" dirty="0"/>
-              <a:t>Analysis module  </a:t>
+              <a:rPr lang="en-US" dirty="0"/>
+              <a:t> Analysis module  </a:t>
             </a:r>
             <a:r>
               <a:rPr lang="en-US" dirty="0" err="1"/>
@@ -5441,11 +5417,11 @@
               <a:t> </a:t>
             </a:r>
             <a:r>
-              <a:rPr lang="en-US" dirty="0" err="1" smtClean="0"/>
+              <a:rPr lang="en-US" dirty="0" err="1"/>
               <a:t>կսկսի</a:t>
             </a:r>
             <a:r>
-              <a:rPr lang="en-US" dirty="0" smtClean="0"/>
+              <a:rPr lang="en-US" dirty="0"/>
               <a:t> </a:t>
             </a:r>
             <a:r>
@@ -5457,15 +5433,15 @@
               <a:t>, </a:t>
             </a:r>
             <a:r>
-              <a:rPr lang="hy-AM" dirty="0" smtClean="0"/>
+              <a:rPr lang="hy-AM" dirty="0"/>
               <a:t>որոշակի </a:t>
             </a:r>
             <a:r>
-              <a:rPr lang="en-US" dirty="0" err="1" smtClean="0"/>
+              <a:rPr lang="en-US" dirty="0" err="1"/>
               <a:t>գործողություններ</a:t>
             </a:r>
             <a:r>
-              <a:rPr lang="en-US" dirty="0" smtClean="0"/>
+              <a:rPr lang="en-US" dirty="0"/>
               <a:t> </a:t>
             </a:r>
             <a:r>
@@ -5499,23 +5475,23 @@
               <a:t> է </a:t>
             </a:r>
             <a:r>
-              <a:rPr lang="en-US" dirty="0" err="1" smtClean="0"/>
+              <a:rPr lang="en-US" dirty="0" err="1"/>
               <a:t>GetData</a:t>
             </a:r>
             <a:r>
-              <a:rPr lang="hy-AM" dirty="0" smtClean="0"/>
+              <a:rPr lang="hy-AM" dirty="0"/>
               <a:t>՝</a:t>
             </a:r>
             <a:r>
-              <a:rPr lang="en-US" dirty="0" smtClean="0"/>
-              <a:t> </a:t>
-            </a:r>
-            <a:r>
-              <a:rPr lang="en-US" dirty="0" err="1" smtClean="0"/>
+              <a:rPr lang="en-US" dirty="0"/>
+              <a:t> </a:t>
+            </a:r>
+            <a:r>
+              <a:rPr lang="en-US" dirty="0" err="1"/>
               <a:t>դաշտերի</a:t>
             </a:r>
             <a:r>
-              <a:rPr lang="en-US" dirty="0" smtClean="0"/>
+              <a:rPr lang="en-US" dirty="0"/>
               <a:t> </a:t>
             </a:r>
             <a:r>
@@ -5567,35 +5543,35 @@
               <a:t>), </a:t>
             </a:r>
             <a:r>
-              <a:rPr lang="en-US" dirty="0" err="1" smtClean="0"/>
+              <a:rPr lang="en-US" dirty="0" err="1"/>
               <a:t>GetData</a:t>
             </a:r>
             <a:r>
-              <a:rPr lang="hy-AM" dirty="0" smtClean="0"/>
+              <a:rPr lang="hy-AM" dirty="0"/>
               <a:t>-ն վերադարձնում է </a:t>
             </a:r>
             <a:r>
-              <a:rPr lang="en-US" dirty="0" err="1" smtClean="0"/>
+              <a:rPr lang="en-US" dirty="0" err="1"/>
               <a:t>FieldCollection</a:t>
             </a:r>
             <a:r>
-              <a:rPr lang="hy-AM" dirty="0" smtClean="0"/>
+              <a:rPr lang="hy-AM" dirty="0"/>
               <a:t>։ Յուրաքանչյուր </a:t>
             </a:r>
             <a:r>
-              <a:rPr lang="en-US" dirty="0" smtClean="0"/>
+              <a:rPr lang="en-US" dirty="0"/>
               <a:t>field</a:t>
             </a:r>
             <a:r>
-              <a:rPr lang="hy-AM" dirty="0" smtClean="0"/>
+              <a:rPr lang="hy-AM" dirty="0"/>
               <a:t>-ի</a:t>
             </a:r>
             <a:r>
-              <a:rPr lang="en-US" dirty="0" smtClean="0"/>
-              <a:t> </a:t>
-            </a:r>
-            <a:r>
-              <a:rPr lang="hy-AM" dirty="0" smtClean="0"/>
+              <a:rPr lang="en-US" dirty="0"/>
+              <a:t> </a:t>
+            </a:r>
+            <a:r>
+              <a:rPr lang="hy-AM" dirty="0"/>
               <a:t>համար </a:t>
             </a:r>
             <a:r>
@@ -5607,23 +5583,19 @@
               <a:t> </a:t>
             </a:r>
             <a:r>
-              <a:rPr lang="hy-AM" dirty="0" smtClean="0"/>
+              <a:rPr lang="hy-AM" dirty="0"/>
               <a:t>–ից կանչվում է </a:t>
             </a:r>
             <a:r>
-              <a:rPr lang="en-US" dirty="0" err="1" smtClean="0"/>
+              <a:rPr lang="en-US" dirty="0" err="1"/>
               <a:t>GetFieldData</a:t>
             </a:r>
             <a:r>
               <a:rPr lang="hy-AM" dirty="0"/>
-              <a:t> </a:t>
-            </a:r>
-            <a:r>
-              <a:rPr lang="hy-AM" dirty="0" smtClean="0"/>
-              <a:t>ֆունկցիան, որի արդյուքում ստացվում է</a:t>
-            </a:r>
-            <a:r>
-              <a:rPr lang="en-US" dirty="0" smtClean="0"/>
+              <a:t> ֆունկցիան, որի արդյուքում ստացվում է</a:t>
+            </a:r>
+            <a:r>
+              <a:rPr lang="en-US" dirty="0"/>
               <a:t> </a:t>
             </a:r>
             <a:r>
@@ -5635,59 +5607,51 @@
               <a:t>. </a:t>
             </a:r>
             <a:r>
-              <a:rPr lang="hy-AM" dirty="0" smtClean="0"/>
+              <a:rPr lang="hy-AM" dirty="0"/>
               <a:t>Պարզվում է վերադարձված արժեքների տիպը և ըստ այդ տիպի կանչվում է համապատասխան</a:t>
             </a:r>
             <a:r>
-              <a:rPr lang="en-US" dirty="0" smtClean="0"/>
-              <a:t> </a:t>
-            </a:r>
-            <a:r>
-              <a:rPr lang="en-US" dirty="0"/>
-              <a:t>Get </a:t>
-            </a:r>
-            <a:r>
-              <a:rPr lang="hy-AM" dirty="0" smtClean="0"/>
+              <a:rPr lang="en-US" dirty="0"/>
+              <a:t> Get </a:t>
+            </a:r>
+            <a:r>
+              <a:rPr lang="hy-AM" dirty="0"/>
               <a:t>ֆունկցիան</a:t>
             </a:r>
             <a:r>
-              <a:rPr lang="en-US" dirty="0" smtClean="0"/>
+              <a:rPr lang="en-US" dirty="0"/>
               <a:t> (</a:t>
             </a:r>
             <a:r>
-              <a:rPr lang="hy-AM" dirty="0" smtClean="0"/>
+              <a:rPr lang="hy-AM" dirty="0"/>
               <a:t>օրինակ</a:t>
             </a:r>
             <a:r>
-              <a:rPr lang="en-US" dirty="0" smtClean="0"/>
-              <a:t> </a:t>
-            </a:r>
-            <a:r>
-              <a:rPr lang="en-US" dirty="0" err="1" smtClean="0"/>
+              <a:rPr lang="en-US" dirty="0"/>
+              <a:t> </a:t>
+            </a:r>
+            <a:r>
+              <a:rPr lang="en-US" dirty="0" err="1"/>
               <a:t>GetIntData</a:t>
             </a:r>
             <a:r>
-              <a:rPr lang="en-US" dirty="0" smtClean="0"/>
+              <a:rPr lang="en-US" dirty="0"/>
               <a:t>)</a:t>
             </a:r>
             <a:r>
               <a:rPr lang="hy-AM" dirty="0"/>
-              <a:t> </a:t>
-            </a:r>
-            <a:r>
-              <a:rPr lang="hy-AM" dirty="0" smtClean="0"/>
-              <a:t>և ստացվում է </a:t>
-            </a:r>
-            <a:r>
-              <a:rPr lang="en-US" dirty="0" smtClean="0"/>
+              <a:t> և ստացվում է </a:t>
+            </a:r>
+            <a:r>
+              <a:rPr lang="en-US" dirty="0"/>
               <a:t>Vector (</a:t>
             </a:r>
             <a:r>
-              <a:rPr lang="hy-AM" dirty="0" smtClean="0"/>
+              <a:rPr lang="hy-AM" dirty="0"/>
               <a:t>օրնակ</a:t>
             </a:r>
             <a:r>
-              <a:rPr lang="en-US" dirty="0" smtClean="0"/>
+              <a:rPr lang="en-US" dirty="0"/>
               <a:t> </a:t>
             </a:r>
             <a:r>
@@ -5695,23 +5659,23 @@
               <a:t>IntVec</a:t>
             </a:r>
             <a:r>
-              <a:rPr lang="en-US" dirty="0" smtClean="0"/>
+              <a:rPr lang="en-US" dirty="0"/>
               <a:t>)</a:t>
             </a:r>
             <a:r>
-              <a:rPr lang="hy-AM" dirty="0" smtClean="0"/>
+              <a:rPr lang="hy-AM" dirty="0"/>
               <a:t>։ Ցիկլով անցնելով </a:t>
             </a:r>
             <a:r>
-              <a:rPr lang="en-US" dirty="0" smtClean="0"/>
+              <a:rPr lang="en-US" dirty="0"/>
               <a:t>vector</a:t>
             </a:r>
             <a:r>
-              <a:rPr lang="hy-AM" dirty="0" smtClean="0"/>
+              <a:rPr lang="hy-AM" dirty="0"/>
               <a:t>-ի վրայով</a:t>
             </a:r>
             <a:r>
-              <a:rPr lang="en-US" dirty="0" smtClean="0"/>
+              <a:rPr lang="en-US" dirty="0"/>
               <a:t>  </a:t>
             </a:r>
             <a:r>
@@ -5723,7 +5687,7 @@
               <a:t> </a:t>
             </a:r>
             <a:r>
-              <a:rPr lang="hy-AM" dirty="0" smtClean="0"/>
+              <a:rPr lang="hy-AM" dirty="0"/>
               <a:t> ֆունկցիան ըստ ինդեքսի կանչելով կստացվեն բոլոր արժեքները։</a:t>
             </a:r>
             <a:endParaRPr lang="en-US" dirty="0"/>
@@ -6575,13 +6539,6 @@
   <p:clrMapOvr>
     <a:masterClrMapping/>
   </p:clrMapOvr>
-  <p:timing>
-    <p:tnLst>
-      <p:par>
-        <p:cTn id="1" dur="indefinite" restart="never" nodeType="tmRoot"/>
-      </p:par>
-    </p:tnLst>
-  </p:timing>
 </p:sld>
 </file>
 
@@ -6747,11 +6704,11 @@
               <a:t> </a:t>
             </a:r>
             <a:r>
-              <a:rPr lang="en-US" dirty="0" err="1" smtClean="0"/>
+              <a:rPr lang="en-US" dirty="0" err="1"/>
               <a:t>ստանալու</a:t>
             </a:r>
             <a:r>
-              <a:rPr lang="en-US" dirty="0" smtClean="0"/>
+              <a:rPr lang="en-US" dirty="0"/>
               <a:t> </a:t>
             </a:r>
             <a:r>
@@ -6789,10 +6746,10 @@
         </p:nvGrpSpPr>
         <p:grpSpPr>
           <a:xfrm>
-            <a:off x="538433" y="395637"/>
-            <a:ext cx="10449688" cy="3007219"/>
-            <a:chOff x="538433" y="395637"/>
-            <a:chExt cx="10449688" cy="3007219"/>
+            <a:off x="220933" y="635001"/>
+            <a:ext cx="10767188" cy="2780555"/>
+            <a:chOff x="220933" y="622301"/>
+            <a:chExt cx="10767188" cy="2780555"/>
           </a:xfrm>
         </p:grpSpPr>
         <p:grpSp>
@@ -6803,10 +6760,10 @@
           </p:nvGrpSpPr>
           <p:grpSpPr>
             <a:xfrm>
-              <a:off x="5348515" y="395637"/>
-              <a:ext cx="5639606" cy="3007219"/>
-              <a:chOff x="5348515" y="395637"/>
-              <a:chExt cx="5639606" cy="3007219"/>
+              <a:off x="5348514" y="622301"/>
+              <a:ext cx="5639607" cy="2780555"/>
+              <a:chOff x="5348514" y="622301"/>
+              <a:chExt cx="5639607" cy="2780555"/>
             </a:xfrm>
           </p:grpSpPr>
           <p:sp>
@@ -6817,8 +6774,8 @@
             </p:nvSpPr>
             <p:spPr>
               <a:xfrm>
-                <a:off x="5348515" y="395637"/>
-                <a:ext cx="2511188" cy="1351129"/>
+                <a:off x="5348514" y="622301"/>
+                <a:ext cx="3046185" cy="1822966"/>
               </a:xfrm>
               <a:prstGeom prst="ellipse">
                 <a:avLst/>
@@ -6912,8 +6869,8 @@
           </p:nvSpPr>
           <p:spPr>
             <a:xfrm>
-              <a:off x="538433" y="611776"/>
-              <a:ext cx="2258005" cy="1170159"/>
+              <a:off x="220933" y="763088"/>
+              <a:ext cx="2637977" cy="1541391"/>
             </a:xfrm>
             <a:prstGeom prst="ellipse">
               <a:avLst/>
@@ -6953,7 +6910,7 @@
           </p:nvSpPr>
           <p:spPr>
             <a:xfrm>
-              <a:off x="3176411" y="908454"/>
+              <a:off x="3176411" y="832254"/>
               <a:ext cx="2080069" cy="507431"/>
             </a:xfrm>
             <a:prstGeom prst="rightArrow">
@@ -7006,8 +6963,8 @@
         </p:nvCxnSpPr>
         <p:spPr>
           <a:xfrm flipH="1" flipV="1">
-            <a:off x="7859703" y="1071202"/>
-            <a:ext cx="2057069" cy="1273953"/>
+            <a:off x="8394699" y="1546484"/>
+            <a:ext cx="1522073" cy="811371"/>
           </a:xfrm>
           <a:prstGeom prst="straightConnector1">
             <a:avLst/>
@@ -7031,6 +6988,52 @@
           </a:fontRef>
         </p:style>
       </p:cxnSp>
+      <p:sp>
+        <p:nvSpPr>
+          <p:cNvPr id="11" name="Right Arrow 10"/>
+          <p:cNvSpPr/>
+          <p:nvPr/>
+        </p:nvSpPr>
+        <p:spPr>
+          <a:xfrm>
+            <a:off x="3176410" y="1668204"/>
+            <a:ext cx="2080069" cy="507431"/>
+          </a:xfrm>
+          <a:prstGeom prst="rightArrow">
+            <a:avLst/>
+          </a:prstGeom>
+        </p:spPr>
+        <p:style>
+          <a:lnRef idx="1">
+            <a:schemeClr val="accent1"/>
+          </a:lnRef>
+          <a:fillRef idx="2">
+            <a:schemeClr val="accent1"/>
+          </a:fillRef>
+          <a:effectRef idx="1">
+            <a:schemeClr val="accent1"/>
+          </a:effectRef>
+          <a:fontRef idx="minor">
+            <a:schemeClr val="dk1"/>
+          </a:fontRef>
+        </p:style>
+        <p:txBody>
+          <a:bodyPr rtlCol="0" anchor="t"/>
+          <a:lstStyle/>
+          <a:p>
+            <a:pPr algn="ctr"/>
+            <a:r>
+              <a:rPr lang="en-US" sz="1400" dirty="0" err="1"/>
+              <a:t>SetDataDirectory</a:t>
+            </a:r>
+            <a:r>
+              <a:rPr lang="en-US" sz="1400" dirty="0"/>
+              <a:t>(…)</a:t>
+            </a:r>
+            <a:endParaRPr lang="en-US" dirty="0"/>
+          </a:p>
+        </p:txBody>
+      </p:sp>
     </p:spTree>
     <p:extLst>
       <p:ext uri="{BB962C8B-B14F-4D97-AF65-F5344CB8AC3E}">
@@ -7041,13 +7044,6 @@
   <p:clrMapOvr>
     <a:masterClrMapping/>
   </p:clrMapOvr>
-  <p:timing>
-    <p:tnLst>
-      <p:par>
-        <p:cTn id="1" dur="indefinite" restart="never" nodeType="tmRoot"/>
-      </p:par>
-    </p:tnLst>
-  </p:timing>
 </p:sld>
 </file>
 
@@ -7068,130 +7064,6 @@
           <a:chExt cx="0" cy="0"/>
         </a:xfrm>
       </p:grpSpPr>
-      <p:sp>
-        <p:nvSpPr>
-          <p:cNvPr id="5" name="Oval 4"/>
-          <p:cNvSpPr/>
-          <p:nvPr/>
-        </p:nvSpPr>
-        <p:spPr>
-          <a:xfrm>
-            <a:off x="7499844" y="2684761"/>
-            <a:ext cx="1959507" cy="1120714"/>
-          </a:xfrm>
-          <a:prstGeom prst="ellipse">
-            <a:avLst/>
-          </a:prstGeom>
-        </p:spPr>
-        <p:style>
-          <a:lnRef idx="1">
-            <a:schemeClr val="accent1"/>
-          </a:lnRef>
-          <a:fillRef idx="2">
-            <a:schemeClr val="accent1"/>
-          </a:fillRef>
-          <a:effectRef idx="1">
-            <a:schemeClr val="accent1"/>
-          </a:effectRef>
-          <a:fontRef idx="minor">
-            <a:schemeClr val="dk1"/>
-          </a:fontRef>
-        </p:style>
-        <p:txBody>
-          <a:bodyPr rtlCol="0" anchor="ctr"/>
-          <a:lstStyle/>
-          <a:p>
-            <a:pPr algn="ctr"/>
-            <a:r>
-              <a:rPr lang="en-US" dirty="0" err="1"/>
-              <a:t>DataStore</a:t>
-            </a:r>
-            <a:endParaRPr lang="en-US" dirty="0"/>
-          </a:p>
-        </p:txBody>
-      </p:sp>
-      <p:sp>
-        <p:nvSpPr>
-          <p:cNvPr id="6" name="Oval 5"/>
-          <p:cNvSpPr/>
-          <p:nvPr/>
-        </p:nvSpPr>
-        <p:spPr>
-          <a:xfrm>
-            <a:off x="4110194" y="3753593"/>
-            <a:ext cx="1635456" cy="748352"/>
-          </a:xfrm>
-          <a:prstGeom prst="ellipse">
-            <a:avLst/>
-          </a:prstGeom>
-        </p:spPr>
-        <p:style>
-          <a:lnRef idx="1">
-            <a:schemeClr val="accent1"/>
-          </a:lnRef>
-          <a:fillRef idx="2">
-            <a:schemeClr val="accent1"/>
-          </a:fillRef>
-          <a:effectRef idx="1">
-            <a:schemeClr val="accent1"/>
-          </a:effectRef>
-          <a:fontRef idx="minor">
-            <a:schemeClr val="dk1"/>
-          </a:fontRef>
-        </p:style>
-        <p:txBody>
-          <a:bodyPr rtlCol="0" anchor="ctr"/>
-          <a:lstStyle/>
-          <a:p>
-            <a:pPr algn="ctr"/>
-            <a:r>
-              <a:rPr lang="en-US" dirty="0"/>
-              <a:t>Loader</a:t>
-            </a:r>
-          </a:p>
-        </p:txBody>
-      </p:sp>
-      <p:sp>
-        <p:nvSpPr>
-          <p:cNvPr id="7" name="Oval 6"/>
-          <p:cNvSpPr/>
-          <p:nvPr/>
-        </p:nvSpPr>
-        <p:spPr>
-          <a:xfrm>
-            <a:off x="1211939" y="2664241"/>
-            <a:ext cx="1635456" cy="748352"/>
-          </a:xfrm>
-          <a:prstGeom prst="ellipse">
-            <a:avLst/>
-          </a:prstGeom>
-        </p:spPr>
-        <p:style>
-          <a:lnRef idx="1">
-            <a:schemeClr val="accent1"/>
-          </a:lnRef>
-          <a:fillRef idx="2">
-            <a:schemeClr val="accent1"/>
-          </a:fillRef>
-          <a:effectRef idx="1">
-            <a:schemeClr val="accent1"/>
-          </a:effectRef>
-          <a:fontRef idx="minor">
-            <a:schemeClr val="dk1"/>
-          </a:fontRef>
-        </p:style>
-        <p:txBody>
-          <a:bodyPr rtlCol="0" anchor="ctr"/>
-          <a:lstStyle/>
-          <a:p>
-            <a:pPr algn="ctr"/>
-            <a:r>
-              <a:rPr lang="en-US" dirty="0"/>
-              <a:t>Parser</a:t>
-            </a:r>
-          </a:p>
-        </p:txBody>
-      </p:sp>
       <p:sp>
         <p:nvSpPr>
           <p:cNvPr id="13" name="Rectangle 12"/>
@@ -7301,8 +7173,8 @@
         </p:nvSpPr>
         <p:spPr>
           <a:xfrm>
-            <a:off x="2601984" y="1131191"/>
-            <a:ext cx="2080069" cy="507431"/>
+            <a:off x="2876793" y="756215"/>
+            <a:ext cx="3818649" cy="507431"/>
           </a:xfrm>
           <a:prstGeom prst="rightArrow">
             <a:avLst/>
@@ -7327,14 +7199,6 @@
           <a:lstStyle/>
           <a:p>
             <a:pPr algn="ctr"/>
-            <a:r>
-              <a:rPr lang="en-US" sz="1400" dirty="0" smtClean="0"/>
-              <a:t>Selection</a:t>
-            </a:r>
-            <a:endParaRPr lang="en-US" sz="1400" dirty="0"/>
-          </a:p>
-          <a:p>
-            <a:pPr algn="ctr"/>
             <a:endParaRPr lang="en-US" dirty="0"/>
           </a:p>
         </p:txBody>
@@ -7347,7 +7211,7 @@
         </p:nvSpPr>
         <p:spPr>
           <a:xfrm>
-            <a:off x="4908425" y="900398"/>
+            <a:off x="6940440" y="524173"/>
             <a:ext cx="1989992" cy="971514"/>
           </a:xfrm>
           <a:prstGeom prst="ellipse">
@@ -7373,17 +7237,13 @@
           <a:lstStyle/>
           <a:p>
             <a:pPr algn="ctr"/>
-            <a:endParaRPr lang="en-US" dirty="0" smtClean="0"/>
+            <a:endParaRPr lang="en-US" dirty="0"/>
           </a:p>
           <a:p>
             <a:pPr algn="ctr"/>
             <a:r>
-              <a:rPr lang="en-US" dirty="0" smtClean="0"/>
-              <a:t>Data </a:t>
-            </a:r>
-            <a:r>
-              <a:rPr lang="en-US" dirty="0"/>
-              <a:t>Directory</a:t>
+              <a:rPr lang="en-US" dirty="0"/>
+              <a:t>Data Directory</a:t>
             </a:r>
           </a:p>
           <a:p>
@@ -7394,14 +7254,189 @@
       </p:sp>
       <p:sp>
         <p:nvSpPr>
-          <p:cNvPr id="26" name="Oval 25"/>
+          <p:cNvPr id="27" name="Right Arrow 26"/>
           <p:cNvSpPr/>
           <p:nvPr/>
         </p:nvSpPr>
         <p:spPr>
+          <a:xfrm rot="8971789">
+            <a:off x="5879603" y="1839218"/>
+            <a:ext cx="1758057" cy="507431"/>
+          </a:xfrm>
+          <a:prstGeom prst="rightArrow">
+            <a:avLst/>
+          </a:prstGeom>
+        </p:spPr>
+        <p:style>
+          <a:lnRef idx="1">
+            <a:schemeClr val="accent1"/>
+          </a:lnRef>
+          <a:fillRef idx="2">
+            <a:schemeClr val="accent1"/>
+          </a:fillRef>
+          <a:effectRef idx="1">
+            <a:schemeClr val="accent1"/>
+          </a:effectRef>
+          <a:fontRef idx="minor">
+            <a:schemeClr val="dk1"/>
+          </a:fontRef>
+        </p:style>
+        <p:txBody>
+          <a:bodyPr rtlCol="0" anchor="t"/>
+          <a:lstStyle/>
+          <a:p>
+            <a:pPr algn="ctr"/>
+            <a:endParaRPr lang="en-US" sz="1400" dirty="0"/>
+          </a:p>
+        </p:txBody>
+      </p:sp>
+      <p:sp>
+        <p:nvSpPr>
+          <p:cNvPr id="8" name="TextBox 7"/>
+          <p:cNvSpPr txBox="1"/>
+          <p:nvPr/>
+        </p:nvSpPr>
+        <p:spPr>
           <a:xfrm>
-            <a:off x="9647153" y="899149"/>
-            <a:ext cx="1989992" cy="971514"/>
+            <a:off x="307929" y="5029202"/>
+            <a:ext cx="11637885" cy="1754326"/>
+          </a:xfrm>
+          <a:prstGeom prst="rect">
+            <a:avLst/>
+          </a:prstGeom>
+          <a:noFill/>
+        </p:spPr>
+        <p:txBody>
+          <a:bodyPr wrap="square" rtlCol="0">
+            <a:spAutoFit/>
+          </a:bodyPr>
+          <a:lstStyle/>
+          <a:p>
+            <a:r>
+              <a:rPr lang="en-US" dirty="0"/>
+              <a:t>Data Provider</a:t>
+            </a:r>
+            <a:r>
+              <a:rPr lang="hy-AM" dirty="0"/>
+              <a:t>-ի </a:t>
+            </a:r>
+            <a:r>
+              <a:rPr lang="en-US" dirty="0" err="1"/>
+              <a:t>GetData</a:t>
+            </a:r>
+            <a:r>
+              <a:rPr lang="hy-AM" dirty="0"/>
+              <a:t> ֆունկցիան ըստ </a:t>
+            </a:r>
+            <a:r>
+              <a:rPr lang="en-US" dirty="0"/>
+              <a:t>Selection</a:t>
+            </a:r>
+            <a:r>
+              <a:rPr lang="hy-AM" dirty="0"/>
+              <a:t>-ի դիմում է </a:t>
+            </a:r>
+            <a:r>
+              <a:rPr lang="en-US" dirty="0"/>
+              <a:t>Data Directory</a:t>
+            </a:r>
+            <a:r>
+              <a:rPr lang="hy-AM" dirty="0"/>
+              <a:t>-ին և ստանում </a:t>
+            </a:r>
+            <a:r>
+              <a:rPr lang="en-US" dirty="0" err="1"/>
+              <a:t>FileInfo</a:t>
+            </a:r>
+            <a:r>
+              <a:rPr lang="hy-AM" dirty="0"/>
+              <a:t>։ </a:t>
+            </a:r>
+            <a:r>
+              <a:rPr lang="en-US" dirty="0" err="1"/>
+              <a:t>FileInfo</a:t>
+            </a:r>
+            <a:r>
+              <a:rPr lang="hy-AM" dirty="0"/>
+              <a:t>-ն փոխանցվում է </a:t>
+            </a:r>
+            <a:r>
+              <a:rPr lang="en-US" dirty="0" err="1"/>
+              <a:t>DataStore</a:t>
+            </a:r>
+            <a:r>
+              <a:rPr lang="hy-AM" dirty="0"/>
+              <a:t>-ին, եթե տվյալ ինֆորմացիան արդեն բեռնավորվել է </a:t>
+            </a:r>
+            <a:r>
+              <a:rPr lang="en-US" dirty="0" err="1"/>
+              <a:t>DataStore</a:t>
+            </a:r>
+            <a:r>
+              <a:rPr lang="hy-AM" dirty="0"/>
+              <a:t>, ապա այն համապատասխան տեսքով վերադարձվում է։ Հակառակ դեպքում այդ տվյալները բեռնավորվում են </a:t>
+            </a:r>
+            <a:r>
+              <a:rPr lang="en-US" dirty="0" err="1"/>
+              <a:t>DataStore</a:t>
+            </a:r>
+            <a:r>
+              <a:rPr lang="hy-AM" dirty="0"/>
+              <a:t> </a:t>
+            </a:r>
+            <a:r>
+              <a:rPr lang="ru-RU" dirty="0"/>
+              <a:t>(</a:t>
+            </a:r>
+            <a:r>
+              <a:rPr lang="en-US" dirty="0"/>
+              <a:t>Parser-</a:t>
+            </a:r>
+            <a:r>
+              <a:rPr lang="hy-AM" dirty="0"/>
+              <a:t>ը վերլուծում է ֆայլի ինֆորմացիան , </a:t>
+            </a:r>
+            <a:r>
+              <a:rPr lang="en-US" dirty="0"/>
+              <a:t>Loader</a:t>
+            </a:r>
+            <a:r>
+              <a:rPr lang="hy-AM" dirty="0"/>
+              <a:t>-ը պահանջվող տվյալները ֆայլից ստանում և փոխանցում է </a:t>
+            </a:r>
+            <a:r>
+              <a:rPr lang="en-US" dirty="0" err="1"/>
+              <a:t>DataStore</a:t>
+            </a:r>
+            <a:r>
+              <a:rPr lang="hy-AM" dirty="0"/>
+              <a:t> –ին</a:t>
+            </a:r>
+            <a:r>
+              <a:rPr lang="ru-RU" dirty="0"/>
+              <a:t>)</a:t>
+            </a:r>
+            <a:r>
+              <a:rPr lang="hy-AM" dirty="0"/>
+              <a:t>։ </a:t>
+            </a:r>
+            <a:endParaRPr lang="en-US" dirty="0"/>
+          </a:p>
+          <a:p>
+            <a:endParaRPr lang="en-US" dirty="0"/>
+          </a:p>
+        </p:txBody>
+      </p:sp>
+      <p:sp>
+        <p:nvSpPr>
+          <p:cNvPr id="5" name="Oval 4"/>
+          <p:cNvSpPr/>
+          <p:nvPr/>
+        </p:nvSpPr>
+        <p:spPr>
+          <a:xfrm flipH="1">
+            <a:off x="3257786" y="3440465"/>
+            <a:ext cx="2001988" cy="1069769"/>
           </a:xfrm>
           <a:prstGeom prst="ellipse">
             <a:avLst/>
@@ -7427,8 +7462,8 @@
           <a:p>
             <a:pPr algn="ctr"/>
             <a:r>
-              <a:rPr lang="en-US" dirty="0" err="1" smtClean="0"/>
-              <a:t>FileInfo</a:t>
+              <a:rPr lang="en-US" dirty="0" err="1"/>
+              <a:t>DataStore</a:t>
             </a:r>
             <a:endParaRPr lang="en-US" dirty="0"/>
           </a:p>
@@ -7436,14 +7471,96 @@
       </p:sp>
       <p:sp>
         <p:nvSpPr>
-          <p:cNvPr id="27" name="Right Arrow 26"/>
+          <p:cNvPr id="6" name="Oval 5"/>
           <p:cNvSpPr/>
           <p:nvPr/>
         </p:nvSpPr>
         <p:spPr>
-          <a:xfrm>
-            <a:off x="7206769" y="1120716"/>
-            <a:ext cx="2080069" cy="507431"/>
+          <a:xfrm flipH="1">
+            <a:off x="7051999" y="3787611"/>
+            <a:ext cx="1670912" cy="714334"/>
+          </a:xfrm>
+          <a:prstGeom prst="ellipse">
+            <a:avLst/>
+          </a:prstGeom>
+        </p:spPr>
+        <p:style>
+          <a:lnRef idx="1">
+            <a:schemeClr val="accent1"/>
+          </a:lnRef>
+          <a:fillRef idx="2">
+            <a:schemeClr val="accent1"/>
+          </a:fillRef>
+          <a:effectRef idx="1">
+            <a:schemeClr val="accent1"/>
+          </a:effectRef>
+          <a:fontRef idx="minor">
+            <a:schemeClr val="dk1"/>
+          </a:fontRef>
+        </p:style>
+        <p:txBody>
+          <a:bodyPr rtlCol="0" anchor="ctr"/>
+          <a:lstStyle/>
+          <a:p>
+            <a:pPr algn="ctr"/>
+            <a:r>
+              <a:rPr lang="en-US" dirty="0"/>
+              <a:t>Loader</a:t>
+            </a:r>
+          </a:p>
+        </p:txBody>
+      </p:sp>
+      <p:sp>
+        <p:nvSpPr>
+          <p:cNvPr id="7" name="Oval 6"/>
+          <p:cNvSpPr/>
+          <p:nvPr/>
+        </p:nvSpPr>
+        <p:spPr>
+          <a:xfrm flipH="1">
+            <a:off x="10013087" y="2747778"/>
+            <a:ext cx="1670912" cy="714334"/>
+          </a:xfrm>
+          <a:prstGeom prst="ellipse">
+            <a:avLst/>
+          </a:prstGeom>
+        </p:spPr>
+        <p:style>
+          <a:lnRef idx="1">
+            <a:schemeClr val="accent1"/>
+          </a:lnRef>
+          <a:fillRef idx="2">
+            <a:schemeClr val="accent1"/>
+          </a:fillRef>
+          <a:effectRef idx="1">
+            <a:schemeClr val="accent1"/>
+          </a:effectRef>
+          <a:fontRef idx="minor">
+            <a:schemeClr val="dk1"/>
+          </a:fontRef>
+        </p:style>
+        <p:txBody>
+          <a:bodyPr rtlCol="0" anchor="ctr"/>
+          <a:lstStyle/>
+          <a:p>
+            <a:pPr algn="ctr"/>
+            <a:r>
+              <a:rPr lang="en-US" dirty="0"/>
+              <a:t>Parser</a:t>
+            </a:r>
+          </a:p>
+        </p:txBody>
+      </p:sp>
+      <p:sp>
+        <p:nvSpPr>
+          <p:cNvPr id="30" name="Right Arrow 29"/>
+          <p:cNvSpPr/>
+          <p:nvPr/>
+        </p:nvSpPr>
+        <p:spPr>
+          <a:xfrm rot="15408886" flipH="1">
+            <a:off x="198219" y="2418442"/>
+            <a:ext cx="1288162" cy="484365"/>
           </a:xfrm>
           <a:prstGeom prst="rightArrow">
             <a:avLst/>
@@ -7474,13 +7591,169 @@
       </p:sp>
       <p:sp>
         <p:nvSpPr>
-          <p:cNvPr id="30" name="Right Arrow 29"/>
+          <p:cNvPr id="33" name="Right Arrow 32"/>
           <p:cNvSpPr/>
           <p:nvPr/>
         </p:nvSpPr>
         <p:spPr>
-          <a:xfrm rot="8586339">
-            <a:off x="9302403" y="2261442"/>
+          <a:xfrm rot="9409033" flipH="1">
+            <a:off x="8859141" y="3594953"/>
+            <a:ext cx="1614738" cy="484365"/>
+          </a:xfrm>
+          <a:prstGeom prst="rightArrow">
+            <a:avLst/>
+          </a:prstGeom>
+        </p:spPr>
+        <p:style>
+          <a:lnRef idx="1">
+            <a:schemeClr val="accent1"/>
+          </a:lnRef>
+          <a:fillRef idx="2">
+            <a:schemeClr val="accent1"/>
+          </a:fillRef>
+          <a:effectRef idx="1">
+            <a:schemeClr val="accent1"/>
+          </a:effectRef>
+          <a:fontRef idx="minor">
+            <a:schemeClr val="dk1"/>
+          </a:fontRef>
+        </p:style>
+        <p:txBody>
+          <a:bodyPr rtlCol="0" anchor="t"/>
+          <a:lstStyle/>
+          <a:p>
+            <a:pPr algn="ctr"/>
+            <a:endParaRPr lang="en-US" dirty="0"/>
+          </a:p>
+        </p:txBody>
+      </p:sp>
+      <p:sp>
+        <p:nvSpPr>
+          <p:cNvPr id="15" name="Right Arrow 14"/>
+          <p:cNvSpPr/>
+          <p:nvPr/>
+        </p:nvSpPr>
+        <p:spPr>
+          <a:xfrm rot="10800000" flipH="1">
+            <a:off x="5551730" y="4143902"/>
+            <a:ext cx="1227376" cy="484365"/>
+          </a:xfrm>
+          <a:prstGeom prst="rightArrow">
+            <a:avLst/>
+          </a:prstGeom>
+        </p:spPr>
+        <p:style>
+          <a:lnRef idx="1">
+            <a:schemeClr val="accent1"/>
+          </a:lnRef>
+          <a:fillRef idx="2">
+            <a:schemeClr val="accent1"/>
+          </a:fillRef>
+          <a:effectRef idx="1">
+            <a:schemeClr val="accent1"/>
+          </a:effectRef>
+          <a:fontRef idx="minor">
+            <a:schemeClr val="dk1"/>
+          </a:fontRef>
+        </p:style>
+        <p:txBody>
+          <a:bodyPr rtlCol="0" anchor="t"/>
+          <a:lstStyle/>
+          <a:p>
+            <a:pPr algn="ctr"/>
+            <a:endParaRPr lang="en-US" dirty="0"/>
+          </a:p>
+        </p:txBody>
+      </p:sp>
+      <p:sp>
+        <p:nvSpPr>
+          <p:cNvPr id="16" name="Right Arrow 15"/>
+          <p:cNvSpPr/>
+          <p:nvPr/>
+        </p:nvSpPr>
+        <p:spPr>
+          <a:xfrm rot="20237244" flipH="1">
+            <a:off x="8406183" y="3204819"/>
+            <a:ext cx="1614738" cy="484365"/>
+          </a:xfrm>
+          <a:prstGeom prst="rightArrow">
+            <a:avLst/>
+          </a:prstGeom>
+        </p:spPr>
+        <p:style>
+          <a:lnRef idx="1">
+            <a:schemeClr val="accent1"/>
+          </a:lnRef>
+          <a:fillRef idx="2">
+            <a:schemeClr val="accent1"/>
+          </a:fillRef>
+          <a:effectRef idx="1">
+            <a:schemeClr val="accent1"/>
+          </a:effectRef>
+          <a:fontRef idx="minor">
+            <a:schemeClr val="dk1"/>
+          </a:fontRef>
+        </p:style>
+        <p:txBody>
+          <a:bodyPr rtlCol="0" anchor="t"/>
+          <a:lstStyle/>
+          <a:p>
+            <a:pPr algn="ctr"/>
+            <a:endParaRPr lang="en-US" dirty="0"/>
+          </a:p>
+        </p:txBody>
+      </p:sp>
+      <p:sp>
+        <p:nvSpPr>
+          <p:cNvPr id="2" name="Snip Diagonal Corner Rectangle 1"/>
+          <p:cNvSpPr/>
+          <p:nvPr/>
+        </p:nvSpPr>
+        <p:spPr>
+          <a:xfrm>
+            <a:off x="4312465" y="2017273"/>
+            <a:ext cx="1488360" cy="866716"/>
+          </a:xfrm>
+          <a:prstGeom prst="snip2DiagRect">
+            <a:avLst/>
+          </a:prstGeom>
+        </p:spPr>
+        <p:style>
+          <a:lnRef idx="1">
+            <a:schemeClr val="accent1"/>
+          </a:lnRef>
+          <a:fillRef idx="2">
+            <a:schemeClr val="accent1"/>
+          </a:fillRef>
+          <a:effectRef idx="1">
+            <a:schemeClr val="accent1"/>
+          </a:effectRef>
+          <a:fontRef idx="minor">
+            <a:schemeClr val="dk1"/>
+          </a:fontRef>
+        </p:style>
+        <p:txBody>
+          <a:bodyPr rtlCol="0" anchor="ctr"/>
+          <a:lstStyle/>
+          <a:p>
+            <a:pPr algn="ctr"/>
+            <a:r>
+              <a:rPr lang="en-US" dirty="0" err="1"/>
+              <a:t>FileInfo</a:t>
+            </a:r>
+            <a:endParaRPr lang="en-US" dirty="0"/>
+          </a:p>
+        </p:txBody>
+      </p:sp>
+      <p:sp>
+        <p:nvSpPr>
+          <p:cNvPr id="18" name="Right Arrow 17"/>
+          <p:cNvSpPr/>
+          <p:nvPr/>
+        </p:nvSpPr>
+        <p:spPr>
+          <a:xfrm rot="12168695">
+            <a:off x="2614448" y="1866662"/>
             <a:ext cx="1580474" cy="507431"/>
           </a:xfrm>
           <a:prstGeom prst="rightArrow">
@@ -7512,14 +7785,88 @@
       </p:sp>
       <p:sp>
         <p:nvSpPr>
-          <p:cNvPr id="32" name="Right Arrow 31"/>
+          <p:cNvPr id="3" name="TextBox 2"/>
+          <p:cNvSpPr txBox="1"/>
+          <p:nvPr/>
+        </p:nvSpPr>
+        <p:spPr>
+          <a:xfrm rot="19783201">
+            <a:off x="6131688" y="1847002"/>
+            <a:ext cx="1672709" cy="584775"/>
+          </a:xfrm>
+          <a:prstGeom prst="rect">
+            <a:avLst/>
+          </a:prstGeom>
+          <a:noFill/>
+        </p:spPr>
+        <p:txBody>
+          <a:bodyPr wrap="square" rtlCol="0">
+            <a:spAutoFit/>
+          </a:bodyPr>
+          <a:lstStyle/>
+          <a:p>
+            <a:r>
+              <a:rPr lang="en-US" sz="1400" dirty="0"/>
+              <a:t>According Selection</a:t>
+            </a:r>
+          </a:p>
+          <a:p>
+            <a:endParaRPr lang="en-US" dirty="0"/>
+          </a:p>
+        </p:txBody>
+      </p:sp>
+      <p:sp>
+        <p:nvSpPr>
+          <p:cNvPr id="22" name="Snip Diagonal Corner Rectangle 21"/>
           <p:cNvSpPr/>
           <p:nvPr/>
         </p:nvSpPr>
         <p:spPr>
-          <a:xfrm rot="20443626">
-            <a:off x="5832509" y="3345117"/>
-            <a:ext cx="1580474" cy="507431"/>
+          <a:xfrm>
+            <a:off x="297228" y="3403776"/>
+            <a:ext cx="1488360" cy="866716"/>
+          </a:xfrm>
+          <a:prstGeom prst="snip2DiagRect">
+            <a:avLst/>
+          </a:prstGeom>
+        </p:spPr>
+        <p:style>
+          <a:lnRef idx="1">
+            <a:schemeClr val="accent1"/>
+          </a:lnRef>
+          <a:fillRef idx="2">
+            <a:schemeClr val="accent1"/>
+          </a:fillRef>
+          <a:effectRef idx="1">
+            <a:schemeClr val="accent1"/>
+          </a:effectRef>
+          <a:fontRef idx="minor">
+            <a:schemeClr val="dk1"/>
+          </a:fontRef>
+        </p:style>
+        <p:txBody>
+          <a:bodyPr rtlCol="0" anchor="ctr"/>
+          <a:lstStyle/>
+          <a:p>
+            <a:pPr algn="ctr"/>
+            <a:r>
+              <a:rPr lang="en-US" dirty="0" err="1"/>
+              <a:t>FileInfo</a:t>
+            </a:r>
+            <a:endParaRPr lang="en-US" dirty="0"/>
+          </a:p>
+        </p:txBody>
+      </p:sp>
+      <p:sp>
+        <p:nvSpPr>
+          <p:cNvPr id="25" name="Right Arrow 24"/>
+          <p:cNvSpPr/>
+          <p:nvPr/>
+        </p:nvSpPr>
+        <p:spPr>
+          <a:xfrm rot="162695">
+            <a:off x="1956699" y="3611794"/>
+            <a:ext cx="1184057" cy="507431"/>
           </a:xfrm>
           <a:prstGeom prst="rightArrow">
             <a:avLst/>
@@ -7550,14 +7897,14 @@
       </p:sp>
       <p:sp>
         <p:nvSpPr>
-          <p:cNvPr id="33" name="Right Arrow 32"/>
+          <p:cNvPr id="28" name="Right Arrow 27"/>
           <p:cNvSpPr/>
           <p:nvPr/>
         </p:nvSpPr>
         <p:spPr>
-          <a:xfrm rot="12190967">
-            <a:off x="2396381" y="3551760"/>
-            <a:ext cx="1580474" cy="507431"/>
+          <a:xfrm flipH="1">
+            <a:off x="5462830" y="3648208"/>
+            <a:ext cx="1227376" cy="484365"/>
           </a:xfrm>
           <a:prstGeom prst="rightArrow">
             <a:avLst/>
@@ -7586,227 +7933,6 @@
           </a:p>
         </p:txBody>
       </p:sp>
-      <p:sp>
-        <p:nvSpPr>
-          <p:cNvPr id="8" name="TextBox 7"/>
-          <p:cNvSpPr txBox="1"/>
-          <p:nvPr/>
-        </p:nvSpPr>
-        <p:spPr>
-          <a:xfrm>
-            <a:off x="307929" y="5029202"/>
-            <a:ext cx="11637885" cy="1754326"/>
-          </a:xfrm>
-          <a:prstGeom prst="rect">
-            <a:avLst/>
-          </a:prstGeom>
-          <a:noFill/>
-        </p:spPr>
-        <p:txBody>
-          <a:bodyPr wrap="square" rtlCol="0">
-            <a:spAutoFit/>
-          </a:bodyPr>
-          <a:lstStyle/>
-          <a:p>
-            <a:r>
-              <a:rPr lang="en-US" dirty="0" smtClean="0"/>
-              <a:t>Data Provider</a:t>
-            </a:r>
-            <a:r>
-              <a:rPr lang="hy-AM" dirty="0" smtClean="0"/>
-              <a:t>-ի </a:t>
-            </a:r>
-            <a:r>
-              <a:rPr lang="en-US" dirty="0" err="1" smtClean="0"/>
-              <a:t>GetData</a:t>
-            </a:r>
-            <a:r>
-              <a:rPr lang="hy-AM" dirty="0" smtClean="0"/>
-              <a:t> ֆունկցիան ըստ </a:t>
-            </a:r>
-            <a:r>
-              <a:rPr lang="en-US" dirty="0" smtClean="0"/>
-              <a:t>Selection</a:t>
-            </a:r>
-            <a:r>
-              <a:rPr lang="hy-AM" dirty="0" smtClean="0"/>
-              <a:t>-ի դիմում է </a:t>
-            </a:r>
-            <a:r>
-              <a:rPr lang="en-US" dirty="0"/>
-              <a:t>Data </a:t>
-            </a:r>
-            <a:r>
-              <a:rPr lang="en-US" dirty="0" smtClean="0"/>
-              <a:t>Directory</a:t>
-            </a:r>
-            <a:r>
-              <a:rPr lang="hy-AM" dirty="0" smtClean="0"/>
-              <a:t>-ին և ստանում </a:t>
-            </a:r>
-            <a:r>
-              <a:rPr lang="en-US" dirty="0" err="1" smtClean="0"/>
-              <a:t>FileInfo</a:t>
-            </a:r>
-            <a:r>
-              <a:rPr lang="hy-AM" dirty="0" smtClean="0"/>
-              <a:t>։ </a:t>
-            </a:r>
-            <a:r>
-              <a:rPr lang="en-US" dirty="0" err="1" smtClean="0"/>
-              <a:t>FileInfo</a:t>
-            </a:r>
-            <a:r>
-              <a:rPr lang="hy-AM" dirty="0" smtClean="0"/>
-              <a:t>-ն փոխանցվում է </a:t>
-            </a:r>
-            <a:r>
-              <a:rPr lang="en-US" dirty="0" err="1" smtClean="0"/>
-              <a:t>DataStore</a:t>
-            </a:r>
-            <a:r>
-              <a:rPr lang="hy-AM" dirty="0" smtClean="0"/>
-              <a:t>-ին, եթե տվյալ ինֆորմացիան արդեն բեռնավորվել է </a:t>
-            </a:r>
-            <a:r>
-              <a:rPr lang="en-US" dirty="0" err="1" smtClean="0"/>
-              <a:t>DataStore</a:t>
-            </a:r>
-            <a:r>
-              <a:rPr lang="hy-AM" dirty="0" smtClean="0"/>
-              <a:t>, ապա այն համապատասխան տեսքով վերադարձվում է։ Հակառակ դեպքում այդ տվյալները բեռնավորվում են </a:t>
-            </a:r>
-            <a:r>
-              <a:rPr lang="en-US" dirty="0" err="1" smtClean="0"/>
-              <a:t>DataStore</a:t>
-            </a:r>
-            <a:r>
-              <a:rPr lang="hy-AM" dirty="0" smtClean="0"/>
-              <a:t> </a:t>
-            </a:r>
-            <a:r>
-              <a:rPr lang="ru-RU" dirty="0" smtClean="0"/>
-              <a:t>(</a:t>
-            </a:r>
-            <a:r>
-              <a:rPr lang="en-US" dirty="0" smtClean="0"/>
-              <a:t>Parser-</a:t>
-            </a:r>
-            <a:r>
-              <a:rPr lang="hy-AM" dirty="0" smtClean="0"/>
-              <a:t>ը վերլուծում է ֆայլի ինֆորմացիան , </a:t>
-            </a:r>
-            <a:r>
-              <a:rPr lang="en-US" dirty="0" smtClean="0"/>
-              <a:t>Loader</a:t>
-            </a:r>
-            <a:r>
-              <a:rPr lang="hy-AM" dirty="0" smtClean="0"/>
-              <a:t>-ը պահանջվող տվյալները ֆայլից ստանում և փոխանցում է </a:t>
-            </a:r>
-            <a:r>
-              <a:rPr lang="en-US" dirty="0" err="1"/>
-              <a:t>DataStore</a:t>
-            </a:r>
-            <a:r>
-              <a:rPr lang="hy-AM" dirty="0"/>
-              <a:t> </a:t>
-            </a:r>
-            <a:r>
-              <a:rPr lang="hy-AM" dirty="0" smtClean="0"/>
-              <a:t>–ին</a:t>
-            </a:r>
-            <a:r>
-              <a:rPr lang="ru-RU" dirty="0" smtClean="0"/>
-              <a:t>)</a:t>
-            </a:r>
-            <a:r>
-              <a:rPr lang="hy-AM" dirty="0" smtClean="0"/>
-              <a:t>։ </a:t>
-            </a:r>
-            <a:endParaRPr lang="en-US" dirty="0" smtClean="0"/>
-          </a:p>
-          <a:p>
-            <a:endParaRPr lang="en-US" dirty="0"/>
-          </a:p>
-        </p:txBody>
-      </p:sp>
-      <p:sp>
-        <p:nvSpPr>
-          <p:cNvPr id="15" name="Right Arrow 14"/>
-          <p:cNvSpPr/>
-          <p:nvPr/>
-        </p:nvSpPr>
-        <p:spPr>
-          <a:xfrm rot="9534552">
-            <a:off x="5984909" y="3767683"/>
-            <a:ext cx="1580474" cy="507431"/>
-          </a:xfrm>
-          <a:prstGeom prst="rightArrow">
-            <a:avLst/>
-          </a:prstGeom>
-        </p:spPr>
-        <p:style>
-          <a:lnRef idx="1">
-            <a:schemeClr val="accent1"/>
-          </a:lnRef>
-          <a:fillRef idx="2">
-            <a:schemeClr val="accent1"/>
-          </a:fillRef>
-          <a:effectRef idx="1">
-            <a:schemeClr val="accent1"/>
-          </a:effectRef>
-          <a:fontRef idx="minor">
-            <a:schemeClr val="dk1"/>
-          </a:fontRef>
-        </p:style>
-        <p:txBody>
-          <a:bodyPr rtlCol="0" anchor="t"/>
-          <a:lstStyle/>
-          <a:p>
-            <a:pPr algn="ctr"/>
-            <a:endParaRPr lang="en-US" dirty="0"/>
-          </a:p>
-        </p:txBody>
-      </p:sp>
-      <p:sp>
-        <p:nvSpPr>
-          <p:cNvPr id="16" name="Right Arrow 15"/>
-          <p:cNvSpPr/>
-          <p:nvPr/>
-        </p:nvSpPr>
-        <p:spPr>
-          <a:xfrm rot="1362756">
-            <a:off x="2839727" y="3143047"/>
-            <a:ext cx="1580474" cy="507431"/>
-          </a:xfrm>
-          <a:prstGeom prst="rightArrow">
-            <a:avLst/>
-          </a:prstGeom>
-        </p:spPr>
-        <p:style>
-          <a:lnRef idx="1">
-            <a:schemeClr val="accent1"/>
-          </a:lnRef>
-          <a:fillRef idx="2">
-            <a:schemeClr val="accent1"/>
-          </a:fillRef>
-          <a:effectRef idx="1">
-            <a:schemeClr val="accent1"/>
-          </a:effectRef>
-          <a:fontRef idx="minor">
-            <a:schemeClr val="dk1"/>
-          </a:fontRef>
-        </p:style>
-        <p:txBody>
-          <a:bodyPr rtlCol="0" anchor="t"/>
-          <a:lstStyle/>
-          <a:p>
-            <a:pPr algn="ctr"/>
-            <a:endParaRPr lang="en-US" dirty="0"/>
-          </a:p>
-        </p:txBody>
-      </p:sp>
     </p:spTree>
     <p:extLst>
       <p:ext uri="{BB962C8B-B14F-4D97-AF65-F5344CB8AC3E}">
@@ -7817,13 +7943,6 @@
   <p:clrMapOvr>
     <a:masterClrMapping/>
   </p:clrMapOvr>
-  <p:timing>
-    <p:tnLst>
-      <p:par>
-        <p:cTn id="1" dur="indefinite" restart="never" nodeType="tmRoot"/>
-      </p:par>
-    </p:tnLst>
-  </p:timing>
 </p:sld>
 </file>
 

--- a/Doc/Architecture_slide.pptx
+++ b/Doc/Architecture_slide.pptx
@@ -259,7 +259,7 @@
           <a:p>
             <a:fld id="{48A87A34-81AB-432B-8DAE-1953F412C126}" type="datetimeFigureOut">
               <a:rPr lang="en-US" smtClean="0"/>
-              <a:t>12/20/2016</a:t>
+              <a:t>1/26/2017</a:t>
             </a:fld>
             <a:endParaRPr lang="en-US" dirty="0"/>
           </a:p>
@@ -427,7 +427,7 @@
           <a:p>
             <a:fld id="{48A87A34-81AB-432B-8DAE-1953F412C126}" type="datetimeFigureOut">
               <a:rPr lang="en-US" smtClean="0"/>
-              <a:t>12/20/2016</a:t>
+              <a:t>1/26/2017</a:t>
             </a:fld>
             <a:endParaRPr lang="en-US" dirty="0"/>
           </a:p>
@@ -605,7 +605,7 @@
           <a:p>
             <a:fld id="{48A87A34-81AB-432B-8DAE-1953F412C126}" type="datetimeFigureOut">
               <a:rPr lang="en-US" smtClean="0"/>
-              <a:t>12/20/2016</a:t>
+              <a:t>1/26/2017</a:t>
             </a:fld>
             <a:endParaRPr lang="en-US" dirty="0"/>
           </a:p>
@@ -773,7 +773,7 @@
           <a:p>
             <a:fld id="{48A87A34-81AB-432B-8DAE-1953F412C126}" type="datetimeFigureOut">
               <a:rPr lang="en-US" smtClean="0"/>
-              <a:t>12/20/2016</a:t>
+              <a:t>1/26/2017</a:t>
             </a:fld>
             <a:endParaRPr lang="en-US" dirty="0"/>
           </a:p>
@@ -1018,7 +1018,7 @@
           <a:p>
             <a:fld id="{48A87A34-81AB-432B-8DAE-1953F412C126}" type="datetimeFigureOut">
               <a:rPr lang="en-US" smtClean="0"/>
-              <a:t>12/20/2016</a:t>
+              <a:t>1/26/2017</a:t>
             </a:fld>
             <a:endParaRPr lang="en-US" dirty="0"/>
           </a:p>
@@ -1247,7 +1247,7 @@
           <a:p>
             <a:fld id="{48A87A34-81AB-432B-8DAE-1953F412C126}" type="datetimeFigureOut">
               <a:rPr lang="en-US" smtClean="0"/>
-              <a:t>12/20/2016</a:t>
+              <a:t>1/26/2017</a:t>
             </a:fld>
             <a:endParaRPr lang="en-US" dirty="0"/>
           </a:p>
@@ -1611,7 +1611,7 @@
           <a:p>
             <a:fld id="{48A87A34-81AB-432B-8DAE-1953F412C126}" type="datetimeFigureOut">
               <a:rPr lang="en-US" smtClean="0"/>
-              <a:t>12/20/2016</a:t>
+              <a:t>1/26/2017</a:t>
             </a:fld>
             <a:endParaRPr lang="en-US" dirty="0"/>
           </a:p>
@@ -1728,7 +1728,7 @@
           <a:p>
             <a:fld id="{48A87A34-81AB-432B-8DAE-1953F412C126}" type="datetimeFigureOut">
               <a:rPr lang="en-US" smtClean="0"/>
-              <a:t>12/20/2016</a:t>
+              <a:t>1/26/2017</a:t>
             </a:fld>
             <a:endParaRPr lang="en-US" dirty="0"/>
           </a:p>
@@ -1823,7 +1823,7 @@
           <a:p>
             <a:fld id="{48A87A34-81AB-432B-8DAE-1953F412C126}" type="datetimeFigureOut">
               <a:rPr lang="en-US" smtClean="0"/>
-              <a:t>12/20/2016</a:t>
+              <a:t>1/26/2017</a:t>
             </a:fld>
             <a:endParaRPr lang="en-US" dirty="0"/>
           </a:p>
@@ -2098,7 +2098,7 @@
           <a:p>
             <a:fld id="{48A87A34-81AB-432B-8DAE-1953F412C126}" type="datetimeFigureOut">
               <a:rPr lang="en-US" smtClean="0"/>
-              <a:t>12/20/2016</a:t>
+              <a:t>1/26/2017</a:t>
             </a:fld>
             <a:endParaRPr lang="en-US" dirty="0"/>
           </a:p>
@@ -2350,7 +2350,7 @@
           <a:p>
             <a:fld id="{48A87A34-81AB-432B-8DAE-1953F412C126}" type="datetimeFigureOut">
               <a:rPr lang="en-US" smtClean="0"/>
-              <a:t>12/20/2016</a:t>
+              <a:t>1/26/2017</a:t>
             </a:fld>
             <a:endParaRPr lang="en-US" dirty="0"/>
           </a:p>
@@ -2562,7 +2562,7 @@
             <a:fld id="{48A87A34-81AB-432B-8DAE-1953F412C126}" type="datetimeFigureOut">
               <a:rPr lang="en-US" smtClean="0"/>
               <a:pPr/>
-              <a:t>12/20/2016</a:t>
+              <a:t>1/26/2017</a:t>
             </a:fld>
             <a:endParaRPr lang="en-US" dirty="0"/>
           </a:p>
@@ -3657,15 +3657,7 @@
           <a:p>
             <a:r>
               <a:rPr lang="en-US" dirty="0"/>
-              <a:t>Data Directory –</a:t>
-            </a:r>
-            <a:r>
-              <a:rPr lang="en-US" dirty="0" err="1"/>
-              <a:t>ին</a:t>
-            </a:r>
-            <a:r>
-              <a:rPr lang="en-US" dirty="0"/>
-              <a:t> </a:t>
+              <a:t>Data Directory –ն </a:t>
             </a:r>
             <a:r>
               <a:rPr lang="en-US" dirty="0" err="1"/>
@@ -3689,7 +3681,7 @@
             </a:r>
             <a:r>
               <a:rPr lang="en-US" dirty="0" err="1"/>
-              <a:t>օգտագործվողին</a:t>
+              <a:t>օգտագործողին</a:t>
             </a:r>
             <a:r>
               <a:rPr lang="en-US" dirty="0"/>
@@ -5088,7 +5080,15 @@
             </a:r>
             <a:r>
               <a:rPr lang="hy-AM" dirty="0"/>
-              <a:t>ընտության </a:t>
+              <a:t>ընտ</a:t>
+            </a:r>
+            <a:r>
+              <a:rPr lang="en-US" dirty="0"/>
+              <a:t>ր</a:t>
+            </a:r>
+            <a:r>
+              <a:rPr lang="hy-AM" dirty="0"/>
+              <a:t>ության </a:t>
             </a:r>
             <a:r>
               <a:rPr lang="en-US" dirty="0" err="1"/>
@@ -6603,7 +6603,15 @@
             </a:r>
             <a:r>
               <a:rPr lang="en-US" dirty="0"/>
-              <a:t> Analysis Manager - ն Selection է </a:t>
+              <a:t> Analysis </a:t>
+            </a:r>
+            <a:r>
+              <a:rPr lang="en-US"/>
+              <a:t>Manager -ը </a:t>
+            </a:r>
+            <a:r>
+              <a:rPr lang="en-US" dirty="0"/>
+              <a:t>Selection է </a:t>
             </a:r>
             <a:r>
               <a:rPr lang="en-US" dirty="0" err="1"/>

--- a/Doc/Architecture_slide.pptx
+++ b/Doc/Architecture_slide.pptx
@@ -13,6 +13,10 @@
     <p:sldId id="261" r:id="rId7"/>
     <p:sldId id="260" r:id="rId8"/>
     <p:sldId id="263" r:id="rId9"/>
+    <p:sldId id="270" r:id="rId10"/>
+    <p:sldId id="269" r:id="rId11"/>
+    <p:sldId id="264" r:id="rId12"/>
+    <p:sldId id="267" r:id="rId13"/>
   </p:sldIdLst>
   <p:sldSz cx="12192000" cy="6858000"/>
   <p:notesSz cx="6858000" cy="9144000"/>
@@ -259,7 +263,7 @@
           <a:p>
             <a:fld id="{48A87A34-81AB-432B-8DAE-1953F412C126}" type="datetimeFigureOut">
               <a:rPr lang="en-US" smtClean="0"/>
-              <a:t>1/26/2017</a:t>
+              <a:t>2/19/2017</a:t>
             </a:fld>
             <a:endParaRPr lang="en-US" dirty="0"/>
           </a:p>
@@ -427,7 +431,7 @@
           <a:p>
             <a:fld id="{48A87A34-81AB-432B-8DAE-1953F412C126}" type="datetimeFigureOut">
               <a:rPr lang="en-US" smtClean="0"/>
-              <a:t>1/26/2017</a:t>
+              <a:t>2/19/2017</a:t>
             </a:fld>
             <a:endParaRPr lang="en-US" dirty="0"/>
           </a:p>
@@ -605,7 +609,7 @@
           <a:p>
             <a:fld id="{48A87A34-81AB-432B-8DAE-1953F412C126}" type="datetimeFigureOut">
               <a:rPr lang="en-US" smtClean="0"/>
-              <a:t>1/26/2017</a:t>
+              <a:t>2/19/2017</a:t>
             </a:fld>
             <a:endParaRPr lang="en-US" dirty="0"/>
           </a:p>
@@ -773,7 +777,7 @@
           <a:p>
             <a:fld id="{48A87A34-81AB-432B-8DAE-1953F412C126}" type="datetimeFigureOut">
               <a:rPr lang="en-US" smtClean="0"/>
-              <a:t>1/26/2017</a:t>
+              <a:t>2/19/2017</a:t>
             </a:fld>
             <a:endParaRPr lang="en-US" dirty="0"/>
           </a:p>
@@ -1018,7 +1022,7 @@
           <a:p>
             <a:fld id="{48A87A34-81AB-432B-8DAE-1953F412C126}" type="datetimeFigureOut">
               <a:rPr lang="en-US" smtClean="0"/>
-              <a:t>1/26/2017</a:t>
+              <a:t>2/19/2017</a:t>
             </a:fld>
             <a:endParaRPr lang="en-US" dirty="0"/>
           </a:p>
@@ -1247,7 +1251,7 @@
           <a:p>
             <a:fld id="{48A87A34-81AB-432B-8DAE-1953F412C126}" type="datetimeFigureOut">
               <a:rPr lang="en-US" smtClean="0"/>
-              <a:t>1/26/2017</a:t>
+              <a:t>2/19/2017</a:t>
             </a:fld>
             <a:endParaRPr lang="en-US" dirty="0"/>
           </a:p>
@@ -1611,7 +1615,7 @@
           <a:p>
             <a:fld id="{48A87A34-81AB-432B-8DAE-1953F412C126}" type="datetimeFigureOut">
               <a:rPr lang="en-US" smtClean="0"/>
-              <a:t>1/26/2017</a:t>
+              <a:t>2/19/2017</a:t>
             </a:fld>
             <a:endParaRPr lang="en-US" dirty="0"/>
           </a:p>
@@ -1728,7 +1732,7 @@
           <a:p>
             <a:fld id="{48A87A34-81AB-432B-8DAE-1953F412C126}" type="datetimeFigureOut">
               <a:rPr lang="en-US" smtClean="0"/>
-              <a:t>1/26/2017</a:t>
+              <a:t>2/19/2017</a:t>
             </a:fld>
             <a:endParaRPr lang="en-US" dirty="0"/>
           </a:p>
@@ -1823,7 +1827,7 @@
           <a:p>
             <a:fld id="{48A87A34-81AB-432B-8DAE-1953F412C126}" type="datetimeFigureOut">
               <a:rPr lang="en-US" smtClean="0"/>
-              <a:t>1/26/2017</a:t>
+              <a:t>2/19/2017</a:t>
             </a:fld>
             <a:endParaRPr lang="en-US" dirty="0"/>
           </a:p>
@@ -2098,7 +2102,7 @@
           <a:p>
             <a:fld id="{48A87A34-81AB-432B-8DAE-1953F412C126}" type="datetimeFigureOut">
               <a:rPr lang="en-US" smtClean="0"/>
-              <a:t>1/26/2017</a:t>
+              <a:t>2/19/2017</a:t>
             </a:fld>
             <a:endParaRPr lang="en-US" dirty="0"/>
           </a:p>
@@ -2350,7 +2354,7 @@
           <a:p>
             <a:fld id="{48A87A34-81AB-432B-8DAE-1953F412C126}" type="datetimeFigureOut">
               <a:rPr lang="en-US" smtClean="0"/>
-              <a:t>1/26/2017</a:t>
+              <a:t>2/19/2017</a:t>
             </a:fld>
             <a:endParaRPr lang="en-US" dirty="0"/>
           </a:p>
@@ -2562,7 +2566,7 @@
             <a:fld id="{48A87A34-81AB-432B-8DAE-1953F412C126}" type="datetimeFigureOut">
               <a:rPr lang="en-US" smtClean="0"/>
               <a:pPr/>
-              <a:t>1/26/2017</a:t>
+              <a:t>2/19/2017</a:t>
             </a:fld>
             <a:endParaRPr lang="en-US" dirty="0"/>
           </a:p>
@@ -3226,6 +3230,1900 @@
   <p:clrMapOvr>
     <a:masterClrMapping/>
   </p:clrMapOvr>
+</p:sld>
+</file>
+
+<file path=ppt/slides/slide10.xml><?xml version="1.0" encoding="utf-8"?>
+<p:sld xmlns:a="http://schemas.openxmlformats.org/drawingml/2006/main" xmlns:r="http://schemas.openxmlformats.org/officeDocument/2006/relationships" xmlns:p="http://schemas.openxmlformats.org/presentationml/2006/main">
+  <p:cSld>
+    <p:spTree>
+      <p:nvGrpSpPr>
+        <p:cNvPr id="1" name=""/>
+        <p:cNvGrpSpPr/>
+        <p:nvPr/>
+      </p:nvGrpSpPr>
+      <p:grpSpPr>
+        <a:xfrm>
+          <a:off x="0" y="0"/>
+          <a:ext cx="0" cy="0"/>
+          <a:chOff x="0" y="0"/>
+          <a:chExt cx="0" cy="0"/>
+        </a:xfrm>
+      </p:grpSpPr>
+      <p:sp>
+        <p:nvSpPr>
+          <p:cNvPr id="4" name="Rectangle 3"/>
+          <p:cNvSpPr/>
+          <p:nvPr/>
+        </p:nvSpPr>
+        <p:spPr>
+          <a:xfrm>
+            <a:off x="4327715" y="1669754"/>
+            <a:ext cx="2873732" cy="1278367"/>
+          </a:xfrm>
+          <a:prstGeom prst="rect">
+            <a:avLst/>
+          </a:prstGeom>
+        </p:spPr>
+        <p:style>
+          <a:lnRef idx="1">
+            <a:schemeClr val="accent1"/>
+          </a:lnRef>
+          <a:fillRef idx="2">
+            <a:schemeClr val="accent1"/>
+          </a:fillRef>
+          <a:effectRef idx="1">
+            <a:schemeClr val="accent1"/>
+          </a:effectRef>
+          <a:fontRef idx="minor">
+            <a:schemeClr val="dk1"/>
+          </a:fontRef>
+        </p:style>
+        <p:txBody>
+          <a:bodyPr rtlCol="0" anchor="ctr"/>
+          <a:lstStyle/>
+          <a:p>
+            <a:pPr algn="ctr"/>
+            <a:r>
+              <a:rPr lang="en-US" dirty="0" err="1"/>
+              <a:t>CStatistics</a:t>
+            </a:r>
+            <a:endParaRPr lang="en-US" dirty="0"/>
+          </a:p>
+        </p:txBody>
+      </p:sp>
+      <p:sp>
+        <p:nvSpPr>
+          <p:cNvPr id="5" name="Right Arrow 4"/>
+          <p:cNvSpPr/>
+          <p:nvPr/>
+        </p:nvSpPr>
+        <p:spPr>
+          <a:xfrm rot="2188405">
+            <a:off x="2374383" y="729200"/>
+            <a:ext cx="1708660" cy="394146"/>
+          </a:xfrm>
+          <a:prstGeom prst="rightArrow">
+            <a:avLst/>
+          </a:prstGeom>
+        </p:spPr>
+        <p:style>
+          <a:lnRef idx="1">
+            <a:schemeClr val="accent1"/>
+          </a:lnRef>
+          <a:fillRef idx="2">
+            <a:schemeClr val="accent1"/>
+          </a:fillRef>
+          <a:effectRef idx="1">
+            <a:schemeClr val="accent1"/>
+          </a:effectRef>
+          <a:fontRef idx="minor">
+            <a:schemeClr val="dk1"/>
+          </a:fontRef>
+        </p:style>
+        <p:txBody>
+          <a:bodyPr rtlCol="0" anchor="ctr"/>
+          <a:lstStyle/>
+          <a:p>
+            <a:pPr algn="ctr"/>
+            <a:r>
+              <a:rPr lang="en-US" dirty="0" err="1">
+                <a:solidFill>
+                  <a:schemeClr val="tx1"/>
+                </a:solidFill>
+              </a:rPr>
+              <a:t>IVector</a:t>
+            </a:r>
+            <a:endParaRPr lang="en-US" dirty="0">
+              <a:solidFill>
+                <a:schemeClr val="tx1"/>
+              </a:solidFill>
+            </a:endParaRPr>
+          </a:p>
+        </p:txBody>
+      </p:sp>
+      <p:sp>
+        <p:nvSpPr>
+          <p:cNvPr id="6" name="Right Arrow 5"/>
+          <p:cNvSpPr/>
+          <p:nvPr/>
+        </p:nvSpPr>
+        <p:spPr>
+          <a:xfrm>
+            <a:off x="7489800" y="1997199"/>
+            <a:ext cx="1149924" cy="394146"/>
+          </a:xfrm>
+          <a:prstGeom prst="rightArrow">
+            <a:avLst/>
+          </a:prstGeom>
+        </p:spPr>
+        <p:style>
+          <a:lnRef idx="1">
+            <a:schemeClr val="accent1"/>
+          </a:lnRef>
+          <a:fillRef idx="2">
+            <a:schemeClr val="accent1"/>
+          </a:fillRef>
+          <a:effectRef idx="1">
+            <a:schemeClr val="accent1"/>
+          </a:effectRef>
+          <a:fontRef idx="minor">
+            <a:schemeClr val="dk1"/>
+          </a:fontRef>
+        </p:style>
+        <p:txBody>
+          <a:bodyPr rtlCol="0" anchor="ctr"/>
+          <a:lstStyle/>
+          <a:p>
+            <a:pPr algn="ctr"/>
+            <a:endParaRPr lang="en-US" dirty="0"/>
+          </a:p>
+        </p:txBody>
+      </p:sp>
+      <p:sp>
+        <p:nvSpPr>
+          <p:cNvPr id="11" name="Rectangle 10"/>
+          <p:cNvSpPr/>
+          <p:nvPr/>
+        </p:nvSpPr>
+        <p:spPr>
+          <a:xfrm>
+            <a:off x="125456" y="1592602"/>
+            <a:ext cx="2763982" cy="3343080"/>
+          </a:xfrm>
+          <a:prstGeom prst="rect">
+            <a:avLst/>
+          </a:prstGeom>
+        </p:spPr>
+        <p:style>
+          <a:lnRef idx="1">
+            <a:schemeClr val="accent1"/>
+          </a:lnRef>
+          <a:fillRef idx="2">
+            <a:schemeClr val="accent1"/>
+          </a:fillRef>
+          <a:effectRef idx="1">
+            <a:schemeClr val="accent1"/>
+          </a:effectRef>
+          <a:fontRef idx="minor">
+            <a:schemeClr val="dk1"/>
+          </a:fontRef>
+        </p:style>
+        <p:txBody>
+          <a:bodyPr rtlCol="0" anchor="ctr"/>
+          <a:lstStyle/>
+          <a:p>
+            <a:pPr algn="ctr"/>
+            <a:r>
+              <a:rPr lang="en-US" dirty="0" err="1" smtClean="0">
+                <a:solidFill>
+                  <a:schemeClr val="tx1"/>
+                </a:solidFill>
+              </a:rPr>
+              <a:t>FunctionSet</a:t>
+            </a:r>
+            <a:endParaRPr lang="en-US" dirty="0">
+              <a:solidFill>
+                <a:schemeClr val="tx1"/>
+              </a:solidFill>
+            </a:endParaRPr>
+          </a:p>
+          <a:p>
+            <a:pPr algn="ctr"/>
+            <a:endParaRPr lang="en-US" dirty="0" smtClean="0"/>
+          </a:p>
+          <a:p>
+            <a:pPr algn="ctr"/>
+            <a:r>
+              <a:rPr lang="en-US" sz="1400" dirty="0" smtClean="0"/>
+              <a:t>Max</a:t>
+            </a:r>
+          </a:p>
+          <a:p>
+            <a:pPr algn="ctr"/>
+            <a:r>
+              <a:rPr lang="en-US" sz="1400" dirty="0" smtClean="0"/>
+              <a:t>Min</a:t>
+            </a:r>
+          </a:p>
+          <a:p>
+            <a:pPr algn="ctr"/>
+            <a:r>
+              <a:rPr lang="en-US" sz="1400" dirty="0" smtClean="0"/>
+              <a:t>Median</a:t>
+            </a:r>
+          </a:p>
+          <a:p>
+            <a:pPr algn="ctr"/>
+            <a:r>
+              <a:rPr lang="en-US" sz="1400" dirty="0" smtClean="0"/>
+              <a:t>Average</a:t>
+            </a:r>
+          </a:p>
+          <a:p>
+            <a:pPr algn="ctr"/>
+            <a:r>
+              <a:rPr lang="en-US" sz="1400" dirty="0" err="1" smtClean="0"/>
+              <a:t>StandardDeviation</a:t>
+            </a:r>
+            <a:endParaRPr lang="en-US" sz="1400" dirty="0" smtClean="0"/>
+          </a:p>
+          <a:p>
+            <a:pPr algn="ctr"/>
+            <a:r>
+              <a:rPr lang="en-US" sz="1400" dirty="0" smtClean="0"/>
+              <a:t>Skewness</a:t>
+            </a:r>
+          </a:p>
+          <a:p>
+            <a:pPr algn="ctr"/>
+            <a:r>
+              <a:rPr lang="en-US" sz="1400" dirty="0"/>
+              <a:t>Kurtosis</a:t>
+            </a:r>
+            <a:endParaRPr lang="en-US" sz="1400" dirty="0" smtClean="0"/>
+          </a:p>
+          <a:p>
+            <a:pPr algn="ctr"/>
+            <a:endParaRPr lang="en-US" sz="1400" dirty="0" smtClean="0"/>
+          </a:p>
+          <a:p>
+            <a:pPr algn="ctr"/>
+            <a:endParaRPr lang="en-US" dirty="0" smtClean="0"/>
+          </a:p>
+          <a:p>
+            <a:pPr algn="ctr"/>
+            <a:endParaRPr lang="en-US" dirty="0" smtClean="0"/>
+          </a:p>
+          <a:p>
+            <a:pPr algn="ctr"/>
+            <a:endParaRPr lang="en-US" dirty="0"/>
+          </a:p>
+          <a:p>
+            <a:pPr algn="ctr"/>
+            <a:endParaRPr lang="en-US" dirty="0"/>
+          </a:p>
+        </p:txBody>
+      </p:sp>
+      <p:sp>
+        <p:nvSpPr>
+          <p:cNvPr id="14" name="Rectangle 13"/>
+          <p:cNvSpPr/>
+          <p:nvPr/>
+        </p:nvSpPr>
+        <p:spPr>
+          <a:xfrm>
+            <a:off x="8928077" y="1997199"/>
+            <a:ext cx="2772087" cy="3619219"/>
+          </a:xfrm>
+          <a:prstGeom prst="rect">
+            <a:avLst/>
+          </a:prstGeom>
+        </p:spPr>
+        <p:style>
+          <a:lnRef idx="1">
+            <a:schemeClr val="accent1"/>
+          </a:lnRef>
+          <a:fillRef idx="2">
+            <a:schemeClr val="accent1"/>
+          </a:fillRef>
+          <a:effectRef idx="1">
+            <a:schemeClr val="accent1"/>
+          </a:effectRef>
+          <a:fontRef idx="minor">
+            <a:schemeClr val="dk1"/>
+          </a:fontRef>
+        </p:style>
+        <p:txBody>
+          <a:bodyPr rtlCol="0" anchor="ctr"/>
+          <a:lstStyle/>
+          <a:p>
+            <a:pPr algn="ctr"/>
+            <a:r>
+              <a:rPr lang="en-US" dirty="0" err="1" smtClean="0"/>
+              <a:t>ValueSet</a:t>
+            </a:r>
+            <a:endParaRPr lang="en-US" dirty="0" smtClean="0"/>
+          </a:p>
+          <a:p>
+            <a:pPr algn="ctr"/>
+            <a:endParaRPr lang="en-US" dirty="0" smtClean="0"/>
+          </a:p>
+          <a:p>
+            <a:pPr algn="ctr"/>
+            <a:r>
+              <a:rPr lang="en-US" sz="1400" dirty="0" err="1" smtClean="0"/>
+              <a:t>Max:MaxValue</a:t>
+            </a:r>
+            <a:endParaRPr lang="en-US" sz="1400" dirty="0" smtClean="0"/>
+          </a:p>
+          <a:p>
+            <a:pPr algn="ctr"/>
+            <a:r>
+              <a:rPr lang="en-US" sz="1400" dirty="0" err="1" smtClean="0"/>
+              <a:t>Min:MinValue</a:t>
+            </a:r>
+            <a:endParaRPr lang="en-US" sz="1400" dirty="0" smtClean="0"/>
+          </a:p>
+          <a:p>
+            <a:pPr algn="ctr"/>
+            <a:r>
+              <a:rPr lang="en-US" sz="1400" dirty="0" smtClean="0"/>
+              <a:t>Median:</a:t>
+            </a:r>
+            <a:r>
+              <a:rPr lang="en-US" sz="1400" dirty="0"/>
+              <a:t> </a:t>
+            </a:r>
+            <a:r>
+              <a:rPr lang="en-US" sz="1400" dirty="0" err="1" smtClean="0"/>
+              <a:t>MedianValue</a:t>
+            </a:r>
+            <a:endParaRPr lang="en-US" sz="1400" dirty="0" smtClean="0"/>
+          </a:p>
+          <a:p>
+            <a:pPr algn="ctr"/>
+            <a:r>
+              <a:rPr lang="en-US" sz="1400" dirty="0" err="1" smtClean="0"/>
+              <a:t>Average:AverageValue</a:t>
+            </a:r>
+            <a:endParaRPr lang="en-US" sz="1400" dirty="0" smtClean="0"/>
+          </a:p>
+          <a:p>
+            <a:pPr algn="ctr"/>
+            <a:r>
+              <a:rPr lang="en-US" sz="1400" dirty="0" err="1" smtClean="0"/>
+              <a:t>StandardDeviation:Value</a:t>
+            </a:r>
+            <a:endParaRPr lang="en-US" sz="1400" dirty="0" smtClean="0"/>
+          </a:p>
+          <a:p>
+            <a:pPr algn="ctr"/>
+            <a:r>
+              <a:rPr lang="en-US" sz="1400" dirty="0" err="1" smtClean="0"/>
+              <a:t>Skewness:SkewnessValue</a:t>
+            </a:r>
+            <a:endParaRPr lang="en-US" sz="1400" dirty="0"/>
+          </a:p>
+          <a:p>
+            <a:pPr algn="ctr"/>
+            <a:r>
+              <a:rPr lang="en-US" sz="1400" dirty="0" err="1" smtClean="0"/>
+              <a:t>Kurtosis:KurtosisValue</a:t>
+            </a:r>
+            <a:endParaRPr lang="en-US" sz="1400" dirty="0"/>
+          </a:p>
+          <a:p>
+            <a:pPr algn="ctr"/>
+            <a:endParaRPr lang="en-US" sz="1400" dirty="0" smtClean="0"/>
+          </a:p>
+          <a:p>
+            <a:pPr algn="ctr"/>
+            <a:endParaRPr lang="en-US" dirty="0" smtClean="0"/>
+          </a:p>
+          <a:p>
+            <a:pPr algn="ctr"/>
+            <a:endParaRPr lang="en-US" dirty="0" smtClean="0"/>
+          </a:p>
+          <a:p>
+            <a:pPr algn="ctr"/>
+            <a:endParaRPr lang="en-US" dirty="0"/>
+          </a:p>
+          <a:p>
+            <a:pPr algn="ctr"/>
+            <a:endParaRPr lang="en-US" dirty="0"/>
+          </a:p>
+        </p:txBody>
+      </p:sp>
+      <p:sp>
+        <p:nvSpPr>
+          <p:cNvPr id="15" name="Right Arrow 14"/>
+          <p:cNvSpPr/>
+          <p:nvPr/>
+        </p:nvSpPr>
+        <p:spPr>
+          <a:xfrm>
+            <a:off x="2988634" y="2194272"/>
+            <a:ext cx="1167147" cy="394146"/>
+          </a:xfrm>
+          <a:prstGeom prst="rightArrow">
+            <a:avLst/>
+          </a:prstGeom>
+        </p:spPr>
+        <p:style>
+          <a:lnRef idx="1">
+            <a:schemeClr val="accent1"/>
+          </a:lnRef>
+          <a:fillRef idx="2">
+            <a:schemeClr val="accent1"/>
+          </a:fillRef>
+          <a:effectRef idx="1">
+            <a:schemeClr val="accent1"/>
+          </a:effectRef>
+          <a:fontRef idx="minor">
+            <a:schemeClr val="dk1"/>
+          </a:fontRef>
+        </p:style>
+        <p:txBody>
+          <a:bodyPr rtlCol="0" anchor="ctr"/>
+          <a:lstStyle/>
+          <a:p>
+            <a:pPr algn="ctr"/>
+            <a:endParaRPr lang="en-US" dirty="0"/>
+          </a:p>
+        </p:txBody>
+      </p:sp>
+    </p:spTree>
+    <p:extLst>
+      <p:ext uri="{BB962C8B-B14F-4D97-AF65-F5344CB8AC3E}">
+        <p14:creationId xmlns:p14="http://schemas.microsoft.com/office/powerpoint/2010/main" val="472311052"/>
+      </p:ext>
+    </p:extLst>
+  </p:cSld>
+  <p:clrMapOvr>
+    <a:masterClrMapping/>
+  </p:clrMapOvr>
+  <p:timing>
+    <p:tnLst>
+      <p:par>
+        <p:cTn id="1" dur="indefinite" restart="never" nodeType="tmRoot"/>
+      </p:par>
+    </p:tnLst>
+  </p:timing>
+</p:sld>
+</file>
+
+<file path=ppt/slides/slide11.xml><?xml version="1.0" encoding="utf-8"?>
+<p:sld xmlns:a="http://schemas.openxmlformats.org/drawingml/2006/main" xmlns:r="http://schemas.openxmlformats.org/officeDocument/2006/relationships" xmlns:p="http://schemas.openxmlformats.org/presentationml/2006/main">
+  <p:cSld>
+    <p:spTree>
+      <p:nvGrpSpPr>
+        <p:cNvPr id="1" name=""/>
+        <p:cNvGrpSpPr/>
+        <p:nvPr/>
+      </p:nvGrpSpPr>
+      <p:grpSpPr>
+        <a:xfrm>
+          <a:off x="0" y="0"/>
+          <a:ext cx="0" cy="0"/>
+          <a:chOff x="0" y="0"/>
+          <a:chExt cx="0" cy="0"/>
+        </a:xfrm>
+      </p:grpSpPr>
+      <p:sp>
+        <p:nvSpPr>
+          <p:cNvPr id="4" name="Rectangle 3"/>
+          <p:cNvSpPr/>
+          <p:nvPr/>
+        </p:nvSpPr>
+        <p:spPr>
+          <a:xfrm>
+            <a:off x="3329641" y="1246624"/>
+            <a:ext cx="3648957" cy="2632081"/>
+          </a:xfrm>
+          <a:prstGeom prst="rect">
+            <a:avLst/>
+          </a:prstGeom>
+        </p:spPr>
+        <p:style>
+          <a:lnRef idx="1">
+            <a:schemeClr val="accent1"/>
+          </a:lnRef>
+          <a:fillRef idx="2">
+            <a:schemeClr val="accent1"/>
+          </a:fillRef>
+          <a:effectRef idx="1">
+            <a:schemeClr val="accent1"/>
+          </a:effectRef>
+          <a:fontRef idx="minor">
+            <a:schemeClr val="dk1"/>
+          </a:fontRef>
+        </p:style>
+        <p:txBody>
+          <a:bodyPr rtlCol="0" anchor="ctr"/>
+          <a:lstStyle/>
+          <a:p>
+            <a:pPr algn="ctr"/>
+            <a:r>
+              <a:rPr lang="en-US" dirty="0" smtClean="0"/>
+              <a:t>Summary</a:t>
+            </a:r>
+            <a:endParaRPr lang="en-US" dirty="0"/>
+          </a:p>
+        </p:txBody>
+      </p:sp>
+      <p:sp>
+        <p:nvSpPr>
+          <p:cNvPr id="5" name="Right Arrow 4"/>
+          <p:cNvSpPr/>
+          <p:nvPr/>
+        </p:nvSpPr>
+        <p:spPr>
+          <a:xfrm>
+            <a:off x="571500" y="1669755"/>
+            <a:ext cx="2623059" cy="394146"/>
+          </a:xfrm>
+          <a:prstGeom prst="rightArrow">
+            <a:avLst/>
+          </a:prstGeom>
+        </p:spPr>
+        <p:style>
+          <a:lnRef idx="1">
+            <a:schemeClr val="accent1"/>
+          </a:lnRef>
+          <a:fillRef idx="2">
+            <a:schemeClr val="accent1"/>
+          </a:fillRef>
+          <a:effectRef idx="1">
+            <a:schemeClr val="accent1"/>
+          </a:effectRef>
+          <a:fontRef idx="minor">
+            <a:schemeClr val="dk1"/>
+          </a:fontRef>
+        </p:style>
+        <p:txBody>
+          <a:bodyPr rtlCol="0" anchor="ctr"/>
+          <a:lstStyle/>
+          <a:p>
+            <a:pPr algn="ctr"/>
+            <a:r>
+              <a:rPr lang="en-US" i="1" dirty="0" err="1" smtClean="0"/>
+              <a:t>setConfig</a:t>
+            </a:r>
+            <a:endParaRPr lang="en-US" dirty="0"/>
+          </a:p>
+        </p:txBody>
+      </p:sp>
+      <p:sp>
+        <p:nvSpPr>
+          <p:cNvPr id="6" name="Right Arrow 5"/>
+          <p:cNvSpPr/>
+          <p:nvPr/>
+        </p:nvSpPr>
+        <p:spPr>
+          <a:xfrm>
+            <a:off x="571501" y="2404048"/>
+            <a:ext cx="2619594" cy="394146"/>
+          </a:xfrm>
+          <a:prstGeom prst="rightArrow">
+            <a:avLst/>
+          </a:prstGeom>
+        </p:spPr>
+        <p:style>
+          <a:lnRef idx="1">
+            <a:schemeClr val="accent1"/>
+          </a:lnRef>
+          <a:fillRef idx="2">
+            <a:schemeClr val="accent1"/>
+          </a:fillRef>
+          <a:effectRef idx="1">
+            <a:schemeClr val="accent1"/>
+          </a:effectRef>
+          <a:fontRef idx="minor">
+            <a:schemeClr val="dk1"/>
+          </a:fontRef>
+        </p:style>
+        <p:txBody>
+          <a:bodyPr rtlCol="0" anchor="ctr"/>
+          <a:lstStyle/>
+          <a:p>
+            <a:pPr algn="ctr"/>
+            <a:r>
+              <a:rPr lang="en-US" i="1" dirty="0" err="1"/>
+              <a:t>setSelection</a:t>
+            </a:r>
+            <a:endParaRPr lang="en-US" dirty="0"/>
+          </a:p>
+        </p:txBody>
+      </p:sp>
+      <p:sp>
+        <p:nvSpPr>
+          <p:cNvPr id="7" name="Right Arrow 6"/>
+          <p:cNvSpPr/>
+          <p:nvPr/>
+        </p:nvSpPr>
+        <p:spPr>
+          <a:xfrm>
+            <a:off x="571500" y="3179906"/>
+            <a:ext cx="2616130" cy="394146"/>
+          </a:xfrm>
+          <a:prstGeom prst="rightArrow">
+            <a:avLst/>
+          </a:prstGeom>
+        </p:spPr>
+        <p:style>
+          <a:lnRef idx="1">
+            <a:schemeClr val="accent1"/>
+          </a:lnRef>
+          <a:fillRef idx="2">
+            <a:schemeClr val="accent1"/>
+          </a:fillRef>
+          <a:effectRef idx="1">
+            <a:schemeClr val="accent1"/>
+          </a:effectRef>
+          <a:fontRef idx="minor">
+            <a:schemeClr val="dk1"/>
+          </a:fontRef>
+        </p:style>
+        <p:txBody>
+          <a:bodyPr rtlCol="0" anchor="ctr"/>
+          <a:lstStyle/>
+          <a:p>
+            <a:pPr algn="ctr"/>
+            <a:r>
+              <a:rPr lang="en-US" i="1" dirty="0" err="1"/>
+              <a:t>setDataProvider</a:t>
+            </a:r>
+            <a:endParaRPr lang="en-US" dirty="0"/>
+          </a:p>
+        </p:txBody>
+      </p:sp>
+      <p:sp>
+        <p:nvSpPr>
+          <p:cNvPr id="8" name="Right Arrow 7"/>
+          <p:cNvSpPr/>
+          <p:nvPr/>
+        </p:nvSpPr>
+        <p:spPr>
+          <a:xfrm>
+            <a:off x="7083130" y="2404051"/>
+            <a:ext cx="2133606" cy="394146"/>
+          </a:xfrm>
+          <a:prstGeom prst="rightArrow">
+            <a:avLst/>
+          </a:prstGeom>
+        </p:spPr>
+        <p:style>
+          <a:lnRef idx="1">
+            <a:schemeClr val="accent1"/>
+          </a:lnRef>
+          <a:fillRef idx="2">
+            <a:schemeClr val="accent1"/>
+          </a:fillRef>
+          <a:effectRef idx="1">
+            <a:schemeClr val="accent1"/>
+          </a:effectRef>
+          <a:fontRef idx="minor">
+            <a:schemeClr val="dk1"/>
+          </a:fontRef>
+        </p:style>
+        <p:txBody>
+          <a:bodyPr rtlCol="0" anchor="ctr"/>
+          <a:lstStyle/>
+          <a:p>
+            <a:pPr algn="ctr"/>
+            <a:r>
+              <a:rPr lang="en-US" dirty="0" smtClean="0"/>
+              <a:t>result</a:t>
+            </a:r>
+            <a:endParaRPr lang="en-US" dirty="0"/>
+          </a:p>
+        </p:txBody>
+      </p:sp>
+      <p:sp>
+        <p:nvSpPr>
+          <p:cNvPr id="9" name="Rectangle 8"/>
+          <p:cNvSpPr/>
+          <p:nvPr/>
+        </p:nvSpPr>
+        <p:spPr>
+          <a:xfrm>
+            <a:off x="9296395" y="1866828"/>
+            <a:ext cx="1900449" cy="1399170"/>
+          </a:xfrm>
+          <a:prstGeom prst="rect">
+            <a:avLst/>
+          </a:prstGeom>
+        </p:spPr>
+        <p:style>
+          <a:lnRef idx="1">
+            <a:schemeClr val="accent1"/>
+          </a:lnRef>
+          <a:fillRef idx="2">
+            <a:schemeClr val="accent1"/>
+          </a:fillRef>
+          <a:effectRef idx="1">
+            <a:schemeClr val="accent1"/>
+          </a:effectRef>
+          <a:fontRef idx="minor">
+            <a:schemeClr val="dk1"/>
+          </a:fontRef>
+        </p:style>
+        <p:txBody>
+          <a:bodyPr rtlCol="0" anchor="ctr"/>
+          <a:lstStyle/>
+          <a:p>
+            <a:pPr algn="ctr"/>
+            <a:r>
+              <a:rPr lang="en-US" dirty="0" err="1" smtClean="0"/>
+              <a:t>IFieldCollectionPtr</a:t>
+            </a:r>
+            <a:endParaRPr lang="en-US" dirty="0" smtClean="0"/>
+          </a:p>
+          <a:p>
+            <a:pPr algn="ctr"/>
+            <a:r>
+              <a:rPr lang="en-US" dirty="0" smtClean="0"/>
+              <a:t>(calculated table)</a:t>
+            </a:r>
+            <a:endParaRPr lang="en-US" dirty="0"/>
+          </a:p>
+        </p:txBody>
+      </p:sp>
+    </p:spTree>
+    <p:extLst>
+      <p:ext uri="{BB962C8B-B14F-4D97-AF65-F5344CB8AC3E}">
+        <p14:creationId xmlns:p14="http://schemas.microsoft.com/office/powerpoint/2010/main" val="1039536698"/>
+      </p:ext>
+    </p:extLst>
+  </p:cSld>
+  <p:clrMapOvr>
+    <a:masterClrMapping/>
+  </p:clrMapOvr>
+  <p:timing>
+    <p:tnLst>
+      <p:par>
+        <p:cTn id="1" dur="indefinite" restart="never" nodeType="tmRoot"/>
+      </p:par>
+    </p:tnLst>
+  </p:timing>
+</p:sld>
+</file>
+
+<file path=ppt/slides/slide12.xml><?xml version="1.0" encoding="utf-8"?>
+<p:sld xmlns:a="http://schemas.openxmlformats.org/drawingml/2006/main" xmlns:r="http://schemas.openxmlformats.org/officeDocument/2006/relationships" xmlns:p="http://schemas.openxmlformats.org/presentationml/2006/main">
+  <p:cSld>
+    <p:spTree>
+      <p:nvGrpSpPr>
+        <p:cNvPr id="1" name=""/>
+        <p:cNvGrpSpPr/>
+        <p:nvPr/>
+      </p:nvGrpSpPr>
+      <p:grpSpPr>
+        <a:xfrm>
+          <a:off x="0" y="0"/>
+          <a:ext cx="0" cy="0"/>
+          <a:chOff x="0" y="0"/>
+          <a:chExt cx="0" cy="0"/>
+        </a:xfrm>
+      </p:grpSpPr>
+      <p:sp>
+        <p:nvSpPr>
+          <p:cNvPr id="21" name="Rectangle 20"/>
+          <p:cNvSpPr/>
+          <p:nvPr/>
+        </p:nvSpPr>
+        <p:spPr>
+          <a:xfrm>
+            <a:off x="124692" y="93783"/>
+            <a:ext cx="11949544" cy="6566789"/>
+          </a:xfrm>
+          <a:prstGeom prst="rect">
+            <a:avLst/>
+          </a:prstGeom>
+          <a:noFill/>
+          <a:ln w="38100"/>
+        </p:spPr>
+        <p:style>
+          <a:lnRef idx="1">
+            <a:schemeClr val="accent1"/>
+          </a:lnRef>
+          <a:fillRef idx="2">
+            <a:schemeClr val="accent1"/>
+          </a:fillRef>
+          <a:effectRef idx="1">
+            <a:schemeClr val="accent1"/>
+          </a:effectRef>
+          <a:fontRef idx="minor">
+            <a:schemeClr val="dk1"/>
+          </a:fontRef>
+        </p:style>
+        <p:txBody>
+          <a:bodyPr rtlCol="0" anchor="t"/>
+          <a:lstStyle/>
+          <a:p>
+            <a:r>
+              <a:rPr lang="en-US" dirty="0" smtClean="0"/>
+              <a:t>Summary::run()</a:t>
+            </a:r>
+            <a:endParaRPr lang="en-US" dirty="0"/>
+          </a:p>
+          <a:p>
+            <a:endParaRPr lang="en-US" dirty="0"/>
+          </a:p>
+          <a:p>
+            <a:endParaRPr lang="en-US" dirty="0"/>
+          </a:p>
+        </p:txBody>
+      </p:sp>
+      <p:sp>
+        <p:nvSpPr>
+          <p:cNvPr id="26" name="Rectangle 25"/>
+          <p:cNvSpPr/>
+          <p:nvPr/>
+        </p:nvSpPr>
+        <p:spPr>
+          <a:xfrm>
+            <a:off x="268416" y="610743"/>
+            <a:ext cx="1643511" cy="626636"/>
+          </a:xfrm>
+          <a:prstGeom prst="rect">
+            <a:avLst/>
+          </a:prstGeom>
+        </p:spPr>
+        <p:style>
+          <a:lnRef idx="1">
+            <a:schemeClr val="accent1"/>
+          </a:lnRef>
+          <a:fillRef idx="2">
+            <a:schemeClr val="accent1"/>
+          </a:fillRef>
+          <a:effectRef idx="1">
+            <a:schemeClr val="accent1"/>
+          </a:effectRef>
+          <a:fontRef idx="minor">
+            <a:schemeClr val="dk1"/>
+          </a:fontRef>
+        </p:style>
+        <p:txBody>
+          <a:bodyPr rtlCol="0" anchor="ctr"/>
+          <a:lstStyle/>
+          <a:p>
+            <a:pPr algn="ctr"/>
+            <a:r>
+              <a:rPr lang="en-US" dirty="0" err="1" smtClean="0"/>
+              <a:t>config</a:t>
+            </a:r>
+            <a:endParaRPr lang="en-US" dirty="0"/>
+          </a:p>
+        </p:txBody>
+      </p:sp>
+      <p:sp>
+        <p:nvSpPr>
+          <p:cNvPr id="29" name="Right Arrow 28"/>
+          <p:cNvSpPr/>
+          <p:nvPr/>
+        </p:nvSpPr>
+        <p:spPr>
+          <a:xfrm rot="10800000">
+            <a:off x="2055651" y="357027"/>
+            <a:ext cx="1759272" cy="507431"/>
+          </a:xfrm>
+          <a:prstGeom prst="rightArrow">
+            <a:avLst/>
+          </a:prstGeom>
+        </p:spPr>
+        <p:style>
+          <a:lnRef idx="1">
+            <a:schemeClr val="accent1"/>
+          </a:lnRef>
+          <a:fillRef idx="2">
+            <a:schemeClr val="accent1"/>
+          </a:fillRef>
+          <a:effectRef idx="1">
+            <a:schemeClr val="accent1"/>
+          </a:effectRef>
+          <a:fontRef idx="minor">
+            <a:schemeClr val="dk1"/>
+          </a:fontRef>
+        </p:style>
+        <p:txBody>
+          <a:bodyPr rtlCol="0" anchor="t"/>
+          <a:lstStyle/>
+          <a:p>
+            <a:pPr algn="ctr"/>
+            <a:endParaRPr lang="en-US" sz="1600" dirty="0"/>
+          </a:p>
+        </p:txBody>
+      </p:sp>
+      <p:sp>
+        <p:nvSpPr>
+          <p:cNvPr id="4" name="TextBox 3"/>
+          <p:cNvSpPr txBox="1"/>
+          <p:nvPr/>
+        </p:nvSpPr>
+        <p:spPr>
+          <a:xfrm>
+            <a:off x="2263467" y="387851"/>
+            <a:ext cx="1579419" cy="646331"/>
+          </a:xfrm>
+          <a:prstGeom prst="rect">
+            <a:avLst/>
+          </a:prstGeom>
+          <a:noFill/>
+        </p:spPr>
+        <p:txBody>
+          <a:bodyPr wrap="square" rtlCol="0">
+            <a:spAutoFit/>
+          </a:bodyPr>
+          <a:lstStyle/>
+          <a:p>
+            <a:r>
+              <a:rPr lang="en-US" dirty="0" err="1"/>
+              <a:t>getParameter</a:t>
+            </a:r>
+            <a:endParaRPr lang="en-US" dirty="0"/>
+          </a:p>
+          <a:p>
+            <a:endParaRPr lang="en-US" dirty="0"/>
+          </a:p>
+        </p:txBody>
+      </p:sp>
+      <p:sp>
+        <p:nvSpPr>
+          <p:cNvPr id="35" name="Right Arrow 34"/>
+          <p:cNvSpPr/>
+          <p:nvPr/>
+        </p:nvSpPr>
+        <p:spPr>
+          <a:xfrm>
+            <a:off x="2208051" y="883503"/>
+            <a:ext cx="1759272" cy="507431"/>
+          </a:xfrm>
+          <a:prstGeom prst="rightArrow">
+            <a:avLst/>
+          </a:prstGeom>
+        </p:spPr>
+        <p:style>
+          <a:lnRef idx="1">
+            <a:schemeClr val="accent1"/>
+          </a:lnRef>
+          <a:fillRef idx="2">
+            <a:schemeClr val="accent1"/>
+          </a:fillRef>
+          <a:effectRef idx="1">
+            <a:schemeClr val="accent1"/>
+          </a:effectRef>
+          <a:fontRef idx="minor">
+            <a:schemeClr val="dk1"/>
+          </a:fontRef>
+        </p:style>
+        <p:txBody>
+          <a:bodyPr rtlCol="0" anchor="t"/>
+          <a:lstStyle/>
+          <a:p>
+            <a:pPr algn="ctr"/>
+            <a:r>
+              <a:rPr lang="en-US" sz="1600" dirty="0" smtClean="0"/>
+              <a:t>return</a:t>
+            </a:r>
+            <a:endParaRPr lang="en-US" sz="1600" dirty="0"/>
+          </a:p>
+        </p:txBody>
+      </p:sp>
+      <p:sp>
+        <p:nvSpPr>
+          <p:cNvPr id="36" name="Snip Diagonal Corner Rectangle 35"/>
+          <p:cNvSpPr/>
+          <p:nvPr/>
+        </p:nvSpPr>
+        <p:spPr>
+          <a:xfrm>
+            <a:off x="4194426" y="864571"/>
+            <a:ext cx="1292226" cy="526363"/>
+          </a:xfrm>
+          <a:prstGeom prst="snip2DiagRect">
+            <a:avLst/>
+          </a:prstGeom>
+        </p:spPr>
+        <p:style>
+          <a:lnRef idx="1">
+            <a:schemeClr val="accent1"/>
+          </a:lnRef>
+          <a:fillRef idx="2">
+            <a:schemeClr val="accent1"/>
+          </a:fillRef>
+          <a:effectRef idx="1">
+            <a:schemeClr val="accent1"/>
+          </a:effectRef>
+          <a:fontRef idx="minor">
+            <a:schemeClr val="dk1"/>
+          </a:fontRef>
+        </p:style>
+        <p:txBody>
+          <a:bodyPr rtlCol="0" anchor="ctr"/>
+          <a:lstStyle/>
+          <a:p>
+            <a:pPr algn="ctr"/>
+            <a:r>
+              <a:rPr lang="en-US" dirty="0"/>
+              <a:t>parameter</a:t>
+            </a:r>
+            <a:endParaRPr lang="en-US" dirty="0"/>
+          </a:p>
+        </p:txBody>
+      </p:sp>
+      <p:sp>
+        <p:nvSpPr>
+          <p:cNvPr id="39" name="Right Arrow 38"/>
+          <p:cNvSpPr/>
+          <p:nvPr/>
+        </p:nvSpPr>
+        <p:spPr>
+          <a:xfrm>
+            <a:off x="5713754" y="883503"/>
+            <a:ext cx="1757309" cy="507431"/>
+          </a:xfrm>
+          <a:prstGeom prst="rightArrow">
+            <a:avLst/>
+          </a:prstGeom>
+        </p:spPr>
+        <p:style>
+          <a:lnRef idx="1">
+            <a:schemeClr val="accent1"/>
+          </a:lnRef>
+          <a:fillRef idx="2">
+            <a:schemeClr val="accent1"/>
+          </a:fillRef>
+          <a:effectRef idx="1">
+            <a:schemeClr val="accent1"/>
+          </a:effectRef>
+          <a:fontRef idx="minor">
+            <a:schemeClr val="dk1"/>
+          </a:fontRef>
+        </p:style>
+        <p:txBody>
+          <a:bodyPr rtlCol="0" anchor="t"/>
+          <a:lstStyle/>
+          <a:p>
+            <a:pPr algn="ctr"/>
+            <a:r>
+              <a:rPr lang="en-US" sz="1600" dirty="0" err="1" smtClean="0"/>
+              <a:t>GetData</a:t>
+            </a:r>
+            <a:r>
+              <a:rPr lang="en-US" sz="1600" dirty="0" smtClean="0"/>
+              <a:t>()</a:t>
+            </a:r>
+            <a:endParaRPr lang="en-US" sz="1600" dirty="0"/>
+          </a:p>
+        </p:txBody>
+      </p:sp>
+      <p:sp>
+        <p:nvSpPr>
+          <p:cNvPr id="40" name="Snip Diagonal Corner Rectangle 39"/>
+          <p:cNvSpPr/>
+          <p:nvPr/>
+        </p:nvSpPr>
+        <p:spPr>
+          <a:xfrm>
+            <a:off x="5922660" y="1944037"/>
+            <a:ext cx="1292226" cy="526363"/>
+          </a:xfrm>
+          <a:prstGeom prst="snip2DiagRect">
+            <a:avLst/>
+          </a:prstGeom>
+        </p:spPr>
+        <p:style>
+          <a:lnRef idx="1">
+            <a:schemeClr val="accent1"/>
+          </a:lnRef>
+          <a:fillRef idx="2">
+            <a:schemeClr val="accent1"/>
+          </a:fillRef>
+          <a:effectRef idx="1">
+            <a:schemeClr val="accent1"/>
+          </a:effectRef>
+          <a:fontRef idx="minor">
+            <a:schemeClr val="dk1"/>
+          </a:fontRef>
+        </p:style>
+        <p:txBody>
+          <a:bodyPr rtlCol="0" anchor="ctr"/>
+          <a:lstStyle/>
+          <a:p>
+            <a:pPr algn="ctr"/>
+            <a:r>
+              <a:rPr lang="en-US" sz="1400" dirty="0" err="1"/>
+              <a:t>IFieldCollectionPtr</a:t>
+            </a:r>
+            <a:endParaRPr lang="en-US" sz="1400" dirty="0"/>
+          </a:p>
+        </p:txBody>
+      </p:sp>
+      <p:sp>
+        <p:nvSpPr>
+          <p:cNvPr id="41" name="Rectangle 40"/>
+          <p:cNvSpPr/>
+          <p:nvPr/>
+        </p:nvSpPr>
+        <p:spPr>
+          <a:xfrm>
+            <a:off x="7698165" y="791997"/>
+            <a:ext cx="1643511" cy="626636"/>
+          </a:xfrm>
+          <a:prstGeom prst="rect">
+            <a:avLst/>
+          </a:prstGeom>
+        </p:spPr>
+        <p:style>
+          <a:lnRef idx="1">
+            <a:schemeClr val="accent1"/>
+          </a:lnRef>
+          <a:fillRef idx="2">
+            <a:schemeClr val="accent1"/>
+          </a:fillRef>
+          <a:effectRef idx="1">
+            <a:schemeClr val="accent1"/>
+          </a:effectRef>
+          <a:fontRef idx="minor">
+            <a:schemeClr val="dk1"/>
+          </a:fontRef>
+        </p:style>
+        <p:txBody>
+          <a:bodyPr rtlCol="0" anchor="ctr"/>
+          <a:lstStyle/>
+          <a:p>
+            <a:pPr algn="ctr"/>
+            <a:r>
+              <a:rPr lang="en-US" dirty="0" err="1" smtClean="0"/>
+              <a:t>DataProvider</a:t>
+            </a:r>
+            <a:endParaRPr lang="en-US" dirty="0"/>
+          </a:p>
+        </p:txBody>
+      </p:sp>
+      <p:sp>
+        <p:nvSpPr>
+          <p:cNvPr id="42" name="Right Arrow 41"/>
+          <p:cNvSpPr/>
+          <p:nvPr/>
+        </p:nvSpPr>
+        <p:spPr>
+          <a:xfrm rot="8804855">
+            <a:off x="7283912" y="1644770"/>
+            <a:ext cx="1077378" cy="507431"/>
+          </a:xfrm>
+          <a:prstGeom prst="rightArrow">
+            <a:avLst/>
+          </a:prstGeom>
+        </p:spPr>
+        <p:style>
+          <a:lnRef idx="1">
+            <a:schemeClr val="accent1"/>
+          </a:lnRef>
+          <a:fillRef idx="2">
+            <a:schemeClr val="accent1"/>
+          </a:fillRef>
+          <a:effectRef idx="1">
+            <a:schemeClr val="accent1"/>
+          </a:effectRef>
+          <a:fontRef idx="minor">
+            <a:schemeClr val="dk1"/>
+          </a:fontRef>
+        </p:style>
+        <p:txBody>
+          <a:bodyPr rtlCol="0" anchor="t"/>
+          <a:lstStyle/>
+          <a:p>
+            <a:pPr algn="ctr"/>
+            <a:endParaRPr lang="en-US" sz="1600" dirty="0"/>
+          </a:p>
+        </p:txBody>
+      </p:sp>
+      <p:sp>
+        <p:nvSpPr>
+          <p:cNvPr id="43" name="Right Arrow 42"/>
+          <p:cNvSpPr/>
+          <p:nvPr/>
+        </p:nvSpPr>
+        <p:spPr>
+          <a:xfrm>
+            <a:off x="4410922" y="1757616"/>
+            <a:ext cx="1424508" cy="507431"/>
+          </a:xfrm>
+          <a:prstGeom prst="rightArrow">
+            <a:avLst/>
+          </a:prstGeom>
+        </p:spPr>
+        <p:style>
+          <a:lnRef idx="1">
+            <a:schemeClr val="accent1"/>
+          </a:lnRef>
+          <a:fillRef idx="2">
+            <a:schemeClr val="accent1"/>
+          </a:fillRef>
+          <a:effectRef idx="1">
+            <a:schemeClr val="accent1"/>
+          </a:effectRef>
+          <a:fontRef idx="minor">
+            <a:schemeClr val="dk1"/>
+          </a:fontRef>
+        </p:style>
+        <p:txBody>
+          <a:bodyPr rtlCol="0" anchor="t"/>
+          <a:lstStyle/>
+          <a:p>
+            <a:pPr algn="ctr"/>
+            <a:endParaRPr lang="en-US" sz="1600" dirty="0"/>
+          </a:p>
+        </p:txBody>
+      </p:sp>
+      <p:sp>
+        <p:nvSpPr>
+          <p:cNvPr id="44" name="Right Arrow 43"/>
+          <p:cNvSpPr/>
+          <p:nvPr/>
+        </p:nvSpPr>
+        <p:spPr>
+          <a:xfrm rot="10800000">
+            <a:off x="4329543" y="2208092"/>
+            <a:ext cx="1527344" cy="507431"/>
+          </a:xfrm>
+          <a:prstGeom prst="rightArrow">
+            <a:avLst/>
+          </a:prstGeom>
+        </p:spPr>
+        <p:style>
+          <a:lnRef idx="1">
+            <a:schemeClr val="accent1"/>
+          </a:lnRef>
+          <a:fillRef idx="2">
+            <a:schemeClr val="accent1"/>
+          </a:fillRef>
+          <a:effectRef idx="1">
+            <a:schemeClr val="accent1"/>
+          </a:effectRef>
+          <a:fontRef idx="minor">
+            <a:schemeClr val="dk1"/>
+          </a:fontRef>
+        </p:style>
+        <p:txBody>
+          <a:bodyPr rtlCol="0" anchor="t"/>
+          <a:lstStyle/>
+          <a:p>
+            <a:pPr algn="ctr"/>
+            <a:endParaRPr lang="en-US" sz="1600" dirty="0"/>
+          </a:p>
+        </p:txBody>
+      </p:sp>
+      <p:sp>
+        <p:nvSpPr>
+          <p:cNvPr id="10" name="Rectangle 9"/>
+          <p:cNvSpPr/>
+          <p:nvPr/>
+        </p:nvSpPr>
+        <p:spPr>
+          <a:xfrm>
+            <a:off x="4846394" y="2202614"/>
+            <a:ext cx="776751" cy="369332"/>
+          </a:xfrm>
+          <a:prstGeom prst="rect">
+            <a:avLst/>
+          </a:prstGeom>
+        </p:spPr>
+        <p:txBody>
+          <a:bodyPr wrap="none">
+            <a:spAutoFit/>
+          </a:bodyPr>
+          <a:lstStyle/>
+          <a:p>
+            <a:r>
+              <a:rPr lang="en-US" dirty="0" smtClean="0">
+                <a:solidFill>
+                  <a:srgbClr val="000000"/>
+                </a:solidFill>
+              </a:rPr>
+              <a:t>return</a:t>
+            </a:r>
+            <a:endParaRPr lang="en-US" dirty="0"/>
+          </a:p>
+        </p:txBody>
+      </p:sp>
+      <p:sp>
+        <p:nvSpPr>
+          <p:cNvPr id="45" name="Rectangle 44"/>
+          <p:cNvSpPr/>
+          <p:nvPr/>
+        </p:nvSpPr>
+        <p:spPr>
+          <a:xfrm rot="19374177">
+            <a:off x="7503846" y="1641005"/>
+            <a:ext cx="776751" cy="369332"/>
+          </a:xfrm>
+          <a:prstGeom prst="rect">
+            <a:avLst/>
+          </a:prstGeom>
+        </p:spPr>
+        <p:txBody>
+          <a:bodyPr wrap="none">
+            <a:spAutoFit/>
+          </a:bodyPr>
+          <a:lstStyle/>
+          <a:p>
+            <a:r>
+              <a:rPr lang="en-US" dirty="0" smtClean="0">
+                <a:solidFill>
+                  <a:srgbClr val="000000"/>
+                </a:solidFill>
+              </a:rPr>
+              <a:t>return</a:t>
+            </a:r>
+            <a:endParaRPr lang="en-US" dirty="0"/>
+          </a:p>
+        </p:txBody>
+      </p:sp>
+      <p:sp>
+        <p:nvSpPr>
+          <p:cNvPr id="46" name="Rectangle 45"/>
+          <p:cNvSpPr/>
+          <p:nvPr/>
+        </p:nvSpPr>
+        <p:spPr>
+          <a:xfrm rot="21549684">
+            <a:off x="4556521" y="1804120"/>
+            <a:ext cx="1096903" cy="338554"/>
+          </a:xfrm>
+          <a:prstGeom prst="rect">
+            <a:avLst/>
+          </a:prstGeom>
+        </p:spPr>
+        <p:txBody>
+          <a:bodyPr wrap="none">
+            <a:spAutoFit/>
+          </a:bodyPr>
+          <a:lstStyle/>
+          <a:p>
+            <a:r>
+              <a:rPr lang="en-US" sz="1600" i="1" dirty="0" err="1" smtClean="0"/>
+              <a:t>GetCount</a:t>
+            </a:r>
+            <a:r>
+              <a:rPr lang="en-US" sz="1600" i="1" dirty="0" smtClean="0"/>
+              <a:t>()</a:t>
+            </a:r>
+            <a:endParaRPr lang="en-US" sz="1600" dirty="0"/>
+          </a:p>
+        </p:txBody>
+      </p:sp>
+      <p:sp>
+        <p:nvSpPr>
+          <p:cNvPr id="47" name="Snip Diagonal Corner Rectangle 46"/>
+          <p:cNvSpPr/>
+          <p:nvPr/>
+        </p:nvSpPr>
+        <p:spPr>
+          <a:xfrm>
+            <a:off x="2810259" y="2308764"/>
+            <a:ext cx="1292226" cy="526363"/>
+          </a:xfrm>
+          <a:prstGeom prst="snip2DiagRect">
+            <a:avLst/>
+          </a:prstGeom>
+        </p:spPr>
+        <p:style>
+          <a:lnRef idx="1">
+            <a:schemeClr val="accent1"/>
+          </a:lnRef>
+          <a:fillRef idx="2">
+            <a:schemeClr val="accent1"/>
+          </a:fillRef>
+          <a:effectRef idx="1">
+            <a:schemeClr val="accent1"/>
+          </a:effectRef>
+          <a:fontRef idx="minor">
+            <a:schemeClr val="dk1"/>
+          </a:fontRef>
+        </p:style>
+        <p:txBody>
+          <a:bodyPr rtlCol="0" anchor="ctr"/>
+          <a:lstStyle/>
+          <a:p>
+            <a:pPr algn="ctr"/>
+            <a:r>
+              <a:rPr lang="en-US" sz="1400" dirty="0" err="1">
+                <a:solidFill>
+                  <a:srgbClr val="000000"/>
+                </a:solidFill>
+              </a:rPr>
+              <a:t>iFieldCount</a:t>
+            </a:r>
+            <a:endParaRPr lang="en-US" sz="1400" dirty="0"/>
+          </a:p>
+        </p:txBody>
+      </p:sp>
+      <p:sp>
+        <p:nvSpPr>
+          <p:cNvPr id="48" name="Rectangle 47"/>
+          <p:cNvSpPr/>
+          <p:nvPr/>
+        </p:nvSpPr>
+        <p:spPr>
+          <a:xfrm>
+            <a:off x="688737" y="3093139"/>
+            <a:ext cx="5909490" cy="3053110"/>
+          </a:xfrm>
+          <a:prstGeom prst="rect">
+            <a:avLst/>
+          </a:prstGeom>
+        </p:spPr>
+        <p:style>
+          <a:lnRef idx="1">
+            <a:schemeClr val="accent1"/>
+          </a:lnRef>
+          <a:fillRef idx="2">
+            <a:schemeClr val="accent1"/>
+          </a:fillRef>
+          <a:effectRef idx="1">
+            <a:schemeClr val="accent1"/>
+          </a:effectRef>
+          <a:fontRef idx="minor">
+            <a:schemeClr val="dk1"/>
+          </a:fontRef>
+        </p:style>
+        <p:txBody>
+          <a:bodyPr numCol="1" rtlCol="0" anchor="ctr"/>
+          <a:lstStyle/>
+          <a:p>
+            <a:r>
+              <a:rPr lang="en-US" dirty="0"/>
+              <a:t>f</a:t>
+            </a:r>
+            <a:r>
+              <a:rPr lang="en-US" dirty="0" smtClean="0"/>
+              <a:t>or </a:t>
+            </a:r>
+            <a:r>
+              <a:rPr lang="en-US" dirty="0" err="1"/>
+              <a:t>i</a:t>
+            </a:r>
+            <a:r>
+              <a:rPr lang="en-US" dirty="0" smtClean="0"/>
+              <a:t> in range(0, </a:t>
+            </a:r>
+            <a:r>
+              <a:rPr lang="en-US" dirty="0" err="1" smtClean="0">
+                <a:solidFill>
+                  <a:srgbClr val="000000"/>
+                </a:solidFill>
+              </a:rPr>
+              <a:t>iFieldCount</a:t>
+            </a:r>
+            <a:r>
+              <a:rPr lang="en-US" dirty="0" smtClean="0"/>
+              <a:t>)                                                      </a:t>
+            </a:r>
+            <a:r>
+              <a:rPr lang="en-US" sz="1400" dirty="0" err="1" smtClean="0"/>
+              <a:t>summaryData</a:t>
+            </a:r>
+            <a:r>
+              <a:rPr lang="en-US" sz="1400" dirty="0" smtClean="0"/>
+              <a:t> = </a:t>
+            </a:r>
+            <a:r>
+              <a:rPr lang="en-US" sz="1400" dirty="0" err="1" smtClean="0"/>
+              <a:t>oFieldCollection</a:t>
+            </a:r>
+            <a:r>
+              <a:rPr lang="en-US" sz="1400" dirty="0" smtClean="0"/>
+              <a:t>-&gt;</a:t>
+            </a:r>
+            <a:r>
+              <a:rPr lang="en-US" sz="1400" i="1" dirty="0" err="1" smtClean="0"/>
+              <a:t>GetFieldData</a:t>
+            </a:r>
+            <a:r>
+              <a:rPr lang="en-US" sz="1400" dirty="0" smtClean="0"/>
+              <a:t>(…);</a:t>
+            </a:r>
+          </a:p>
+          <a:p>
+            <a:r>
+              <a:rPr lang="en-US" sz="1400" dirty="0" err="1" smtClean="0"/>
+              <a:t>summaryDoubleData</a:t>
+            </a:r>
+            <a:r>
+              <a:rPr lang="en-US" sz="1400" dirty="0" smtClean="0"/>
+              <a:t> </a:t>
+            </a:r>
+            <a:r>
+              <a:rPr lang="en-US" sz="1400" dirty="0"/>
+              <a:t>= </a:t>
+            </a:r>
+            <a:r>
+              <a:rPr lang="en-US" sz="1400" dirty="0" err="1"/>
+              <a:t>summaryData</a:t>
+            </a:r>
+            <a:r>
+              <a:rPr lang="en-US" sz="1400" dirty="0"/>
+              <a:t>-&gt;</a:t>
+            </a:r>
+            <a:r>
+              <a:rPr lang="en-US" sz="1400" i="1" dirty="0" err="1"/>
+              <a:t>GetDoubleData</a:t>
+            </a:r>
+            <a:r>
+              <a:rPr lang="en-US" sz="1400" dirty="0" smtClean="0"/>
+              <a:t>();</a:t>
+            </a:r>
+          </a:p>
+          <a:p>
+            <a:endParaRPr lang="en-US" sz="1400" dirty="0" smtClean="0"/>
+          </a:p>
+        </p:txBody>
+      </p:sp>
+      <p:sp>
+        <p:nvSpPr>
+          <p:cNvPr id="49" name="Snip Diagonal Corner Rectangle 48"/>
+          <p:cNvSpPr/>
+          <p:nvPr/>
+        </p:nvSpPr>
+        <p:spPr>
+          <a:xfrm>
+            <a:off x="772932" y="5070260"/>
+            <a:ext cx="1824795" cy="605606"/>
+          </a:xfrm>
+          <a:prstGeom prst="snip2DiagRect">
+            <a:avLst/>
+          </a:prstGeom>
+        </p:spPr>
+        <p:style>
+          <a:lnRef idx="1">
+            <a:schemeClr val="accent1"/>
+          </a:lnRef>
+          <a:fillRef idx="2">
+            <a:schemeClr val="accent1"/>
+          </a:fillRef>
+          <a:effectRef idx="1">
+            <a:schemeClr val="accent1"/>
+          </a:effectRef>
+          <a:fontRef idx="minor">
+            <a:schemeClr val="dk1"/>
+          </a:fontRef>
+        </p:style>
+        <p:txBody>
+          <a:bodyPr rtlCol="0" anchor="ctr"/>
+          <a:lstStyle/>
+          <a:p>
+            <a:pPr algn="ctr"/>
+            <a:r>
+              <a:rPr lang="en-US" sz="1400" dirty="0" err="1"/>
+              <a:t>summaryDoubleData</a:t>
+            </a:r>
+            <a:endParaRPr lang="en-US" sz="1400" dirty="0"/>
+          </a:p>
+        </p:txBody>
+      </p:sp>
+      <p:sp>
+        <p:nvSpPr>
+          <p:cNvPr id="50" name="Right Arrow 49"/>
+          <p:cNvSpPr/>
+          <p:nvPr/>
+        </p:nvSpPr>
+        <p:spPr>
+          <a:xfrm>
+            <a:off x="2681922" y="5235618"/>
+            <a:ext cx="479850" cy="274889"/>
+          </a:xfrm>
+          <a:prstGeom prst="rightArrow">
+            <a:avLst/>
+          </a:prstGeom>
+        </p:spPr>
+        <p:style>
+          <a:lnRef idx="1">
+            <a:schemeClr val="accent1"/>
+          </a:lnRef>
+          <a:fillRef idx="2">
+            <a:schemeClr val="accent1"/>
+          </a:fillRef>
+          <a:effectRef idx="1">
+            <a:schemeClr val="accent1"/>
+          </a:effectRef>
+          <a:fontRef idx="minor">
+            <a:schemeClr val="dk1"/>
+          </a:fontRef>
+        </p:style>
+        <p:txBody>
+          <a:bodyPr rtlCol="0" anchor="t"/>
+          <a:lstStyle/>
+          <a:p>
+            <a:pPr algn="ctr"/>
+            <a:endParaRPr lang="en-US" sz="1600" dirty="0"/>
+          </a:p>
+        </p:txBody>
+      </p:sp>
+      <p:sp>
+        <p:nvSpPr>
+          <p:cNvPr id="51" name="Rectangle 50"/>
+          <p:cNvSpPr/>
+          <p:nvPr/>
+        </p:nvSpPr>
+        <p:spPr>
+          <a:xfrm>
+            <a:off x="3233653" y="5135033"/>
+            <a:ext cx="1093263" cy="476057"/>
+          </a:xfrm>
+          <a:prstGeom prst="rect">
+            <a:avLst/>
+          </a:prstGeom>
+        </p:spPr>
+        <p:style>
+          <a:lnRef idx="1">
+            <a:schemeClr val="accent1"/>
+          </a:lnRef>
+          <a:fillRef idx="2">
+            <a:schemeClr val="accent1"/>
+          </a:fillRef>
+          <a:effectRef idx="1">
+            <a:schemeClr val="accent1"/>
+          </a:effectRef>
+          <a:fontRef idx="minor">
+            <a:schemeClr val="dk1"/>
+          </a:fontRef>
+        </p:style>
+        <p:txBody>
+          <a:bodyPr rtlCol="0" anchor="ctr"/>
+          <a:lstStyle/>
+          <a:p>
+            <a:pPr algn="ctr"/>
+            <a:r>
+              <a:rPr lang="en-US" sz="1400" dirty="0" smtClean="0"/>
+              <a:t>Statistics</a:t>
+            </a:r>
+            <a:endParaRPr lang="en-US" sz="1400" dirty="0"/>
+          </a:p>
+        </p:txBody>
+      </p:sp>
+      <p:sp>
+        <p:nvSpPr>
+          <p:cNvPr id="52" name="Right Arrow 51"/>
+          <p:cNvSpPr/>
+          <p:nvPr/>
+        </p:nvSpPr>
+        <p:spPr>
+          <a:xfrm>
+            <a:off x="4455304" y="5242544"/>
+            <a:ext cx="479850" cy="274889"/>
+          </a:xfrm>
+          <a:prstGeom prst="rightArrow">
+            <a:avLst/>
+          </a:prstGeom>
+        </p:spPr>
+        <p:style>
+          <a:lnRef idx="1">
+            <a:schemeClr val="accent1"/>
+          </a:lnRef>
+          <a:fillRef idx="2">
+            <a:schemeClr val="accent1"/>
+          </a:fillRef>
+          <a:effectRef idx="1">
+            <a:schemeClr val="accent1"/>
+          </a:effectRef>
+          <a:fontRef idx="minor">
+            <a:schemeClr val="dk1"/>
+          </a:fontRef>
+        </p:style>
+        <p:txBody>
+          <a:bodyPr rtlCol="0" anchor="t"/>
+          <a:lstStyle/>
+          <a:p>
+            <a:pPr algn="ctr"/>
+            <a:endParaRPr lang="en-US" sz="1600" dirty="0"/>
+          </a:p>
+        </p:txBody>
+      </p:sp>
+      <p:sp>
+        <p:nvSpPr>
+          <p:cNvPr id="53" name="Snip Diagonal Corner Rectangle 52"/>
+          <p:cNvSpPr/>
+          <p:nvPr/>
+        </p:nvSpPr>
+        <p:spPr>
+          <a:xfrm>
+            <a:off x="5042760" y="5200123"/>
+            <a:ext cx="1473509" cy="371179"/>
+          </a:xfrm>
+          <a:prstGeom prst="snip2DiagRect">
+            <a:avLst/>
+          </a:prstGeom>
+        </p:spPr>
+        <p:style>
+          <a:lnRef idx="1">
+            <a:schemeClr val="accent1"/>
+          </a:lnRef>
+          <a:fillRef idx="2">
+            <a:schemeClr val="accent1"/>
+          </a:fillRef>
+          <a:effectRef idx="1">
+            <a:schemeClr val="accent1"/>
+          </a:effectRef>
+          <a:fontRef idx="minor">
+            <a:schemeClr val="dk1"/>
+          </a:fontRef>
+        </p:style>
+        <p:txBody>
+          <a:bodyPr rtlCol="0" anchor="ctr"/>
+          <a:lstStyle/>
+          <a:p>
+            <a:pPr algn="ctr"/>
+            <a:r>
+              <a:rPr lang="en-US" sz="1400" dirty="0" smtClean="0"/>
+              <a:t>result</a:t>
+            </a:r>
+            <a:endParaRPr lang="en-US" sz="1400" dirty="0"/>
+          </a:p>
+        </p:txBody>
+      </p:sp>
+      <p:sp>
+        <p:nvSpPr>
+          <p:cNvPr id="54" name="Right Arrow 53"/>
+          <p:cNvSpPr/>
+          <p:nvPr/>
+        </p:nvSpPr>
+        <p:spPr>
+          <a:xfrm>
+            <a:off x="6818529" y="4279589"/>
+            <a:ext cx="1172080" cy="507431"/>
+          </a:xfrm>
+          <a:prstGeom prst="rightArrow">
+            <a:avLst/>
+          </a:prstGeom>
+        </p:spPr>
+        <p:style>
+          <a:lnRef idx="1">
+            <a:schemeClr val="accent1"/>
+          </a:lnRef>
+          <a:fillRef idx="2">
+            <a:schemeClr val="accent1"/>
+          </a:fillRef>
+          <a:effectRef idx="1">
+            <a:schemeClr val="accent1"/>
+          </a:effectRef>
+          <a:fontRef idx="minor">
+            <a:schemeClr val="dk1"/>
+          </a:fontRef>
+        </p:style>
+        <p:txBody>
+          <a:bodyPr rtlCol="0" anchor="t"/>
+          <a:lstStyle/>
+          <a:p>
+            <a:pPr algn="ctr"/>
+            <a:r>
+              <a:rPr lang="en-US" sz="1600" dirty="0" smtClean="0"/>
+              <a:t>save</a:t>
+            </a:r>
+            <a:endParaRPr lang="en-US" sz="1600" dirty="0"/>
+          </a:p>
+        </p:txBody>
+      </p:sp>
+      <p:sp>
+        <p:nvSpPr>
+          <p:cNvPr id="55" name="Rectangle 54"/>
+          <p:cNvSpPr/>
+          <p:nvPr/>
+        </p:nvSpPr>
+        <p:spPr>
+          <a:xfrm>
+            <a:off x="8131973" y="4087435"/>
+            <a:ext cx="1900449" cy="1399170"/>
+          </a:xfrm>
+          <a:prstGeom prst="rect">
+            <a:avLst/>
+          </a:prstGeom>
+        </p:spPr>
+        <p:style>
+          <a:lnRef idx="1">
+            <a:schemeClr val="accent1"/>
+          </a:lnRef>
+          <a:fillRef idx="2">
+            <a:schemeClr val="accent1"/>
+          </a:fillRef>
+          <a:effectRef idx="1">
+            <a:schemeClr val="accent1"/>
+          </a:effectRef>
+          <a:fontRef idx="minor">
+            <a:schemeClr val="dk1"/>
+          </a:fontRef>
+        </p:style>
+        <p:txBody>
+          <a:bodyPr rtlCol="0" anchor="ctr"/>
+          <a:lstStyle/>
+          <a:p>
+            <a:pPr algn="ctr"/>
+            <a:r>
+              <a:rPr lang="en-US"/>
+              <a:t>DataStore</a:t>
+            </a:r>
+            <a:endParaRPr lang="en-US" dirty="0"/>
+          </a:p>
+        </p:txBody>
+      </p:sp>
+      <p:sp>
+        <p:nvSpPr>
+          <p:cNvPr id="56" name="Action Button: Help 55">
+            <a:hlinkClick r:id="" action="ppaction://noaction" highlightClick="1"/>
+          </p:cNvPr>
+          <p:cNvSpPr/>
+          <p:nvPr/>
+        </p:nvSpPr>
+        <p:spPr>
+          <a:xfrm>
+            <a:off x="7022501" y="4938223"/>
+            <a:ext cx="800100" cy="841663"/>
+          </a:xfrm>
+          <a:prstGeom prst="actionButtonHelp">
+            <a:avLst/>
+          </a:prstGeom>
+          <a:solidFill>
+            <a:srgbClr val="FF0000"/>
+          </a:solidFill>
+        </p:spPr>
+        <p:style>
+          <a:lnRef idx="1">
+            <a:schemeClr val="accent2"/>
+          </a:lnRef>
+          <a:fillRef idx="2">
+            <a:schemeClr val="accent2"/>
+          </a:fillRef>
+          <a:effectRef idx="1">
+            <a:schemeClr val="accent2"/>
+          </a:effectRef>
+          <a:fontRef idx="minor">
+            <a:schemeClr val="dk1"/>
+          </a:fontRef>
+        </p:style>
+        <p:txBody>
+          <a:bodyPr rtlCol="0" anchor="ctr"/>
+          <a:lstStyle/>
+          <a:p>
+            <a:pPr algn="ctr"/>
+            <a:endParaRPr lang="en-US" b="1">
+              <a:ln w="6600">
+                <a:solidFill>
+                  <a:schemeClr val="accent2"/>
+                </a:solidFill>
+                <a:prstDash val="solid"/>
+              </a:ln>
+              <a:solidFill>
+                <a:srgbClr val="FFFFFF"/>
+              </a:solidFill>
+              <a:effectLst>
+                <a:outerShdw dist="38100" dir="2700000" algn="tl" rotWithShape="0">
+                  <a:schemeClr val="accent2"/>
+                </a:outerShdw>
+              </a:effectLst>
+            </a:endParaRPr>
+          </a:p>
+        </p:txBody>
+      </p:sp>
+    </p:spTree>
+    <p:extLst>
+      <p:ext uri="{BB962C8B-B14F-4D97-AF65-F5344CB8AC3E}">
+        <p14:creationId xmlns:p14="http://schemas.microsoft.com/office/powerpoint/2010/main" val="96473073"/>
+      </p:ext>
+    </p:extLst>
+  </p:cSld>
+  <p:clrMapOvr>
+    <a:masterClrMapping/>
+  </p:clrMapOvr>
+  <p:timing>
+    <p:tnLst>
+      <p:par>
+        <p:cTn id="1" dur="indefinite" restart="never" nodeType="tmRoot"/>
+      </p:par>
+    </p:tnLst>
+  </p:timing>
 </p:sld>
 </file>
 
@@ -7951,6 +9849,210 @@
   <p:clrMapOvr>
     <a:masterClrMapping/>
   </p:clrMapOvr>
+  <p:timing>
+    <p:tnLst>
+      <p:par>
+        <p:cTn id="1" dur="indefinite" restart="never" nodeType="tmRoot"/>
+      </p:par>
+    </p:tnLst>
+  </p:timing>
+</p:sld>
+</file>
+
+<file path=ppt/slides/slide9.xml><?xml version="1.0" encoding="utf-8"?>
+<p:sld xmlns:a="http://schemas.openxmlformats.org/drawingml/2006/main" xmlns:r="http://schemas.openxmlformats.org/officeDocument/2006/relationships" xmlns:p="http://schemas.openxmlformats.org/presentationml/2006/main">
+  <p:cSld>
+    <p:spTree>
+      <p:nvGrpSpPr>
+        <p:cNvPr id="1" name=""/>
+        <p:cNvGrpSpPr/>
+        <p:nvPr/>
+      </p:nvGrpSpPr>
+      <p:grpSpPr>
+        <a:xfrm>
+          <a:off x="0" y="0"/>
+          <a:ext cx="0" cy="0"/>
+          <a:chOff x="0" y="0"/>
+          <a:chExt cx="0" cy="0"/>
+        </a:xfrm>
+      </p:grpSpPr>
+      <p:pic>
+        <p:nvPicPr>
+          <p:cNvPr id="4" name="Picture 3"/>
+          <p:cNvPicPr>
+            <a:picLocks noChangeAspect="1"/>
+          </p:cNvPicPr>
+          <p:nvPr/>
+        </p:nvPicPr>
+        <p:blipFill rotWithShape="1">
+          <a:blip r:embed="rId2"/>
+          <a:srcRect l="28698" t="18536" r="28605" b="24215"/>
+          <a:stretch/>
+        </p:blipFill>
+        <p:spPr>
+          <a:xfrm>
+            <a:off x="823298" y="374556"/>
+            <a:ext cx="6507125" cy="4125434"/>
+          </a:xfrm>
+          <a:prstGeom prst="rect">
+            <a:avLst/>
+          </a:prstGeom>
+        </p:spPr>
+      </p:pic>
+      <p:sp>
+        <p:nvSpPr>
+          <p:cNvPr id="5" name="Right Arrow 4"/>
+          <p:cNvSpPr/>
+          <p:nvPr/>
+        </p:nvSpPr>
+        <p:spPr>
+          <a:xfrm>
+            <a:off x="7489799" y="1997199"/>
+            <a:ext cx="1363255" cy="394146"/>
+          </a:xfrm>
+          <a:prstGeom prst="rightArrow">
+            <a:avLst/>
+          </a:prstGeom>
+        </p:spPr>
+        <p:style>
+          <a:lnRef idx="1">
+            <a:schemeClr val="accent1"/>
+          </a:lnRef>
+          <a:fillRef idx="2">
+            <a:schemeClr val="accent1"/>
+          </a:fillRef>
+          <a:effectRef idx="1">
+            <a:schemeClr val="accent1"/>
+          </a:effectRef>
+          <a:fontRef idx="minor">
+            <a:schemeClr val="dk1"/>
+          </a:fontRef>
+        </p:style>
+        <p:txBody>
+          <a:bodyPr rtlCol="0" anchor="ctr"/>
+          <a:lstStyle/>
+          <a:p>
+            <a:pPr algn="ctr"/>
+            <a:endParaRPr lang="en-US" dirty="0"/>
+          </a:p>
+        </p:txBody>
+      </p:sp>
+      <p:sp>
+        <p:nvSpPr>
+          <p:cNvPr id="6" name="Oval 5"/>
+          <p:cNvSpPr/>
+          <p:nvPr/>
+        </p:nvSpPr>
+        <p:spPr>
+          <a:xfrm>
+            <a:off x="9114303" y="1724372"/>
+            <a:ext cx="1803400" cy="939800"/>
+          </a:xfrm>
+          <a:prstGeom prst="ellipse">
+            <a:avLst/>
+          </a:prstGeom>
+        </p:spPr>
+        <p:style>
+          <a:lnRef idx="1">
+            <a:schemeClr val="accent1"/>
+          </a:lnRef>
+          <a:fillRef idx="2">
+            <a:schemeClr val="accent1"/>
+          </a:fillRef>
+          <a:effectRef idx="1">
+            <a:schemeClr val="accent1"/>
+          </a:effectRef>
+          <a:fontRef idx="minor">
+            <a:schemeClr val="dk1"/>
+          </a:fontRef>
+        </p:style>
+        <p:txBody>
+          <a:bodyPr rtlCol="0" anchor="ctr"/>
+          <a:lstStyle/>
+          <a:p>
+            <a:pPr algn="ctr"/>
+            <a:r>
+              <a:rPr lang="en-US" dirty="0"/>
+              <a:t>Selection</a:t>
+            </a:r>
+          </a:p>
+        </p:txBody>
+      </p:sp>
+      <p:sp>
+        <p:nvSpPr>
+          <p:cNvPr id="7" name="Action Button: Help 6">
+            <a:hlinkClick r:id="" action="ppaction://noaction" highlightClick="1"/>
+          </p:cNvPr>
+          <p:cNvSpPr/>
+          <p:nvPr/>
+        </p:nvSpPr>
+        <p:spPr>
+          <a:xfrm>
+            <a:off x="7839624" y="955964"/>
+            <a:ext cx="800100" cy="841663"/>
+          </a:xfrm>
+          <a:prstGeom prst="actionButtonHelp">
+            <a:avLst/>
+          </a:prstGeom>
+          <a:solidFill>
+            <a:srgbClr val="FF0000"/>
+          </a:solidFill>
+        </p:spPr>
+        <p:style>
+          <a:lnRef idx="1">
+            <a:schemeClr val="accent2"/>
+          </a:lnRef>
+          <a:fillRef idx="2">
+            <a:schemeClr val="accent2"/>
+          </a:fillRef>
+          <a:effectRef idx="1">
+            <a:schemeClr val="accent2"/>
+          </a:effectRef>
+          <a:fontRef idx="minor">
+            <a:schemeClr val="dk1"/>
+          </a:fontRef>
+        </p:style>
+        <p:txBody>
+          <a:bodyPr rtlCol="0" anchor="ctr"/>
+          <a:lstStyle/>
+          <a:p>
+            <a:pPr algn="ctr"/>
+            <a:endParaRPr lang="en-US" b="1">
+              <a:ln w="6600">
+                <a:solidFill>
+                  <a:schemeClr val="accent2"/>
+                </a:solidFill>
+                <a:prstDash val="solid"/>
+              </a:ln>
+              <a:solidFill>
+                <a:srgbClr val="FFFFFF"/>
+              </a:solidFill>
+              <a:effectLst>
+                <a:outerShdw dist="38100" dir="2700000" algn="tl" rotWithShape="0">
+                  <a:schemeClr val="accent2"/>
+                </a:outerShdw>
+              </a:effectLst>
+            </a:endParaRPr>
+          </a:p>
+        </p:txBody>
+      </p:sp>
+    </p:spTree>
+    <p:extLst>
+      <p:ext uri="{BB962C8B-B14F-4D97-AF65-F5344CB8AC3E}">
+        <p14:creationId xmlns:p14="http://schemas.microsoft.com/office/powerpoint/2010/main" val="2079952195"/>
+      </p:ext>
+    </p:extLst>
+  </p:cSld>
+  <p:clrMapOvr>
+    <a:masterClrMapping/>
+  </p:clrMapOvr>
+  <p:timing>
+    <p:tnLst>
+      <p:par>
+        <p:cTn id="1" dur="indefinite" restart="never" nodeType="tmRoot"/>
+      </p:par>
+    </p:tnLst>
+  </p:timing>
 </p:sld>
 </file>
 
